--- a/Soutenance.pptx
+++ b/Soutenance.pptx
@@ -8,14 +8,15 @@
   <p:sldIdLst>
     <p:sldId id="256" r:id="rId3"/>
     <p:sldId id="257" r:id="rId4"/>
-    <p:sldId id="258" r:id="rId5"/>
-    <p:sldId id="259" r:id="rId6"/>
-    <p:sldId id="260" r:id="rId7"/>
-    <p:sldId id="261" r:id="rId8"/>
-    <p:sldId id="262" r:id="rId9"/>
-    <p:sldId id="263" r:id="rId10"/>
-    <p:sldId id="264" r:id="rId11"/>
-    <p:sldId id="265" r:id="rId12"/>
+    <p:sldId id="266" r:id="rId5"/>
+    <p:sldId id="258" r:id="rId6"/>
+    <p:sldId id="259" r:id="rId7"/>
+    <p:sldId id="260" r:id="rId8"/>
+    <p:sldId id="261" r:id="rId9"/>
+    <p:sldId id="262" r:id="rId10"/>
+    <p:sldId id="263" r:id="rId11"/>
+    <p:sldId id="264" r:id="rId12"/>
+    <p:sldId id="265" r:id="rId13"/>
   </p:sldIdLst>
   <p:sldSz cx="12192000" cy="6858000"/>
   <p:notesSz cx="6858000" cy="9144000"/>
@@ -114,6 +115,11 @@
       </a:defRPr>
     </a:lvl9pPr>
   </p:defaultTextStyle>
+  <p:extLst>
+    <p:ext uri="{EFAFB233-063F-42B5-8137-9DF3F51BA10A}">
+      <p15:sldGuideLst xmlns:p15="http://schemas.microsoft.com/office/powerpoint/2012/main"/>
+    </p:ext>
+  </p:extLst>
 </p:presentation>
 </file>
 
@@ -6841,6 +6847,642 @@
           <p:cNvPr id="2" name="标题 1">
             <a:extLst>
               <a:ext uri="{FF2B5EF4-FFF2-40B4-BE49-F238E27FC236}">
+                <a16:creationId xmlns:a16="http://schemas.microsoft.com/office/drawing/2014/main" id="{8ADDFF78-C601-4964-880C-F81C2517D149}"/>
+              </a:ext>
+            </a:extLst>
+          </p:cNvPr>
+          <p:cNvSpPr>
+            <a:spLocks noGrp="1"/>
+          </p:cNvSpPr>
+          <p:nvPr>
+            <p:ph type="title"/>
+          </p:nvPr>
+        </p:nvSpPr>
+        <p:spPr/>
+        <p:txBody>
+          <a:bodyPr/>
+          <a:lstStyle/>
+          <a:p>
+            <a:r>
+              <a:rPr lang="en-US" altLang="zh-CN" dirty="0"/>
+              <a:t>Vue</a:t>
+            </a:r>
+            <a:endParaRPr lang="zh-CN" altLang="en-US" dirty="0"/>
+          </a:p>
+        </p:txBody>
+      </p:sp>
+      <p:pic>
+        <p:nvPicPr>
+          <p:cNvPr id="4" name="内容占位符 3">
+            <a:extLst>
+              <a:ext uri="{FF2B5EF4-FFF2-40B4-BE49-F238E27FC236}">
+                <a16:creationId xmlns:a16="http://schemas.microsoft.com/office/drawing/2014/main" id="{C2B932F1-A168-4CF3-B61E-FA675A53E249}"/>
+              </a:ext>
+            </a:extLst>
+          </p:cNvPr>
+          <p:cNvPicPr>
+            <a:picLocks noGrp="1" noChangeAspect="1"/>
+          </p:cNvPicPr>
+          <p:nvPr>
+            <p:ph idx="1"/>
+          </p:nvPr>
+        </p:nvPicPr>
+        <p:blipFill>
+          <a:blip r:embed="rId2"/>
+          <a:stretch>
+            <a:fillRect/>
+          </a:stretch>
+        </p:blipFill>
+        <p:spPr>
+          <a:xfrm>
+            <a:off x="690340" y="1646034"/>
+            <a:ext cx="5436140" cy="4925363"/>
+          </a:xfrm>
+          <a:prstGeom prst="rect">
+            <a:avLst/>
+          </a:prstGeom>
+        </p:spPr>
+      </p:pic>
+      <p:sp>
+        <p:nvSpPr>
+          <p:cNvPr id="5" name="Rectangle 1">
+            <a:extLst>
+              <a:ext uri="{FF2B5EF4-FFF2-40B4-BE49-F238E27FC236}">
+                <a16:creationId xmlns:a16="http://schemas.microsoft.com/office/drawing/2014/main" id="{447CCA67-346E-4AC1-BF05-A7C63A9C98FB}"/>
+              </a:ext>
+            </a:extLst>
+          </p:cNvPr>
+          <p:cNvSpPr>
+            <a:spLocks noChangeArrowheads="1"/>
+          </p:cNvSpPr>
+          <p:nvPr/>
+        </p:nvSpPr>
+        <p:spPr bwMode="auto">
+          <a:xfrm>
+            <a:off x="6274340" y="423819"/>
+            <a:ext cx="5135042" cy="2677656"/>
+          </a:xfrm>
+          <a:prstGeom prst="rect">
+            <a:avLst/>
+          </a:prstGeom>
+          <a:solidFill>
+            <a:srgbClr val="FFFFFF"/>
+          </a:solidFill>
+          <a:ln>
+            <a:noFill/>
+          </a:ln>
+          <a:effectLst/>
+          <a:extLst>
+            <a:ext uri="{91240B29-F687-4F45-9708-019B960494DF}">
+              <a14:hiddenLine xmlns:a14="http://schemas.microsoft.com/office/drawing/2010/main" w="9525">
+                <a:solidFill>
+                  <a:schemeClr val="tx1"/>
+                </a:solidFill>
+                <a:miter lim="800000"/>
+                <a:headEnd/>
+                <a:tailEnd/>
+              </a14:hiddenLine>
+            </a:ext>
+            <a:ext uri="{AF507438-7753-43E0-B8FC-AC1667EBCBE1}">
+              <a14:hiddenEffects xmlns:a14="http://schemas.microsoft.com/office/drawing/2010/main">
+                <a:effectLst>
+                  <a:outerShdw dist="35921" dir="2700000" algn="ctr" rotWithShape="0">
+                    <a:schemeClr val="bg2"/>
+                  </a:outerShdw>
+                </a:effectLst>
+              </a14:hiddenEffects>
+            </a:ext>
+          </a:extLst>
+        </p:spPr>
+        <p:txBody>
+          <a:bodyPr vert="horz" wrap="square" lIns="91440" tIns="45720" rIns="91440" bIns="45720" numCol="1" anchor="ctr" anchorCtr="0" compatLnSpc="1">
+            <a:prstTxWarp prst="textNoShape">
+              <a:avLst/>
+            </a:prstTxWarp>
+            <a:spAutoFit/>
+          </a:bodyPr>
+          <a:lstStyle/>
+          <a:p>
+            <a:pPr marL="0" marR="0" lvl="0" indent="0" algn="l" defTabSz="914400" rtl="0" eaLnBrk="0" fontAlgn="base" latinLnBrk="0" hangingPunct="0">
+              <a:lnSpc>
+                <a:spcPct val="100000"/>
+              </a:lnSpc>
+              <a:spcBef>
+                <a:spcPct val="0"/>
+              </a:spcBef>
+              <a:spcAft>
+                <a:spcPct val="0"/>
+              </a:spcAft>
+              <a:buClrTx/>
+              <a:buSzTx/>
+              <a:buFontTx/>
+              <a:buNone/>
+              <a:tabLst/>
+            </a:pPr>
+            <a:br>
+              <a:rPr kumimoji="0" lang="zh-CN" altLang="zh-CN" sz="1400" b="0" i="1" u="none" strike="noStrike" cap="none" normalizeH="0" baseline="0" dirty="0">
+                <a:ln>
+                  <a:noFill/>
+                </a:ln>
+                <a:solidFill>
+                  <a:srgbClr val="808080"/>
+                </a:solidFill>
+                <a:effectLst/>
+                <a:latin typeface="Consolas" panose="020B0609020204030204" pitchFamily="49" charset="0"/>
+              </a:rPr>
+            </a:br>
+            <a:r>
+              <a:rPr kumimoji="0" lang="en-US" altLang="zh-CN" sz="1400" b="1" i="1" u="none" strike="noStrike" cap="none" normalizeH="0" baseline="0" dirty="0">
+                <a:ln>
+                  <a:noFill/>
+                </a:ln>
+                <a:solidFill>
+                  <a:srgbClr val="FF0000"/>
+                </a:solidFill>
+                <a:effectLst/>
+                <a:latin typeface="Consolas" panose="020B0609020204030204" pitchFamily="49" charset="0"/>
+              </a:rPr>
+              <a:t>VUE</a:t>
+            </a:r>
+            <a:r>
+              <a:rPr kumimoji="0" lang="zh-CN" altLang="zh-CN" sz="1400" b="0" i="1" u="none" strike="noStrike" cap="none" normalizeH="0" baseline="0" dirty="0">
+                <a:ln>
+                  <a:noFill/>
+                </a:ln>
+                <a:solidFill>
+                  <a:srgbClr val="808080"/>
+                </a:solidFill>
+                <a:effectLst/>
+                <a:latin typeface="Consolas" panose="020B0609020204030204" pitchFamily="49" charset="0"/>
+              </a:rPr>
+              <a:t>: l'interface avec l'utilisateur.</a:t>
+            </a:r>
+            <a:br>
+              <a:rPr kumimoji="0" lang="zh-CN" altLang="zh-CN" sz="1400" b="0" i="1" u="none" strike="noStrike" cap="none" normalizeH="0" baseline="0" dirty="0">
+                <a:ln>
+                  <a:noFill/>
+                </a:ln>
+                <a:solidFill>
+                  <a:srgbClr val="808080"/>
+                </a:solidFill>
+                <a:effectLst/>
+                <a:latin typeface="Consolas" panose="020B0609020204030204" pitchFamily="49" charset="0"/>
+              </a:rPr>
+            </a:br>
+            <a:br>
+              <a:rPr kumimoji="0" lang="zh-CN" altLang="zh-CN" sz="1400" b="0" i="1" u="none" strike="noStrike" cap="none" normalizeH="0" baseline="0" dirty="0">
+                <a:ln>
+                  <a:noFill/>
+                </a:ln>
+                <a:solidFill>
+                  <a:srgbClr val="808080"/>
+                </a:solidFill>
+                <a:effectLst/>
+                <a:latin typeface="Consolas" panose="020B0609020204030204" pitchFamily="49" charset="0"/>
+              </a:rPr>
+            </a:br>
+            <a:r>
+              <a:rPr kumimoji="0" lang="zh-CN" altLang="zh-CN" sz="1400" b="0" i="1" u="none" strike="noStrike" cap="none" normalizeH="0" baseline="0" dirty="0">
+                <a:ln>
+                  <a:noFill/>
+                </a:ln>
+                <a:solidFill>
+                  <a:srgbClr val="808080"/>
+                </a:solidFill>
+                <a:effectLst/>
+                <a:latin typeface="Consolas" panose="020B0609020204030204" pitchFamily="49" charset="0"/>
+              </a:rPr>
+              <a:t>On définit une classe chapeau [Vue] qui crée la fenêtre principale de</a:t>
+            </a:r>
+            <a:br>
+              <a:rPr kumimoji="0" lang="zh-CN" altLang="zh-CN" sz="1400" b="0" i="1" u="none" strike="noStrike" cap="none" normalizeH="0" baseline="0" dirty="0">
+                <a:ln>
+                  <a:noFill/>
+                </a:ln>
+                <a:solidFill>
+                  <a:srgbClr val="808080"/>
+                </a:solidFill>
+                <a:effectLst/>
+                <a:latin typeface="Consolas" panose="020B0609020204030204" pitchFamily="49" charset="0"/>
+              </a:rPr>
+            </a:br>
+            <a:r>
+              <a:rPr kumimoji="0" lang="zh-CN" altLang="zh-CN" sz="1400" b="0" i="1" u="none" strike="noStrike" cap="none" normalizeH="0" baseline="0" dirty="0">
+                <a:ln>
+                  <a:noFill/>
+                </a:ln>
+                <a:solidFill>
+                  <a:srgbClr val="808080"/>
+                </a:solidFill>
+                <a:effectLst/>
+                <a:latin typeface="Consolas" panose="020B0609020204030204" pitchFamily="49" charset="0"/>
+              </a:rPr>
+              <a:t>l'application et contient les deux parties principales de notre vue :</a:t>
+            </a:r>
+            <a:br>
+              <a:rPr kumimoji="0" lang="zh-CN" altLang="zh-CN" sz="1400" b="0" i="1" u="none" strike="noStrike" cap="none" normalizeH="0" baseline="0" dirty="0">
+                <a:ln>
+                  <a:noFill/>
+                </a:ln>
+                <a:solidFill>
+                  <a:srgbClr val="808080"/>
+                </a:solidFill>
+                <a:effectLst/>
+                <a:latin typeface="Consolas" panose="020B0609020204030204" pitchFamily="49" charset="0"/>
+              </a:rPr>
+            </a:br>
+            <a:r>
+              <a:rPr kumimoji="0" lang="zh-CN" altLang="zh-CN" sz="1400" b="0" i="1" u="none" strike="noStrike" cap="none" normalizeH="0" baseline="0" dirty="0">
+                <a:ln>
+                  <a:noFill/>
+                </a:ln>
+                <a:solidFill>
+                  <a:srgbClr val="808080"/>
+                </a:solidFill>
+                <a:effectLst/>
+                <a:latin typeface="Consolas" panose="020B0609020204030204" pitchFamily="49" charset="0"/>
+              </a:rPr>
+              <a:t>- Une zone d'affichage où on voit l'ensemble des cellules.</a:t>
+            </a:r>
+            <a:br>
+              <a:rPr kumimoji="0" lang="zh-CN" altLang="zh-CN" sz="1400" b="0" i="1" u="none" strike="noStrike" cap="none" normalizeH="0" baseline="0" dirty="0">
+                <a:ln>
+                  <a:noFill/>
+                </a:ln>
+                <a:solidFill>
+                  <a:srgbClr val="808080"/>
+                </a:solidFill>
+                <a:effectLst/>
+                <a:latin typeface="Consolas" panose="020B0609020204030204" pitchFamily="49" charset="0"/>
+              </a:rPr>
+            </a:br>
+            <a:r>
+              <a:rPr kumimoji="0" lang="zh-CN" altLang="zh-CN" sz="1400" b="0" i="1" u="none" strike="noStrike" cap="none" normalizeH="0" baseline="0" dirty="0">
+                <a:ln>
+                  <a:noFill/>
+                </a:ln>
+                <a:solidFill>
+                  <a:srgbClr val="808080"/>
+                </a:solidFill>
+                <a:effectLst/>
+                <a:latin typeface="Consolas" panose="020B0609020204030204" pitchFamily="49" charset="0"/>
+              </a:rPr>
+              <a:t>- Une zone de commande avec un bouton pour passer à la génération suivante.</a:t>
+            </a:r>
+            <a:br>
+              <a:rPr kumimoji="0" lang="zh-CN" altLang="zh-CN" sz="1400" b="0" i="1" u="none" strike="noStrike" cap="none" normalizeH="0" baseline="0" dirty="0">
+                <a:ln>
+                  <a:noFill/>
+                </a:ln>
+                <a:solidFill>
+                  <a:srgbClr val="808080"/>
+                </a:solidFill>
+                <a:effectLst/>
+                <a:latin typeface="Consolas" panose="020B0609020204030204" pitchFamily="49" charset="0"/>
+              </a:rPr>
+            </a:br>
+            <a:endParaRPr lang="en-US" altLang="zh-CN" sz="1400" i="1" dirty="0">
+              <a:solidFill>
+                <a:srgbClr val="808080"/>
+              </a:solidFill>
+              <a:latin typeface="Consolas" panose="020B0609020204030204" pitchFamily="49" charset="0"/>
+            </a:endParaRPr>
+          </a:p>
+        </p:txBody>
+      </p:sp>
+      <p:sp>
+        <p:nvSpPr>
+          <p:cNvPr id="6" name="Rectangle 2">
+            <a:extLst>
+              <a:ext uri="{FF2B5EF4-FFF2-40B4-BE49-F238E27FC236}">
+                <a16:creationId xmlns:a16="http://schemas.microsoft.com/office/drawing/2014/main" id="{E8065AFC-5235-4A36-9E1E-F2E48BAE3FBC}"/>
+              </a:ext>
+            </a:extLst>
+          </p:cNvPr>
+          <p:cNvSpPr>
+            <a:spLocks noChangeArrowheads="1"/>
+          </p:cNvSpPr>
+          <p:nvPr/>
+        </p:nvSpPr>
+        <p:spPr bwMode="auto">
+          <a:xfrm>
+            <a:off x="6274340" y="3296019"/>
+            <a:ext cx="4142792" cy="1169551"/>
+          </a:xfrm>
+          <a:prstGeom prst="rect">
+            <a:avLst/>
+          </a:prstGeom>
+          <a:solidFill>
+            <a:srgbClr val="FFFFFF"/>
+          </a:solidFill>
+          <a:ln>
+            <a:noFill/>
+          </a:ln>
+          <a:effectLst/>
+          <a:extLst>
+            <a:ext uri="{91240B29-F687-4F45-9708-019B960494DF}">
+              <a14:hiddenLine xmlns:a14="http://schemas.microsoft.com/office/drawing/2010/main" w="9525">
+                <a:solidFill>
+                  <a:schemeClr val="tx1"/>
+                </a:solidFill>
+                <a:miter lim="800000"/>
+                <a:headEnd/>
+                <a:tailEnd/>
+              </a14:hiddenLine>
+            </a:ext>
+            <a:ext uri="{AF507438-7753-43E0-B8FC-AC1667EBCBE1}">
+              <a14:hiddenEffects xmlns:a14="http://schemas.microsoft.com/office/drawing/2010/main">
+                <a:effectLst>
+                  <a:outerShdw dist="35921" dir="2700000" algn="ctr" rotWithShape="0">
+                    <a:schemeClr val="bg2"/>
+                  </a:outerShdw>
+                </a:effectLst>
+              </a14:hiddenEffects>
+            </a:ext>
+          </a:extLst>
+        </p:spPr>
+        <p:txBody>
+          <a:bodyPr vert="horz" wrap="square" lIns="91440" tIns="45720" rIns="91440" bIns="45720" numCol="1" anchor="ctr" anchorCtr="0" compatLnSpc="1">
+            <a:prstTxWarp prst="textNoShape">
+              <a:avLst/>
+            </a:prstTxWarp>
+            <a:spAutoFit/>
+          </a:bodyPr>
+          <a:lstStyle/>
+          <a:p>
+            <a:pPr marL="0" marR="0" lvl="0" indent="0" algn="l" defTabSz="914400" rtl="0" eaLnBrk="0" fontAlgn="base" latinLnBrk="0" hangingPunct="0">
+              <a:lnSpc>
+                <a:spcPct val="100000"/>
+              </a:lnSpc>
+              <a:spcBef>
+                <a:spcPct val="0"/>
+              </a:spcBef>
+              <a:spcAft>
+                <a:spcPct val="0"/>
+              </a:spcAft>
+              <a:buClrTx/>
+              <a:buSzTx/>
+              <a:buFontTx/>
+              <a:buNone/>
+              <a:tabLst/>
+            </a:pPr>
+            <a:r>
+              <a:rPr kumimoji="0" lang="en-US" altLang="zh-CN" sz="1400" b="1" i="1" u="none" strike="noStrike" cap="none" normalizeH="0" baseline="0" dirty="0">
+                <a:ln>
+                  <a:noFill/>
+                </a:ln>
+                <a:solidFill>
+                  <a:srgbClr val="FF0000"/>
+                </a:solidFill>
+                <a:effectLst/>
+                <a:latin typeface="Consolas" panose="020B0609020204030204" pitchFamily="49" charset="0"/>
+              </a:rPr>
+              <a:t>VUE COMMANDES</a:t>
+            </a:r>
+            <a:r>
+              <a:rPr kumimoji="0" lang="en-US" altLang="zh-CN" sz="1400" b="0" i="1" u="none" strike="noStrike" cap="none" normalizeH="0" baseline="0" dirty="0">
+                <a:ln>
+                  <a:noFill/>
+                </a:ln>
+                <a:solidFill>
+                  <a:srgbClr val="808080"/>
+                </a:solidFill>
+                <a:effectLst/>
+                <a:latin typeface="Consolas" panose="020B0609020204030204" pitchFamily="49" charset="0"/>
+              </a:rPr>
+              <a:t>: </a:t>
+            </a:r>
+            <a:r>
+              <a:rPr kumimoji="0" lang="zh-CN" altLang="zh-CN" sz="1400" b="0" i="1" u="none" strike="noStrike" cap="none" normalizeH="0" baseline="0" dirty="0">
+                <a:ln>
+                  <a:noFill/>
+                </a:ln>
+                <a:solidFill>
+                  <a:srgbClr val="808080"/>
+                </a:solidFill>
+                <a:effectLst/>
+                <a:latin typeface="Consolas" panose="020B0609020204030204" pitchFamily="49" charset="0"/>
+              </a:rPr>
+              <a:t>Une classe pour représenter la zone contenant le bouton.</a:t>
+            </a:r>
+            <a:br>
+              <a:rPr kumimoji="0" lang="zh-CN" altLang="zh-CN" sz="1400" b="0" i="1" u="none" strike="noStrike" cap="none" normalizeH="0" baseline="0" dirty="0">
+                <a:ln>
+                  <a:noFill/>
+                </a:ln>
+                <a:solidFill>
+                  <a:srgbClr val="808080"/>
+                </a:solidFill>
+                <a:effectLst/>
+                <a:latin typeface="Consolas" panose="020B0609020204030204" pitchFamily="49" charset="0"/>
+              </a:rPr>
+            </a:br>
+            <a:br>
+              <a:rPr kumimoji="0" lang="zh-CN" altLang="zh-CN" sz="1400" b="0" i="1" u="none" strike="noStrike" cap="none" normalizeH="0" baseline="0" dirty="0">
+                <a:ln>
+                  <a:noFill/>
+                </a:ln>
+                <a:solidFill>
+                  <a:srgbClr val="808080"/>
+                </a:solidFill>
+                <a:effectLst/>
+                <a:latin typeface="Consolas" panose="020B0609020204030204" pitchFamily="49" charset="0"/>
+              </a:rPr>
+            </a:br>
+            <a:r>
+              <a:rPr kumimoji="0" lang="zh-CN" altLang="zh-CN" sz="1400" b="0" i="1" u="none" strike="noStrike" cap="none" normalizeH="0" baseline="0" dirty="0">
+                <a:ln>
+                  <a:noFill/>
+                </a:ln>
+                <a:solidFill>
+                  <a:srgbClr val="808080"/>
+                </a:solidFill>
+                <a:effectLst/>
+                <a:latin typeface="Consolas" panose="020B0609020204030204" pitchFamily="49" charset="0"/>
+              </a:rPr>
+              <a:t>Cette zone n'aura pas à être mise à jour et ne sera donc pas un observateur.</a:t>
+            </a:r>
+            <a:endParaRPr kumimoji="0" lang="en-US" altLang="zh-CN" sz="1400" b="0" i="1" u="none" strike="noStrike" cap="none" normalizeH="0" baseline="0" dirty="0">
+              <a:ln>
+                <a:noFill/>
+              </a:ln>
+              <a:solidFill>
+                <a:srgbClr val="808080"/>
+              </a:solidFill>
+              <a:effectLst/>
+              <a:latin typeface="Consolas" panose="020B0609020204030204" pitchFamily="49" charset="0"/>
+            </a:endParaRPr>
+          </a:p>
+        </p:txBody>
+      </p:sp>
+      <p:sp>
+        <p:nvSpPr>
+          <p:cNvPr id="7" name="Rectangle 3">
+            <a:extLst>
+              <a:ext uri="{FF2B5EF4-FFF2-40B4-BE49-F238E27FC236}">
+                <a16:creationId xmlns:a16="http://schemas.microsoft.com/office/drawing/2014/main" id="{5EBA6C42-D0C7-4A4B-9915-2F619B57103E}"/>
+              </a:ext>
+            </a:extLst>
+          </p:cNvPr>
+          <p:cNvSpPr>
+            <a:spLocks noChangeArrowheads="1"/>
+          </p:cNvSpPr>
+          <p:nvPr/>
+        </p:nvSpPr>
+        <p:spPr bwMode="auto">
+          <a:xfrm>
+            <a:off x="6274340" y="4862087"/>
+            <a:ext cx="4497355" cy="738664"/>
+          </a:xfrm>
+          <a:prstGeom prst="rect">
+            <a:avLst/>
+          </a:prstGeom>
+          <a:solidFill>
+            <a:srgbClr val="FFFFFF"/>
+          </a:solidFill>
+          <a:ln>
+            <a:noFill/>
+          </a:ln>
+          <a:effectLst/>
+          <a:extLst>
+            <a:ext uri="{91240B29-F687-4F45-9708-019B960494DF}">
+              <a14:hiddenLine xmlns:a14="http://schemas.microsoft.com/office/drawing/2010/main" w="9525">
+                <a:solidFill>
+                  <a:schemeClr val="tx1"/>
+                </a:solidFill>
+                <a:miter lim="800000"/>
+                <a:headEnd/>
+                <a:tailEnd/>
+              </a14:hiddenLine>
+            </a:ext>
+            <a:ext uri="{AF507438-7753-43E0-B8FC-AC1667EBCBE1}">
+              <a14:hiddenEffects xmlns:a14="http://schemas.microsoft.com/office/drawing/2010/main">
+                <a:effectLst>
+                  <a:outerShdw dist="35921" dir="2700000" algn="ctr" rotWithShape="0">
+                    <a:schemeClr val="bg2"/>
+                  </a:outerShdw>
+                </a:effectLst>
+              </a14:hiddenEffects>
+            </a:ext>
+          </a:extLst>
+        </p:spPr>
+        <p:txBody>
+          <a:bodyPr vert="horz" wrap="square" lIns="91440" tIns="45720" rIns="91440" bIns="45720" numCol="1" anchor="ctr" anchorCtr="0" compatLnSpc="1">
+            <a:prstTxWarp prst="textNoShape">
+              <a:avLst/>
+            </a:prstTxWarp>
+            <a:spAutoFit/>
+          </a:bodyPr>
+          <a:lstStyle/>
+          <a:p>
+            <a:pPr marL="0" marR="0" lvl="0" indent="0" algn="l" defTabSz="914400" rtl="0" eaLnBrk="0" fontAlgn="base" latinLnBrk="0" hangingPunct="0">
+              <a:lnSpc>
+                <a:spcPct val="100000"/>
+              </a:lnSpc>
+              <a:spcBef>
+                <a:spcPct val="0"/>
+              </a:spcBef>
+              <a:spcAft>
+                <a:spcPct val="0"/>
+              </a:spcAft>
+              <a:buClrTx/>
+              <a:buSzTx/>
+              <a:buFontTx/>
+              <a:buNone/>
+              <a:tabLst/>
+            </a:pPr>
+            <a:r>
+              <a:rPr kumimoji="0" lang="en-US" altLang="zh-CN" sz="1400" b="1" i="1" u="none" strike="noStrike" cap="none" normalizeH="0" baseline="0" dirty="0">
+                <a:ln>
+                  <a:noFill/>
+                </a:ln>
+                <a:solidFill>
+                  <a:srgbClr val="FF0000"/>
+                </a:solidFill>
+                <a:effectLst/>
+                <a:latin typeface="Consolas" panose="020B0609020204030204" pitchFamily="49" charset="0"/>
+              </a:rPr>
+              <a:t>VUE GRILLE</a:t>
+            </a:r>
+          </a:p>
+          <a:p>
+            <a:pPr marL="0" marR="0" lvl="0" indent="0" algn="l" defTabSz="914400" rtl="0" eaLnBrk="0" fontAlgn="base" latinLnBrk="0" hangingPunct="0">
+              <a:lnSpc>
+                <a:spcPct val="100000"/>
+              </a:lnSpc>
+              <a:spcBef>
+                <a:spcPct val="0"/>
+              </a:spcBef>
+              <a:spcAft>
+                <a:spcPct val="0"/>
+              </a:spcAft>
+              <a:buClrTx/>
+              <a:buSzTx/>
+              <a:buFontTx/>
+              <a:buNone/>
+              <a:tabLst/>
+            </a:pPr>
+            <a:r>
+              <a:rPr kumimoji="0" lang="zh-CN" altLang="zh-CN" sz="1400" b="0" i="1" u="none" strike="noStrike" cap="none" normalizeH="0" baseline="0" dirty="0">
+                <a:ln>
+                  <a:noFill/>
+                </a:ln>
+                <a:solidFill>
+                  <a:srgbClr val="808080"/>
+                </a:solidFill>
+                <a:effectLst/>
+                <a:latin typeface="Consolas" panose="020B0609020204030204" pitchFamily="49" charset="0"/>
+              </a:rPr>
+              <a:t>Une classe pour représenter la zone d'affichage des cellules.</a:t>
+            </a:r>
+            <a:endParaRPr kumimoji="0" lang="zh-CN" altLang="zh-CN" sz="4000" b="0" i="0" u="none" strike="noStrike" cap="none" normalizeH="0" baseline="0" dirty="0">
+              <a:ln>
+                <a:noFill/>
+              </a:ln>
+              <a:solidFill>
+                <a:schemeClr val="tx1"/>
+              </a:solidFill>
+              <a:effectLst/>
+              <a:latin typeface="Arial" panose="020B0604020202020204" pitchFamily="34" charset="0"/>
+            </a:endParaRPr>
+          </a:p>
+        </p:txBody>
+      </p:sp>
+    </p:spTree>
+    <p:extLst>
+      <p:ext uri="{BB962C8B-B14F-4D97-AF65-F5344CB8AC3E}">
+        <p14:creationId xmlns:p14="http://schemas.microsoft.com/office/powerpoint/2010/main" val="2797637266"/>
+      </p:ext>
+    </p:extLst>
+  </p:cSld>
+  <p:clrMapOvr>
+    <a:masterClrMapping/>
+  </p:clrMapOvr>
+</p:sld>
+</file>
+
+<file path=ppt/slides/slide11.xml><?xml version="1.0" encoding="utf-8"?>
+<p:sld xmlns:a="http://schemas.openxmlformats.org/drawingml/2006/main" xmlns:r="http://schemas.openxmlformats.org/officeDocument/2006/relationships" xmlns:p="http://schemas.openxmlformats.org/presentationml/2006/main">
+  <p:cSld>
+    <p:spTree>
+      <p:nvGrpSpPr>
+        <p:cNvPr id="1" name=""/>
+        <p:cNvGrpSpPr/>
+        <p:nvPr/>
+      </p:nvGrpSpPr>
+      <p:grpSpPr>
+        <a:xfrm>
+          <a:off x="0" y="0"/>
+          <a:ext cx="0" cy="0"/>
+          <a:chOff x="0" y="0"/>
+          <a:chExt cx="0" cy="0"/>
+        </a:xfrm>
+      </p:grpSpPr>
+      <p:sp>
+        <p:nvSpPr>
+          <p:cNvPr id="2" name="标题 1">
+            <a:extLst>
+              <a:ext uri="{FF2B5EF4-FFF2-40B4-BE49-F238E27FC236}">
                 <a16:creationId xmlns:a16="http://schemas.microsoft.com/office/drawing/2014/main" id="{0BAF78C0-73D0-4E2E-AEED-A922B8ADEF8C}"/>
               </a:ext>
             </a:extLst>
@@ -7120,6 +7762,163 @@
           <p:cNvPr id="2" name="标题 1">
             <a:extLst>
               <a:ext uri="{FF2B5EF4-FFF2-40B4-BE49-F238E27FC236}">
+                <a16:creationId xmlns:a16="http://schemas.microsoft.com/office/drawing/2014/main" id="{B2A8425F-7DE7-4605-8C00-9910DC0CB82A}"/>
+              </a:ext>
+            </a:extLst>
+          </p:cNvPr>
+          <p:cNvSpPr>
+            <a:spLocks noGrp="1"/>
+          </p:cNvSpPr>
+          <p:nvPr>
+            <p:ph type="title"/>
+          </p:nvPr>
+        </p:nvSpPr>
+        <p:spPr/>
+        <p:txBody>
+          <a:bodyPr/>
+          <a:lstStyle/>
+          <a:p>
+            <a:r>
+              <a:rPr lang="en-US" altLang="zh-CN" dirty="0"/>
+              <a:t>Nous </a:t>
+            </a:r>
+            <a:r>
+              <a:rPr lang="en-US" altLang="zh-CN" dirty="0" err="1"/>
+              <a:t>avons</a:t>
+            </a:r>
+            <a:r>
+              <a:rPr lang="en-US" altLang="zh-CN" dirty="0"/>
+              <a:t> </a:t>
+            </a:r>
+            <a:r>
+              <a:rPr lang="en-US" altLang="zh-CN" dirty="0" err="1"/>
+              <a:t>terminé</a:t>
+            </a:r>
+            <a:r>
+              <a:rPr lang="en-US" altLang="zh-CN" dirty="0"/>
+              <a:t> ……</a:t>
+            </a:r>
+            <a:endParaRPr lang="zh-CN" altLang="en-US" dirty="0"/>
+          </a:p>
+        </p:txBody>
+      </p:sp>
+      <p:sp>
+        <p:nvSpPr>
+          <p:cNvPr id="3" name="内容占位符 2">
+            <a:extLst>
+              <a:ext uri="{FF2B5EF4-FFF2-40B4-BE49-F238E27FC236}">
+                <a16:creationId xmlns:a16="http://schemas.microsoft.com/office/drawing/2014/main" id="{88F729E3-7C5E-49B0-8EDF-B905A99E92EC}"/>
+              </a:ext>
+            </a:extLst>
+          </p:cNvPr>
+          <p:cNvSpPr>
+            <a:spLocks noGrp="1"/>
+          </p:cNvSpPr>
+          <p:nvPr>
+            <p:ph idx="1"/>
+          </p:nvPr>
+        </p:nvSpPr>
+        <p:spPr/>
+        <p:txBody>
+          <a:bodyPr>
+            <a:normAutofit/>
+          </a:bodyPr>
+          <a:lstStyle/>
+          <a:p>
+            <a:endParaRPr lang="en-US" altLang="zh-CN" sz="2800" dirty="0"/>
+          </a:p>
+          <a:p>
+            <a:r>
+              <a:rPr lang="en-US" altLang="zh-CN" sz="2800" dirty="0"/>
+              <a:t>√ </a:t>
+            </a:r>
+            <a:r>
+              <a:rPr lang="fr-FR" altLang="zh-CN" sz="2800" dirty="0"/>
+              <a:t>Partie I : On va se la couler douce</a:t>
+            </a:r>
+          </a:p>
+          <a:p>
+            <a:r>
+              <a:rPr lang="fr-FR" altLang="zh-CN" sz="2800" dirty="0"/>
+              <a:t>√ Partie II : </a:t>
+            </a:r>
+            <a:r>
+              <a:rPr lang="fr-FR" altLang="zh-CN" sz="2800" dirty="0" err="1"/>
+              <a:t>Noooon</a:t>
+            </a:r>
+            <a:r>
+              <a:rPr lang="fr-FR" altLang="zh-CN" sz="2800" dirty="0"/>
+              <a:t>, pas la trempette !</a:t>
+            </a:r>
+          </a:p>
+          <a:p>
+            <a:r>
+              <a:rPr lang="fr-FR" altLang="zh-CN" sz="2800" dirty="0"/>
+              <a:t>√ Partie III : Sa </a:t>
+            </a:r>
+            <a:r>
+              <a:rPr lang="fr-FR" altLang="zh-CN" sz="2800" dirty="0" err="1"/>
+              <a:t>palce</a:t>
+            </a:r>
+            <a:r>
+              <a:rPr lang="fr-FR" altLang="zh-CN" sz="2800" dirty="0"/>
+              <a:t> est dans un musée</a:t>
+            </a:r>
+          </a:p>
+          <a:p>
+            <a:r>
+              <a:rPr lang="fr-FR" altLang="zh-CN" sz="2800" dirty="0"/>
+              <a:t>√  Spéciale : Actions spéciales. </a:t>
+            </a:r>
+            <a:r>
+              <a:rPr lang="en-US" altLang="zh-CN" sz="2800" dirty="0"/>
+              <a:t>(ASSECHER)</a:t>
+            </a:r>
+            <a:endParaRPr lang="fr-FR" altLang="zh-CN" sz="2800" dirty="0"/>
+          </a:p>
+          <a:p>
+            <a:r>
+              <a:rPr lang="fr-FR" altLang="zh-CN" sz="2800" dirty="0"/>
+              <a:t>√  Spéciale : Personnages particuliers. (Ingénieur et Explorateur)</a:t>
+            </a:r>
+          </a:p>
+        </p:txBody>
+      </p:sp>
+    </p:spTree>
+    <p:extLst>
+      <p:ext uri="{BB962C8B-B14F-4D97-AF65-F5344CB8AC3E}">
+        <p14:creationId xmlns:p14="http://schemas.microsoft.com/office/powerpoint/2010/main" val="304133379"/>
+      </p:ext>
+    </p:extLst>
+  </p:cSld>
+  <p:clrMapOvr>
+    <a:masterClrMapping/>
+  </p:clrMapOvr>
+</p:sld>
+</file>
+
+<file path=ppt/slides/slide4.xml><?xml version="1.0" encoding="utf-8"?>
+<p:sld xmlns:a="http://schemas.openxmlformats.org/drawingml/2006/main" xmlns:r="http://schemas.openxmlformats.org/officeDocument/2006/relationships" xmlns:p="http://schemas.openxmlformats.org/presentationml/2006/main">
+  <p:cSld>
+    <p:spTree>
+      <p:nvGrpSpPr>
+        <p:cNvPr id="1" name=""/>
+        <p:cNvGrpSpPr/>
+        <p:nvPr/>
+      </p:nvGrpSpPr>
+      <p:grpSpPr>
+        <a:xfrm>
+          <a:off x="0" y="0"/>
+          <a:ext cx="0" cy="0"/>
+          <a:chOff x="0" y="0"/>
+          <a:chExt cx="0" cy="0"/>
+        </a:xfrm>
+      </p:grpSpPr>
+      <p:sp>
+        <p:nvSpPr>
+          <p:cNvPr id="2" name="标题 1">
+            <a:extLst>
+              <a:ext uri="{FF2B5EF4-FFF2-40B4-BE49-F238E27FC236}">
                 <a16:creationId xmlns:a16="http://schemas.microsoft.com/office/drawing/2014/main" id="{E9C02FEB-AADF-424C-A1BB-1724E7F6A644}"/>
               </a:ext>
             </a:extLst>
@@ -7221,7 +8020,7 @@
 </p:sld>
 </file>
 
-<file path=ppt/slides/slide4.xml><?xml version="1.0" encoding="utf-8"?>
+<file path=ppt/slides/slide5.xml><?xml version="1.0" encoding="utf-8"?>
 <p:sld xmlns:a="http://schemas.openxmlformats.org/drawingml/2006/main" xmlns:r="http://schemas.openxmlformats.org/officeDocument/2006/relationships" xmlns:p="http://schemas.openxmlformats.org/presentationml/2006/main">
   <p:cSld>
     <p:spTree>
@@ -8466,7 +9265,7 @@
 </p:sld>
 </file>
 
-<file path=ppt/slides/slide5.xml><?xml version="1.0" encoding="utf-8"?>
+<file path=ppt/slides/slide6.xml><?xml version="1.0" encoding="utf-8"?>
 <p:sld xmlns:a="http://schemas.openxmlformats.org/drawingml/2006/main" xmlns:r="http://schemas.openxmlformats.org/officeDocument/2006/relationships" xmlns:p="http://schemas.openxmlformats.org/presentationml/2006/main">
   <p:cSld>
     <p:spTree>
@@ -10290,7 +11089,7 @@
 </p:sld>
 </file>
 
-<file path=ppt/slides/slide6.xml><?xml version="1.0" encoding="utf-8"?>
+<file path=ppt/slides/slide7.xml><?xml version="1.0" encoding="utf-8"?>
 <p:sld xmlns:a="http://schemas.openxmlformats.org/drawingml/2006/main" xmlns:r="http://schemas.openxmlformats.org/officeDocument/2006/relationships" xmlns:p="http://schemas.openxmlformats.org/presentationml/2006/main">
   <p:cSld>
     <p:spTree>
@@ -12197,7 +12996,7 @@
 </p:sld>
 </file>
 
-<file path=ppt/slides/slide7.xml><?xml version="1.0" encoding="utf-8"?>
+<file path=ppt/slides/slide8.xml><?xml version="1.0" encoding="utf-8"?>
 <p:sld xmlns:a="http://schemas.openxmlformats.org/drawingml/2006/main" xmlns:r="http://schemas.openxmlformats.org/officeDocument/2006/relationships" xmlns:p="http://schemas.openxmlformats.org/presentationml/2006/main">
   <p:cSld>
     <p:spTree>
@@ -13712,7 +14511,7 @@
 </p:sld>
 </file>
 
-<file path=ppt/slides/slide8.xml><?xml version="1.0" encoding="utf-8"?>
+<file path=ppt/slides/slide9.xml><?xml version="1.0" encoding="utf-8"?>
 <p:sld xmlns:a="http://schemas.openxmlformats.org/drawingml/2006/main" xmlns:r="http://schemas.openxmlformats.org/officeDocument/2006/relationships" xmlns:p="http://schemas.openxmlformats.org/presentationml/2006/main">
   <p:cSld>
     <p:spTree>
@@ -14024,642 +14823,6 @@
     <p:extLst>
       <p:ext uri="{BB962C8B-B14F-4D97-AF65-F5344CB8AC3E}">
         <p14:creationId xmlns:p14="http://schemas.microsoft.com/office/powerpoint/2010/main" val="253532566"/>
-      </p:ext>
-    </p:extLst>
-  </p:cSld>
-  <p:clrMapOvr>
-    <a:masterClrMapping/>
-  </p:clrMapOvr>
-</p:sld>
-</file>
-
-<file path=ppt/slides/slide9.xml><?xml version="1.0" encoding="utf-8"?>
-<p:sld xmlns:a="http://schemas.openxmlformats.org/drawingml/2006/main" xmlns:r="http://schemas.openxmlformats.org/officeDocument/2006/relationships" xmlns:p="http://schemas.openxmlformats.org/presentationml/2006/main">
-  <p:cSld>
-    <p:spTree>
-      <p:nvGrpSpPr>
-        <p:cNvPr id="1" name=""/>
-        <p:cNvGrpSpPr/>
-        <p:nvPr/>
-      </p:nvGrpSpPr>
-      <p:grpSpPr>
-        <a:xfrm>
-          <a:off x="0" y="0"/>
-          <a:ext cx="0" cy="0"/>
-          <a:chOff x="0" y="0"/>
-          <a:chExt cx="0" cy="0"/>
-        </a:xfrm>
-      </p:grpSpPr>
-      <p:sp>
-        <p:nvSpPr>
-          <p:cNvPr id="2" name="标题 1">
-            <a:extLst>
-              <a:ext uri="{FF2B5EF4-FFF2-40B4-BE49-F238E27FC236}">
-                <a16:creationId xmlns:a16="http://schemas.microsoft.com/office/drawing/2014/main" id="{8ADDFF78-C601-4964-880C-F81C2517D149}"/>
-              </a:ext>
-            </a:extLst>
-          </p:cNvPr>
-          <p:cNvSpPr>
-            <a:spLocks noGrp="1"/>
-          </p:cNvSpPr>
-          <p:nvPr>
-            <p:ph type="title"/>
-          </p:nvPr>
-        </p:nvSpPr>
-        <p:spPr/>
-        <p:txBody>
-          <a:bodyPr/>
-          <a:lstStyle/>
-          <a:p>
-            <a:r>
-              <a:rPr lang="en-US" altLang="zh-CN" dirty="0"/>
-              <a:t>Vue</a:t>
-            </a:r>
-            <a:endParaRPr lang="zh-CN" altLang="en-US" dirty="0"/>
-          </a:p>
-        </p:txBody>
-      </p:sp>
-      <p:pic>
-        <p:nvPicPr>
-          <p:cNvPr id="4" name="内容占位符 3">
-            <a:extLst>
-              <a:ext uri="{FF2B5EF4-FFF2-40B4-BE49-F238E27FC236}">
-                <a16:creationId xmlns:a16="http://schemas.microsoft.com/office/drawing/2014/main" id="{C2B932F1-A168-4CF3-B61E-FA675A53E249}"/>
-              </a:ext>
-            </a:extLst>
-          </p:cNvPr>
-          <p:cNvPicPr>
-            <a:picLocks noGrp="1" noChangeAspect="1"/>
-          </p:cNvPicPr>
-          <p:nvPr>
-            <p:ph idx="1"/>
-          </p:nvPr>
-        </p:nvPicPr>
-        <p:blipFill>
-          <a:blip r:embed="rId2"/>
-          <a:stretch>
-            <a:fillRect/>
-          </a:stretch>
-        </p:blipFill>
-        <p:spPr>
-          <a:xfrm>
-            <a:off x="690340" y="1646034"/>
-            <a:ext cx="5436140" cy="4925363"/>
-          </a:xfrm>
-          <a:prstGeom prst="rect">
-            <a:avLst/>
-          </a:prstGeom>
-        </p:spPr>
-      </p:pic>
-      <p:sp>
-        <p:nvSpPr>
-          <p:cNvPr id="5" name="Rectangle 1">
-            <a:extLst>
-              <a:ext uri="{FF2B5EF4-FFF2-40B4-BE49-F238E27FC236}">
-                <a16:creationId xmlns:a16="http://schemas.microsoft.com/office/drawing/2014/main" id="{447CCA67-346E-4AC1-BF05-A7C63A9C98FB}"/>
-              </a:ext>
-            </a:extLst>
-          </p:cNvPr>
-          <p:cNvSpPr>
-            <a:spLocks noChangeArrowheads="1"/>
-          </p:cNvSpPr>
-          <p:nvPr/>
-        </p:nvSpPr>
-        <p:spPr bwMode="auto">
-          <a:xfrm>
-            <a:off x="6274340" y="423819"/>
-            <a:ext cx="5135042" cy="2677656"/>
-          </a:xfrm>
-          <a:prstGeom prst="rect">
-            <a:avLst/>
-          </a:prstGeom>
-          <a:solidFill>
-            <a:srgbClr val="FFFFFF"/>
-          </a:solidFill>
-          <a:ln>
-            <a:noFill/>
-          </a:ln>
-          <a:effectLst/>
-          <a:extLst>
-            <a:ext uri="{91240B29-F687-4F45-9708-019B960494DF}">
-              <a14:hiddenLine xmlns:a14="http://schemas.microsoft.com/office/drawing/2010/main" w="9525">
-                <a:solidFill>
-                  <a:schemeClr val="tx1"/>
-                </a:solidFill>
-                <a:miter lim="800000"/>
-                <a:headEnd/>
-                <a:tailEnd/>
-              </a14:hiddenLine>
-            </a:ext>
-            <a:ext uri="{AF507438-7753-43E0-B8FC-AC1667EBCBE1}">
-              <a14:hiddenEffects xmlns:a14="http://schemas.microsoft.com/office/drawing/2010/main">
-                <a:effectLst>
-                  <a:outerShdw dist="35921" dir="2700000" algn="ctr" rotWithShape="0">
-                    <a:schemeClr val="bg2"/>
-                  </a:outerShdw>
-                </a:effectLst>
-              </a14:hiddenEffects>
-            </a:ext>
-          </a:extLst>
-        </p:spPr>
-        <p:txBody>
-          <a:bodyPr vert="horz" wrap="square" lIns="91440" tIns="45720" rIns="91440" bIns="45720" numCol="1" anchor="ctr" anchorCtr="0" compatLnSpc="1">
-            <a:prstTxWarp prst="textNoShape">
-              <a:avLst/>
-            </a:prstTxWarp>
-            <a:spAutoFit/>
-          </a:bodyPr>
-          <a:lstStyle/>
-          <a:p>
-            <a:pPr marL="0" marR="0" lvl="0" indent="0" algn="l" defTabSz="914400" rtl="0" eaLnBrk="0" fontAlgn="base" latinLnBrk="0" hangingPunct="0">
-              <a:lnSpc>
-                <a:spcPct val="100000"/>
-              </a:lnSpc>
-              <a:spcBef>
-                <a:spcPct val="0"/>
-              </a:spcBef>
-              <a:spcAft>
-                <a:spcPct val="0"/>
-              </a:spcAft>
-              <a:buClrTx/>
-              <a:buSzTx/>
-              <a:buFontTx/>
-              <a:buNone/>
-              <a:tabLst/>
-            </a:pPr>
-            <a:br>
-              <a:rPr kumimoji="0" lang="zh-CN" altLang="zh-CN" sz="1400" b="0" i="1" u="none" strike="noStrike" cap="none" normalizeH="0" baseline="0" dirty="0">
-                <a:ln>
-                  <a:noFill/>
-                </a:ln>
-                <a:solidFill>
-                  <a:srgbClr val="808080"/>
-                </a:solidFill>
-                <a:effectLst/>
-                <a:latin typeface="Consolas" panose="020B0609020204030204" pitchFamily="49" charset="0"/>
-              </a:rPr>
-            </a:br>
-            <a:r>
-              <a:rPr kumimoji="0" lang="en-US" altLang="zh-CN" sz="1400" b="1" i="1" u="none" strike="noStrike" cap="none" normalizeH="0" baseline="0" dirty="0">
-                <a:ln>
-                  <a:noFill/>
-                </a:ln>
-                <a:solidFill>
-                  <a:srgbClr val="FF0000"/>
-                </a:solidFill>
-                <a:effectLst/>
-                <a:latin typeface="Consolas" panose="020B0609020204030204" pitchFamily="49" charset="0"/>
-              </a:rPr>
-              <a:t>VUE</a:t>
-            </a:r>
-            <a:r>
-              <a:rPr kumimoji="0" lang="zh-CN" altLang="zh-CN" sz="1400" b="0" i="1" u="none" strike="noStrike" cap="none" normalizeH="0" baseline="0" dirty="0">
-                <a:ln>
-                  <a:noFill/>
-                </a:ln>
-                <a:solidFill>
-                  <a:srgbClr val="808080"/>
-                </a:solidFill>
-                <a:effectLst/>
-                <a:latin typeface="Consolas" panose="020B0609020204030204" pitchFamily="49" charset="0"/>
-              </a:rPr>
-              <a:t>: l'interface avec l'utilisateur.</a:t>
-            </a:r>
-            <a:br>
-              <a:rPr kumimoji="0" lang="zh-CN" altLang="zh-CN" sz="1400" b="0" i="1" u="none" strike="noStrike" cap="none" normalizeH="0" baseline="0" dirty="0">
-                <a:ln>
-                  <a:noFill/>
-                </a:ln>
-                <a:solidFill>
-                  <a:srgbClr val="808080"/>
-                </a:solidFill>
-                <a:effectLst/>
-                <a:latin typeface="Consolas" panose="020B0609020204030204" pitchFamily="49" charset="0"/>
-              </a:rPr>
-            </a:br>
-            <a:br>
-              <a:rPr kumimoji="0" lang="zh-CN" altLang="zh-CN" sz="1400" b="0" i="1" u="none" strike="noStrike" cap="none" normalizeH="0" baseline="0" dirty="0">
-                <a:ln>
-                  <a:noFill/>
-                </a:ln>
-                <a:solidFill>
-                  <a:srgbClr val="808080"/>
-                </a:solidFill>
-                <a:effectLst/>
-                <a:latin typeface="Consolas" panose="020B0609020204030204" pitchFamily="49" charset="0"/>
-              </a:rPr>
-            </a:br>
-            <a:r>
-              <a:rPr kumimoji="0" lang="zh-CN" altLang="zh-CN" sz="1400" b="0" i="1" u="none" strike="noStrike" cap="none" normalizeH="0" baseline="0" dirty="0">
-                <a:ln>
-                  <a:noFill/>
-                </a:ln>
-                <a:solidFill>
-                  <a:srgbClr val="808080"/>
-                </a:solidFill>
-                <a:effectLst/>
-                <a:latin typeface="Consolas" panose="020B0609020204030204" pitchFamily="49" charset="0"/>
-              </a:rPr>
-              <a:t>On définit une classe chapeau [Vue] qui crée la fenêtre principale de</a:t>
-            </a:r>
-            <a:br>
-              <a:rPr kumimoji="0" lang="zh-CN" altLang="zh-CN" sz="1400" b="0" i="1" u="none" strike="noStrike" cap="none" normalizeH="0" baseline="0" dirty="0">
-                <a:ln>
-                  <a:noFill/>
-                </a:ln>
-                <a:solidFill>
-                  <a:srgbClr val="808080"/>
-                </a:solidFill>
-                <a:effectLst/>
-                <a:latin typeface="Consolas" panose="020B0609020204030204" pitchFamily="49" charset="0"/>
-              </a:rPr>
-            </a:br>
-            <a:r>
-              <a:rPr kumimoji="0" lang="zh-CN" altLang="zh-CN" sz="1400" b="0" i="1" u="none" strike="noStrike" cap="none" normalizeH="0" baseline="0" dirty="0">
-                <a:ln>
-                  <a:noFill/>
-                </a:ln>
-                <a:solidFill>
-                  <a:srgbClr val="808080"/>
-                </a:solidFill>
-                <a:effectLst/>
-                <a:latin typeface="Consolas" panose="020B0609020204030204" pitchFamily="49" charset="0"/>
-              </a:rPr>
-              <a:t>l'application et contient les deux parties principales de notre vue :</a:t>
-            </a:r>
-            <a:br>
-              <a:rPr kumimoji="0" lang="zh-CN" altLang="zh-CN" sz="1400" b="0" i="1" u="none" strike="noStrike" cap="none" normalizeH="0" baseline="0" dirty="0">
-                <a:ln>
-                  <a:noFill/>
-                </a:ln>
-                <a:solidFill>
-                  <a:srgbClr val="808080"/>
-                </a:solidFill>
-                <a:effectLst/>
-                <a:latin typeface="Consolas" panose="020B0609020204030204" pitchFamily="49" charset="0"/>
-              </a:rPr>
-            </a:br>
-            <a:r>
-              <a:rPr kumimoji="0" lang="zh-CN" altLang="zh-CN" sz="1400" b="0" i="1" u="none" strike="noStrike" cap="none" normalizeH="0" baseline="0" dirty="0">
-                <a:ln>
-                  <a:noFill/>
-                </a:ln>
-                <a:solidFill>
-                  <a:srgbClr val="808080"/>
-                </a:solidFill>
-                <a:effectLst/>
-                <a:latin typeface="Consolas" panose="020B0609020204030204" pitchFamily="49" charset="0"/>
-              </a:rPr>
-              <a:t>- Une zone d'affichage où on voit l'ensemble des cellules.</a:t>
-            </a:r>
-            <a:br>
-              <a:rPr kumimoji="0" lang="zh-CN" altLang="zh-CN" sz="1400" b="0" i="1" u="none" strike="noStrike" cap="none" normalizeH="0" baseline="0" dirty="0">
-                <a:ln>
-                  <a:noFill/>
-                </a:ln>
-                <a:solidFill>
-                  <a:srgbClr val="808080"/>
-                </a:solidFill>
-                <a:effectLst/>
-                <a:latin typeface="Consolas" panose="020B0609020204030204" pitchFamily="49" charset="0"/>
-              </a:rPr>
-            </a:br>
-            <a:r>
-              <a:rPr kumimoji="0" lang="zh-CN" altLang="zh-CN" sz="1400" b="0" i="1" u="none" strike="noStrike" cap="none" normalizeH="0" baseline="0" dirty="0">
-                <a:ln>
-                  <a:noFill/>
-                </a:ln>
-                <a:solidFill>
-                  <a:srgbClr val="808080"/>
-                </a:solidFill>
-                <a:effectLst/>
-                <a:latin typeface="Consolas" panose="020B0609020204030204" pitchFamily="49" charset="0"/>
-              </a:rPr>
-              <a:t>- Une zone de commande avec un bouton pour passer à la génération suivante.</a:t>
-            </a:r>
-            <a:br>
-              <a:rPr kumimoji="0" lang="zh-CN" altLang="zh-CN" sz="1400" b="0" i="1" u="none" strike="noStrike" cap="none" normalizeH="0" baseline="0" dirty="0">
-                <a:ln>
-                  <a:noFill/>
-                </a:ln>
-                <a:solidFill>
-                  <a:srgbClr val="808080"/>
-                </a:solidFill>
-                <a:effectLst/>
-                <a:latin typeface="Consolas" panose="020B0609020204030204" pitchFamily="49" charset="0"/>
-              </a:rPr>
-            </a:br>
-            <a:endParaRPr lang="en-US" altLang="zh-CN" sz="1400" i="1" dirty="0">
-              <a:solidFill>
-                <a:srgbClr val="808080"/>
-              </a:solidFill>
-              <a:latin typeface="Consolas" panose="020B0609020204030204" pitchFamily="49" charset="0"/>
-            </a:endParaRPr>
-          </a:p>
-        </p:txBody>
-      </p:sp>
-      <p:sp>
-        <p:nvSpPr>
-          <p:cNvPr id="6" name="Rectangle 2">
-            <a:extLst>
-              <a:ext uri="{FF2B5EF4-FFF2-40B4-BE49-F238E27FC236}">
-                <a16:creationId xmlns:a16="http://schemas.microsoft.com/office/drawing/2014/main" id="{E8065AFC-5235-4A36-9E1E-F2E48BAE3FBC}"/>
-              </a:ext>
-            </a:extLst>
-          </p:cNvPr>
-          <p:cNvSpPr>
-            <a:spLocks noChangeArrowheads="1"/>
-          </p:cNvSpPr>
-          <p:nvPr/>
-        </p:nvSpPr>
-        <p:spPr bwMode="auto">
-          <a:xfrm>
-            <a:off x="6274340" y="3296019"/>
-            <a:ext cx="4142792" cy="1169551"/>
-          </a:xfrm>
-          <a:prstGeom prst="rect">
-            <a:avLst/>
-          </a:prstGeom>
-          <a:solidFill>
-            <a:srgbClr val="FFFFFF"/>
-          </a:solidFill>
-          <a:ln>
-            <a:noFill/>
-          </a:ln>
-          <a:effectLst/>
-          <a:extLst>
-            <a:ext uri="{91240B29-F687-4F45-9708-019B960494DF}">
-              <a14:hiddenLine xmlns:a14="http://schemas.microsoft.com/office/drawing/2010/main" w="9525">
-                <a:solidFill>
-                  <a:schemeClr val="tx1"/>
-                </a:solidFill>
-                <a:miter lim="800000"/>
-                <a:headEnd/>
-                <a:tailEnd/>
-              </a14:hiddenLine>
-            </a:ext>
-            <a:ext uri="{AF507438-7753-43E0-B8FC-AC1667EBCBE1}">
-              <a14:hiddenEffects xmlns:a14="http://schemas.microsoft.com/office/drawing/2010/main">
-                <a:effectLst>
-                  <a:outerShdw dist="35921" dir="2700000" algn="ctr" rotWithShape="0">
-                    <a:schemeClr val="bg2"/>
-                  </a:outerShdw>
-                </a:effectLst>
-              </a14:hiddenEffects>
-            </a:ext>
-          </a:extLst>
-        </p:spPr>
-        <p:txBody>
-          <a:bodyPr vert="horz" wrap="square" lIns="91440" tIns="45720" rIns="91440" bIns="45720" numCol="1" anchor="ctr" anchorCtr="0" compatLnSpc="1">
-            <a:prstTxWarp prst="textNoShape">
-              <a:avLst/>
-            </a:prstTxWarp>
-            <a:spAutoFit/>
-          </a:bodyPr>
-          <a:lstStyle/>
-          <a:p>
-            <a:pPr marL="0" marR="0" lvl="0" indent="0" algn="l" defTabSz="914400" rtl="0" eaLnBrk="0" fontAlgn="base" latinLnBrk="0" hangingPunct="0">
-              <a:lnSpc>
-                <a:spcPct val="100000"/>
-              </a:lnSpc>
-              <a:spcBef>
-                <a:spcPct val="0"/>
-              </a:spcBef>
-              <a:spcAft>
-                <a:spcPct val="0"/>
-              </a:spcAft>
-              <a:buClrTx/>
-              <a:buSzTx/>
-              <a:buFontTx/>
-              <a:buNone/>
-              <a:tabLst/>
-            </a:pPr>
-            <a:r>
-              <a:rPr kumimoji="0" lang="en-US" altLang="zh-CN" sz="1400" b="1" i="1" u="none" strike="noStrike" cap="none" normalizeH="0" baseline="0" dirty="0">
-                <a:ln>
-                  <a:noFill/>
-                </a:ln>
-                <a:solidFill>
-                  <a:srgbClr val="FF0000"/>
-                </a:solidFill>
-                <a:effectLst/>
-                <a:latin typeface="Consolas" panose="020B0609020204030204" pitchFamily="49" charset="0"/>
-              </a:rPr>
-              <a:t>VUE COMMANDES</a:t>
-            </a:r>
-            <a:r>
-              <a:rPr kumimoji="0" lang="en-US" altLang="zh-CN" sz="1400" b="0" i="1" u="none" strike="noStrike" cap="none" normalizeH="0" baseline="0" dirty="0">
-                <a:ln>
-                  <a:noFill/>
-                </a:ln>
-                <a:solidFill>
-                  <a:srgbClr val="808080"/>
-                </a:solidFill>
-                <a:effectLst/>
-                <a:latin typeface="Consolas" panose="020B0609020204030204" pitchFamily="49" charset="0"/>
-              </a:rPr>
-              <a:t>: </a:t>
-            </a:r>
-            <a:r>
-              <a:rPr kumimoji="0" lang="zh-CN" altLang="zh-CN" sz="1400" b="0" i="1" u="none" strike="noStrike" cap="none" normalizeH="0" baseline="0" dirty="0">
-                <a:ln>
-                  <a:noFill/>
-                </a:ln>
-                <a:solidFill>
-                  <a:srgbClr val="808080"/>
-                </a:solidFill>
-                <a:effectLst/>
-                <a:latin typeface="Consolas" panose="020B0609020204030204" pitchFamily="49" charset="0"/>
-              </a:rPr>
-              <a:t>Une classe pour représenter la zone contenant le bouton.</a:t>
-            </a:r>
-            <a:br>
-              <a:rPr kumimoji="0" lang="zh-CN" altLang="zh-CN" sz="1400" b="0" i="1" u="none" strike="noStrike" cap="none" normalizeH="0" baseline="0" dirty="0">
-                <a:ln>
-                  <a:noFill/>
-                </a:ln>
-                <a:solidFill>
-                  <a:srgbClr val="808080"/>
-                </a:solidFill>
-                <a:effectLst/>
-                <a:latin typeface="Consolas" panose="020B0609020204030204" pitchFamily="49" charset="0"/>
-              </a:rPr>
-            </a:br>
-            <a:br>
-              <a:rPr kumimoji="0" lang="zh-CN" altLang="zh-CN" sz="1400" b="0" i="1" u="none" strike="noStrike" cap="none" normalizeH="0" baseline="0" dirty="0">
-                <a:ln>
-                  <a:noFill/>
-                </a:ln>
-                <a:solidFill>
-                  <a:srgbClr val="808080"/>
-                </a:solidFill>
-                <a:effectLst/>
-                <a:latin typeface="Consolas" panose="020B0609020204030204" pitchFamily="49" charset="0"/>
-              </a:rPr>
-            </a:br>
-            <a:r>
-              <a:rPr kumimoji="0" lang="zh-CN" altLang="zh-CN" sz="1400" b="0" i="1" u="none" strike="noStrike" cap="none" normalizeH="0" baseline="0" dirty="0">
-                <a:ln>
-                  <a:noFill/>
-                </a:ln>
-                <a:solidFill>
-                  <a:srgbClr val="808080"/>
-                </a:solidFill>
-                <a:effectLst/>
-                <a:latin typeface="Consolas" panose="020B0609020204030204" pitchFamily="49" charset="0"/>
-              </a:rPr>
-              <a:t>Cette zone n'aura pas à être mise à jour et ne sera donc pas un observateur.</a:t>
-            </a:r>
-            <a:endParaRPr kumimoji="0" lang="en-US" altLang="zh-CN" sz="1400" b="0" i="1" u="none" strike="noStrike" cap="none" normalizeH="0" baseline="0" dirty="0">
-              <a:ln>
-                <a:noFill/>
-              </a:ln>
-              <a:solidFill>
-                <a:srgbClr val="808080"/>
-              </a:solidFill>
-              <a:effectLst/>
-              <a:latin typeface="Consolas" panose="020B0609020204030204" pitchFamily="49" charset="0"/>
-            </a:endParaRPr>
-          </a:p>
-        </p:txBody>
-      </p:sp>
-      <p:sp>
-        <p:nvSpPr>
-          <p:cNvPr id="7" name="Rectangle 3">
-            <a:extLst>
-              <a:ext uri="{FF2B5EF4-FFF2-40B4-BE49-F238E27FC236}">
-                <a16:creationId xmlns:a16="http://schemas.microsoft.com/office/drawing/2014/main" id="{5EBA6C42-D0C7-4A4B-9915-2F619B57103E}"/>
-              </a:ext>
-            </a:extLst>
-          </p:cNvPr>
-          <p:cNvSpPr>
-            <a:spLocks noChangeArrowheads="1"/>
-          </p:cNvSpPr>
-          <p:nvPr/>
-        </p:nvSpPr>
-        <p:spPr bwMode="auto">
-          <a:xfrm>
-            <a:off x="6274340" y="4862087"/>
-            <a:ext cx="4497355" cy="738664"/>
-          </a:xfrm>
-          <a:prstGeom prst="rect">
-            <a:avLst/>
-          </a:prstGeom>
-          <a:solidFill>
-            <a:srgbClr val="FFFFFF"/>
-          </a:solidFill>
-          <a:ln>
-            <a:noFill/>
-          </a:ln>
-          <a:effectLst/>
-          <a:extLst>
-            <a:ext uri="{91240B29-F687-4F45-9708-019B960494DF}">
-              <a14:hiddenLine xmlns:a14="http://schemas.microsoft.com/office/drawing/2010/main" w="9525">
-                <a:solidFill>
-                  <a:schemeClr val="tx1"/>
-                </a:solidFill>
-                <a:miter lim="800000"/>
-                <a:headEnd/>
-                <a:tailEnd/>
-              </a14:hiddenLine>
-            </a:ext>
-            <a:ext uri="{AF507438-7753-43E0-B8FC-AC1667EBCBE1}">
-              <a14:hiddenEffects xmlns:a14="http://schemas.microsoft.com/office/drawing/2010/main">
-                <a:effectLst>
-                  <a:outerShdw dist="35921" dir="2700000" algn="ctr" rotWithShape="0">
-                    <a:schemeClr val="bg2"/>
-                  </a:outerShdw>
-                </a:effectLst>
-              </a14:hiddenEffects>
-            </a:ext>
-          </a:extLst>
-        </p:spPr>
-        <p:txBody>
-          <a:bodyPr vert="horz" wrap="square" lIns="91440" tIns="45720" rIns="91440" bIns="45720" numCol="1" anchor="ctr" anchorCtr="0" compatLnSpc="1">
-            <a:prstTxWarp prst="textNoShape">
-              <a:avLst/>
-            </a:prstTxWarp>
-            <a:spAutoFit/>
-          </a:bodyPr>
-          <a:lstStyle/>
-          <a:p>
-            <a:pPr marL="0" marR="0" lvl="0" indent="0" algn="l" defTabSz="914400" rtl="0" eaLnBrk="0" fontAlgn="base" latinLnBrk="0" hangingPunct="0">
-              <a:lnSpc>
-                <a:spcPct val="100000"/>
-              </a:lnSpc>
-              <a:spcBef>
-                <a:spcPct val="0"/>
-              </a:spcBef>
-              <a:spcAft>
-                <a:spcPct val="0"/>
-              </a:spcAft>
-              <a:buClrTx/>
-              <a:buSzTx/>
-              <a:buFontTx/>
-              <a:buNone/>
-              <a:tabLst/>
-            </a:pPr>
-            <a:r>
-              <a:rPr kumimoji="0" lang="en-US" altLang="zh-CN" sz="1400" b="1" i="1" u="none" strike="noStrike" cap="none" normalizeH="0" baseline="0" dirty="0">
-                <a:ln>
-                  <a:noFill/>
-                </a:ln>
-                <a:solidFill>
-                  <a:srgbClr val="FF0000"/>
-                </a:solidFill>
-                <a:effectLst/>
-                <a:latin typeface="Consolas" panose="020B0609020204030204" pitchFamily="49" charset="0"/>
-              </a:rPr>
-              <a:t>VUE GRILLE</a:t>
-            </a:r>
-          </a:p>
-          <a:p>
-            <a:pPr marL="0" marR="0" lvl="0" indent="0" algn="l" defTabSz="914400" rtl="0" eaLnBrk="0" fontAlgn="base" latinLnBrk="0" hangingPunct="0">
-              <a:lnSpc>
-                <a:spcPct val="100000"/>
-              </a:lnSpc>
-              <a:spcBef>
-                <a:spcPct val="0"/>
-              </a:spcBef>
-              <a:spcAft>
-                <a:spcPct val="0"/>
-              </a:spcAft>
-              <a:buClrTx/>
-              <a:buSzTx/>
-              <a:buFontTx/>
-              <a:buNone/>
-              <a:tabLst/>
-            </a:pPr>
-            <a:r>
-              <a:rPr kumimoji="0" lang="zh-CN" altLang="zh-CN" sz="1400" b="0" i="1" u="none" strike="noStrike" cap="none" normalizeH="0" baseline="0" dirty="0">
-                <a:ln>
-                  <a:noFill/>
-                </a:ln>
-                <a:solidFill>
-                  <a:srgbClr val="808080"/>
-                </a:solidFill>
-                <a:effectLst/>
-                <a:latin typeface="Consolas" panose="020B0609020204030204" pitchFamily="49" charset="0"/>
-              </a:rPr>
-              <a:t>Une classe pour représenter la zone d'affichage des cellules.</a:t>
-            </a:r>
-            <a:endParaRPr kumimoji="0" lang="zh-CN" altLang="zh-CN" sz="4000" b="0" i="0" u="none" strike="noStrike" cap="none" normalizeH="0" baseline="0" dirty="0">
-              <a:ln>
-                <a:noFill/>
-              </a:ln>
-              <a:solidFill>
-                <a:schemeClr val="tx1"/>
-              </a:solidFill>
-              <a:effectLst/>
-              <a:latin typeface="Arial" panose="020B0604020202020204" pitchFamily="34" charset="0"/>
-            </a:endParaRPr>
-          </a:p>
-        </p:txBody>
-      </p:sp>
-    </p:spTree>
-    <p:extLst>
-      <p:ext uri="{BB962C8B-B14F-4D97-AF65-F5344CB8AC3E}">
-        <p14:creationId xmlns:p14="http://schemas.microsoft.com/office/powerpoint/2010/main" val="2797637266"/>
       </p:ext>
     </p:extLst>
   </p:cSld>

--- a/Soutenance.pptx
+++ b/Soutenance.pptx
@@ -12,11 +12,12 @@
     <p:sldId id="258" r:id="rId6"/>
     <p:sldId id="259" r:id="rId7"/>
     <p:sldId id="260" r:id="rId8"/>
-    <p:sldId id="261" r:id="rId9"/>
-    <p:sldId id="262" r:id="rId10"/>
-    <p:sldId id="263" r:id="rId11"/>
-    <p:sldId id="264" r:id="rId12"/>
-    <p:sldId id="265" r:id="rId13"/>
+    <p:sldId id="267" r:id="rId9"/>
+    <p:sldId id="261" r:id="rId10"/>
+    <p:sldId id="262" r:id="rId11"/>
+    <p:sldId id="263" r:id="rId12"/>
+    <p:sldId id="264" r:id="rId13"/>
+    <p:sldId id="265" r:id="rId14"/>
   </p:sldIdLst>
   <p:sldSz cx="12192000" cy="6858000"/>
   <p:notesSz cx="6858000" cy="9144000"/>
@@ -6847,6 +6848,327 @@
           <p:cNvPr id="2" name="标题 1">
             <a:extLst>
               <a:ext uri="{FF2B5EF4-FFF2-40B4-BE49-F238E27FC236}">
+                <a16:creationId xmlns:a16="http://schemas.microsoft.com/office/drawing/2014/main" id="{A2B97910-DE64-4999-9CA8-8AD6DCC3E8CC}"/>
+              </a:ext>
+            </a:extLst>
+          </p:cNvPr>
+          <p:cNvSpPr>
+            <a:spLocks noGrp="1"/>
+          </p:cNvSpPr>
+          <p:nvPr>
+            <p:ph type="title"/>
+          </p:nvPr>
+        </p:nvSpPr>
+        <p:spPr/>
+        <p:txBody>
+          <a:bodyPr/>
+          <a:lstStyle/>
+          <a:p>
+            <a:r>
+              <a:rPr lang="en-US" altLang="zh-CN" dirty="0"/>
+              <a:t>Observer / Observable</a:t>
+            </a:r>
+            <a:endParaRPr lang="zh-CN" altLang="en-US" dirty="0"/>
+          </a:p>
+        </p:txBody>
+      </p:sp>
+      <p:pic>
+        <p:nvPicPr>
+          <p:cNvPr id="4" name="内容占位符 3">
+            <a:extLst>
+              <a:ext uri="{FF2B5EF4-FFF2-40B4-BE49-F238E27FC236}">
+                <a16:creationId xmlns:a16="http://schemas.microsoft.com/office/drawing/2014/main" id="{0E002305-0D18-4817-AAC2-D8F7FDAED8E6}"/>
+              </a:ext>
+            </a:extLst>
+          </p:cNvPr>
+          <p:cNvPicPr>
+            <a:picLocks noGrp="1" noChangeAspect="1"/>
+          </p:cNvPicPr>
+          <p:nvPr>
+            <p:ph idx="1"/>
+          </p:nvPr>
+        </p:nvPicPr>
+        <p:blipFill>
+          <a:blip r:embed="rId2"/>
+          <a:stretch>
+            <a:fillRect/>
+          </a:stretch>
+        </p:blipFill>
+        <p:spPr>
+          <a:xfrm>
+            <a:off x="838200" y="1690688"/>
+            <a:ext cx="4936391" cy="4351338"/>
+          </a:xfrm>
+          <a:prstGeom prst="rect">
+            <a:avLst/>
+          </a:prstGeom>
+        </p:spPr>
+      </p:pic>
+      <p:sp>
+        <p:nvSpPr>
+          <p:cNvPr id="5" name="Rectangle 1">
+            <a:extLst>
+              <a:ext uri="{FF2B5EF4-FFF2-40B4-BE49-F238E27FC236}">
+                <a16:creationId xmlns:a16="http://schemas.microsoft.com/office/drawing/2014/main" id="{CE6BE87A-6F8B-47D6-841B-3FDE4278FFED}"/>
+              </a:ext>
+            </a:extLst>
+          </p:cNvPr>
+          <p:cNvSpPr>
+            <a:spLocks noChangeArrowheads="1"/>
+          </p:cNvSpPr>
+          <p:nvPr/>
+        </p:nvSpPr>
+        <p:spPr bwMode="auto">
+          <a:xfrm>
+            <a:off x="6207868" y="2274838"/>
+            <a:ext cx="5145932" cy="2308324"/>
+          </a:xfrm>
+          <a:prstGeom prst="rect">
+            <a:avLst/>
+          </a:prstGeom>
+          <a:solidFill>
+            <a:srgbClr val="FFFFFF"/>
+          </a:solidFill>
+          <a:ln>
+            <a:noFill/>
+          </a:ln>
+          <a:effectLst/>
+          <a:extLst>
+            <a:ext uri="{91240B29-F687-4F45-9708-019B960494DF}">
+              <a14:hiddenLine xmlns:a14="http://schemas.microsoft.com/office/drawing/2010/main" w="9525">
+                <a:solidFill>
+                  <a:schemeClr val="tx1"/>
+                </a:solidFill>
+                <a:miter lim="800000"/>
+                <a:headEnd/>
+                <a:tailEnd/>
+              </a14:hiddenLine>
+            </a:ext>
+            <a:ext uri="{AF507438-7753-43E0-B8FC-AC1667EBCBE1}">
+              <a14:hiddenEffects xmlns:a14="http://schemas.microsoft.com/office/drawing/2010/main">
+                <a:effectLst>
+                  <a:outerShdw dist="35921" dir="2700000" algn="ctr" rotWithShape="0">
+                    <a:schemeClr val="bg2"/>
+                  </a:outerShdw>
+                </a:effectLst>
+              </a14:hiddenEffects>
+            </a:ext>
+          </a:extLst>
+        </p:spPr>
+        <p:txBody>
+          <a:bodyPr vert="horz" wrap="square" lIns="91440" tIns="45720" rIns="91440" bIns="45720" numCol="1" anchor="ctr" anchorCtr="0" compatLnSpc="1">
+            <a:prstTxWarp prst="textNoShape">
+              <a:avLst/>
+            </a:prstTxWarp>
+            <a:spAutoFit/>
+          </a:bodyPr>
+          <a:lstStyle/>
+          <a:p>
+            <a:pPr marL="0" marR="0" lvl="0" indent="0" algn="l" defTabSz="914400" rtl="0" eaLnBrk="0" fontAlgn="base" latinLnBrk="0" hangingPunct="0">
+              <a:lnSpc>
+                <a:spcPct val="100000"/>
+              </a:lnSpc>
+              <a:spcBef>
+                <a:spcPct val="0"/>
+              </a:spcBef>
+              <a:spcAft>
+                <a:spcPct val="0"/>
+              </a:spcAft>
+              <a:buClrTx/>
+              <a:buSzTx/>
+              <a:buFontTx/>
+              <a:buNone/>
+              <a:tabLst/>
+            </a:pPr>
+            <a:r>
+              <a:rPr kumimoji="0" lang="zh-CN" altLang="zh-CN" sz="1600" b="0" i="1" u="none" strike="noStrike" cap="none" normalizeH="0" baseline="0" dirty="0">
+                <a:ln>
+                  <a:noFill/>
+                </a:ln>
+                <a:solidFill>
+                  <a:srgbClr val="808080"/>
+                </a:solidFill>
+                <a:effectLst/>
+                <a:latin typeface="Consolas" panose="020B0609020204030204" pitchFamily="49" charset="0"/>
+              </a:rPr>
+              <a:t>le principe est le suivant :</a:t>
+            </a:r>
+            <a:br>
+              <a:rPr kumimoji="0" lang="zh-CN" altLang="zh-CN" sz="1600" b="0" i="1" u="none" strike="noStrike" cap="none" normalizeH="0" baseline="0" dirty="0">
+                <a:ln>
+                  <a:noFill/>
+                </a:ln>
+                <a:solidFill>
+                  <a:srgbClr val="808080"/>
+                </a:solidFill>
+                <a:effectLst/>
+                <a:latin typeface="Consolas" panose="020B0609020204030204" pitchFamily="49" charset="0"/>
+              </a:rPr>
+            </a:br>
+            <a:endParaRPr kumimoji="0" lang="en-US" altLang="zh-CN" sz="1600" b="0" i="1" u="none" strike="noStrike" cap="none" normalizeH="0" baseline="0" dirty="0">
+              <a:ln>
+                <a:noFill/>
+              </a:ln>
+              <a:solidFill>
+                <a:srgbClr val="808080"/>
+              </a:solidFill>
+              <a:effectLst/>
+              <a:latin typeface="Consolas" panose="020B0609020204030204" pitchFamily="49" charset="0"/>
+            </a:endParaRPr>
+          </a:p>
+          <a:p>
+            <a:pPr marL="0" marR="0" lvl="0" indent="0" algn="l" defTabSz="914400" rtl="0" eaLnBrk="0" fontAlgn="base" latinLnBrk="0" hangingPunct="0">
+              <a:lnSpc>
+                <a:spcPct val="100000"/>
+              </a:lnSpc>
+              <a:spcBef>
+                <a:spcPct val="0"/>
+              </a:spcBef>
+              <a:spcAft>
+                <a:spcPct val="0"/>
+              </a:spcAft>
+              <a:buClrTx/>
+              <a:buSzTx/>
+              <a:buFontTx/>
+              <a:buNone/>
+              <a:tabLst/>
+            </a:pPr>
+            <a:r>
+              <a:rPr kumimoji="0" lang="zh-CN" altLang="zh-CN" sz="1600" b="0" i="1" u="none" strike="noStrike" cap="none" normalizeH="0" baseline="0" dirty="0">
+                <a:ln>
+                  <a:noFill/>
+                </a:ln>
+                <a:solidFill>
+                  <a:srgbClr val="808080"/>
+                </a:solidFill>
+                <a:effectLst/>
+                <a:latin typeface="Consolas" panose="020B0609020204030204" pitchFamily="49" charset="0"/>
+              </a:rPr>
+              <a:t>- Un observateur (en l'occurrence la vue) est lié à un objet observé et se met à jour pour refléter les changement de l'observé.</a:t>
+            </a:r>
+            <a:br>
+              <a:rPr kumimoji="0" lang="zh-CN" altLang="zh-CN" sz="1600" b="0" i="1" u="none" strike="noStrike" cap="none" normalizeH="0" baseline="0" dirty="0">
+                <a:ln>
+                  <a:noFill/>
+                </a:ln>
+                <a:solidFill>
+                  <a:srgbClr val="808080"/>
+                </a:solidFill>
+                <a:effectLst/>
+                <a:latin typeface="Consolas" panose="020B0609020204030204" pitchFamily="49" charset="0"/>
+              </a:rPr>
+            </a:br>
+            <a:endParaRPr kumimoji="0" lang="en-US" altLang="zh-CN" sz="1600" b="0" i="1" u="none" strike="noStrike" cap="none" normalizeH="0" baseline="0" dirty="0">
+              <a:ln>
+                <a:noFill/>
+              </a:ln>
+              <a:solidFill>
+                <a:srgbClr val="808080"/>
+              </a:solidFill>
+              <a:effectLst/>
+              <a:latin typeface="Consolas" panose="020B0609020204030204" pitchFamily="49" charset="0"/>
+            </a:endParaRPr>
+          </a:p>
+          <a:p>
+            <a:pPr marL="0" marR="0" lvl="0" indent="0" algn="l" defTabSz="914400" rtl="0" eaLnBrk="0" fontAlgn="base" latinLnBrk="0" hangingPunct="0">
+              <a:lnSpc>
+                <a:spcPct val="100000"/>
+              </a:lnSpc>
+              <a:spcBef>
+                <a:spcPct val="0"/>
+              </a:spcBef>
+              <a:spcAft>
+                <a:spcPct val="0"/>
+              </a:spcAft>
+              <a:buClrTx/>
+              <a:buSzTx/>
+              <a:buFontTx/>
+              <a:buNone/>
+              <a:tabLst/>
+            </a:pPr>
+            <a:r>
+              <a:rPr kumimoji="0" lang="zh-CN" altLang="zh-CN" sz="1600" b="0" i="1" u="none" strike="noStrike" cap="none" normalizeH="0" baseline="0" dirty="0">
+                <a:ln>
+                  <a:noFill/>
+                </a:ln>
+                <a:solidFill>
+                  <a:srgbClr val="808080"/>
+                </a:solidFill>
+                <a:effectLst/>
+                <a:latin typeface="Consolas" panose="020B0609020204030204" pitchFamily="49" charset="0"/>
+              </a:rPr>
+              <a:t>- Un observé est lié à un ensemble d'objets observateurs et les notifie de</a:t>
+            </a:r>
+            <a:r>
+              <a:rPr lang="en-US" altLang="zh-CN" sz="1600" i="1" dirty="0">
+                <a:solidFill>
+                  <a:srgbClr val="808080"/>
+                </a:solidFill>
+                <a:latin typeface="Consolas" panose="020B0609020204030204" pitchFamily="49" charset="0"/>
+              </a:rPr>
+              <a:t> </a:t>
+            </a:r>
+            <a:r>
+              <a:rPr kumimoji="0" lang="zh-CN" altLang="zh-CN" sz="1600" b="0" i="1" u="none" strike="noStrike" cap="none" normalizeH="0" baseline="0" dirty="0">
+                <a:ln>
+                  <a:noFill/>
+                </a:ln>
+                <a:solidFill>
+                  <a:srgbClr val="808080"/>
+                </a:solidFill>
+                <a:effectLst/>
+                <a:latin typeface="Consolas" panose="020B0609020204030204" pitchFamily="49" charset="0"/>
+              </a:rPr>
+              <a:t>tout changement de son propre état.</a:t>
+            </a:r>
+            <a:endParaRPr kumimoji="0" lang="zh-CN" altLang="zh-CN" sz="4400" b="0" i="0" u="none" strike="noStrike" cap="none" normalizeH="0" baseline="0" dirty="0">
+              <a:ln>
+                <a:noFill/>
+              </a:ln>
+              <a:solidFill>
+                <a:schemeClr val="tx1"/>
+              </a:solidFill>
+              <a:effectLst/>
+              <a:latin typeface="Arial" panose="020B0604020202020204" pitchFamily="34" charset="0"/>
+            </a:endParaRPr>
+          </a:p>
+        </p:txBody>
+      </p:sp>
+    </p:spTree>
+    <p:extLst>
+      <p:ext uri="{BB962C8B-B14F-4D97-AF65-F5344CB8AC3E}">
+        <p14:creationId xmlns:p14="http://schemas.microsoft.com/office/powerpoint/2010/main" val="253532566"/>
+      </p:ext>
+    </p:extLst>
+  </p:cSld>
+  <p:clrMapOvr>
+    <a:masterClrMapping/>
+  </p:clrMapOvr>
+</p:sld>
+</file>
+
+<file path=ppt/slides/slide11.xml><?xml version="1.0" encoding="utf-8"?>
+<p:sld xmlns:a="http://schemas.openxmlformats.org/drawingml/2006/main" xmlns:r="http://schemas.openxmlformats.org/officeDocument/2006/relationships" xmlns:p="http://schemas.openxmlformats.org/presentationml/2006/main">
+  <p:cSld>
+    <p:spTree>
+      <p:nvGrpSpPr>
+        <p:cNvPr id="1" name=""/>
+        <p:cNvGrpSpPr/>
+        <p:nvPr/>
+      </p:nvGrpSpPr>
+      <p:grpSpPr>
+        <a:xfrm>
+          <a:off x="0" y="0"/>
+          <a:ext cx="0" cy="0"/>
+          <a:chOff x="0" y="0"/>
+          <a:chExt cx="0" cy="0"/>
+        </a:xfrm>
+      </p:grpSpPr>
+      <p:sp>
+        <p:nvSpPr>
+          <p:cNvPr id="2" name="标题 1">
+            <a:extLst>
+              <a:ext uri="{FF2B5EF4-FFF2-40B4-BE49-F238E27FC236}">
                 <a16:creationId xmlns:a16="http://schemas.microsoft.com/office/drawing/2014/main" id="{8ADDFF78-C601-4964-880C-F81C2517D149}"/>
               </a:ext>
             </a:extLst>
@@ -7461,7 +7783,7 @@
 </p:sld>
 </file>
 
-<file path=ppt/slides/slide11.xml><?xml version="1.0" encoding="utf-8"?>
+<file path=ppt/slides/slide12.xml><?xml version="1.0" encoding="utf-8"?>
 <p:sld xmlns:a="http://schemas.openxmlformats.org/drawingml/2006/main" xmlns:r="http://schemas.openxmlformats.org/officeDocument/2006/relationships" xmlns:p="http://schemas.openxmlformats.org/presentationml/2006/main">
   <p:cSld>
     <p:spTree>
@@ -7578,7 +7900,7 @@
         </p:blipFill>
         <p:spPr bwMode="auto">
           <a:xfrm>
-            <a:off x="5817971" y="1690688"/>
+            <a:off x="5929938" y="1911129"/>
             <a:ext cx="3014058" cy="2538023"/>
           </a:xfrm>
           <a:prstGeom prst="rect">
@@ -9479,8 +9801,8 @@
         </p:nvSpPr>
         <p:spPr bwMode="auto">
           <a:xfrm>
-            <a:off x="5587478" y="2506744"/>
-            <a:ext cx="4758612" cy="307777"/>
+            <a:off x="5587478" y="5212330"/>
+            <a:ext cx="4758612" cy="523220"/>
           </a:xfrm>
           <a:prstGeom prst="rect">
             <a:avLst/>
@@ -9545,7 +9867,7 @@
                   <a:noFill/>
                 </a:ln>
                 <a:solidFill>
-                  <a:srgbClr val="000080"/>
+                  <a:srgbClr val="FF0000"/>
                 </a:solidFill>
                 <a:effectLst/>
                 <a:latin typeface="Consolas" panose="020B0609020204030204" pitchFamily="49" charset="0"/>
@@ -9558,22 +9880,82 @@
                   <a:noFill/>
                 </a:ln>
                 <a:solidFill>
-                  <a:srgbClr val="000000"/>
+                  <a:srgbClr val="FF0000"/>
                 </a:solidFill>
                 <a:effectLst/>
                 <a:latin typeface="Consolas" panose="020B0609020204030204" pitchFamily="49" charset="0"/>
               </a:rPr>
               <a:t>iniEvent(Cellule c, Event e)</a:t>
             </a:r>
-            <a:endParaRPr kumimoji="0" lang="zh-CN" altLang="zh-CN" sz="4000" b="0" i="0" u="none" strike="noStrike" cap="none" normalizeH="0" baseline="0" dirty="0">
+            <a:endParaRPr kumimoji="0" lang="en-US" altLang="zh-CN" sz="1400" b="0" i="0" u="none" strike="noStrike" cap="none" normalizeH="0" baseline="0" dirty="0">
               <a:ln>
                 <a:noFill/>
               </a:ln>
               <a:solidFill>
-                <a:schemeClr val="tx1"/>
+                <a:srgbClr val="FF0000"/>
               </a:solidFill>
               <a:effectLst/>
-              <a:latin typeface="Arial" panose="020B0604020202020204" pitchFamily="34" charset="0"/>
+              <a:latin typeface="Consolas" panose="020B0609020204030204" pitchFamily="49" charset="0"/>
+            </a:endParaRPr>
+          </a:p>
+          <a:p>
+            <a:pPr marR="0" indent="0" eaLnBrk="0" fontAlgn="base" hangingPunct="0">
+              <a:lnSpc>
+                <a:spcPct val="100000"/>
+              </a:lnSpc>
+              <a:spcBef>
+                <a:spcPct val="0"/>
+              </a:spcBef>
+              <a:spcAft>
+                <a:spcPct val="0"/>
+              </a:spcAft>
+              <a:buClrTx/>
+              <a:buSzTx/>
+              <a:buFontTx/>
+              <a:buNone/>
+              <a:tabLst/>
+            </a:pPr>
+            <a:r>
+              <a:rPr lang="en-US" altLang="zh-CN" sz="1400" i="1" dirty="0" err="1">
+                <a:solidFill>
+                  <a:srgbClr val="808080"/>
+                </a:solidFill>
+                <a:latin typeface="Consolas" panose="020B0609020204030204" pitchFamily="49" charset="0"/>
+              </a:rPr>
+              <a:t>Initialiser</a:t>
+            </a:r>
+            <a:r>
+              <a:rPr lang="en-US" altLang="zh-CN" sz="1400" i="1" dirty="0">
+                <a:solidFill>
+                  <a:srgbClr val="808080"/>
+                </a:solidFill>
+                <a:latin typeface="Consolas" panose="020B0609020204030204" pitchFamily="49" charset="0"/>
+              </a:rPr>
+              <a:t> </a:t>
+            </a:r>
+            <a:r>
+              <a:rPr lang="en-US" altLang="zh-CN" sz="1400" i="1" dirty="0" err="1">
+                <a:solidFill>
+                  <a:srgbClr val="808080"/>
+                </a:solidFill>
+                <a:latin typeface="Consolas" panose="020B0609020204030204" pitchFamily="49" charset="0"/>
+              </a:rPr>
+              <a:t>manuellement</a:t>
+            </a:r>
+            <a:r>
+              <a:rPr lang="en-US" altLang="zh-CN" sz="1400" i="1" dirty="0">
+                <a:solidFill>
+                  <a:srgbClr val="808080"/>
+                </a:solidFill>
+                <a:latin typeface="Consolas" panose="020B0609020204030204" pitchFamily="49" charset="0"/>
+              </a:rPr>
+              <a:t> les artefacts ** </a:t>
+            </a:r>
+            <a:endParaRPr lang="zh-CN" altLang="zh-CN" sz="1400" i="1" dirty="0">
+              <a:solidFill>
+                <a:srgbClr val="808080"/>
+              </a:solidFill>
+              <a:latin typeface="Consolas" panose="020B0609020204030204" pitchFamily="49" charset="0"/>
             </a:endParaRPr>
           </a:p>
         </p:txBody>
@@ -10125,7 +10507,7 @@
         </p:nvSpPr>
         <p:spPr bwMode="auto">
           <a:xfrm>
-            <a:off x="5587478" y="2977806"/>
+            <a:off x="5576594" y="2455696"/>
             <a:ext cx="2470548" cy="307777"/>
           </a:xfrm>
           <a:prstGeom prst="rect">
@@ -10238,7 +10620,7 @@
         </p:nvSpPr>
         <p:spPr>
           <a:xfrm>
-            <a:off x="5578210" y="3256969"/>
+            <a:off x="5587478" y="2768366"/>
             <a:ext cx="1576072" cy="307777"/>
           </a:xfrm>
           <a:prstGeom prst="rect">
@@ -10324,7 +10706,7 @@
         </p:nvSpPr>
         <p:spPr bwMode="auto">
           <a:xfrm>
-            <a:off x="5576594" y="3574142"/>
+            <a:off x="5596050" y="3107216"/>
             <a:ext cx="3265638" cy="307777"/>
           </a:xfrm>
           <a:prstGeom prst="rect">
@@ -10439,7 +10821,7 @@
         </p:nvSpPr>
         <p:spPr bwMode="auto">
           <a:xfrm>
-            <a:off x="5576594" y="3843909"/>
+            <a:off x="5596050" y="3376983"/>
             <a:ext cx="3663182" cy="307777"/>
           </a:xfrm>
           <a:prstGeom prst="rect">
@@ -10554,7 +10936,7 @@
         </p:nvSpPr>
         <p:spPr bwMode="auto">
           <a:xfrm>
-            <a:off x="5576594" y="4113676"/>
+            <a:off x="5596050" y="3646750"/>
             <a:ext cx="3663182" cy="307777"/>
           </a:xfrm>
           <a:prstGeom prst="rect">
@@ -10669,7 +11051,7 @@
         </p:nvSpPr>
         <p:spPr bwMode="auto">
           <a:xfrm>
-            <a:off x="5576594" y="4467371"/>
+            <a:off x="5596050" y="4000445"/>
             <a:ext cx="2569934" cy="307777"/>
           </a:xfrm>
           <a:prstGeom prst="rect">
@@ -10784,7 +11166,7 @@
         </p:nvSpPr>
         <p:spPr bwMode="auto">
           <a:xfrm>
-            <a:off x="5587478" y="5079782"/>
+            <a:off x="5606934" y="4612856"/>
             <a:ext cx="3265638" cy="307777"/>
           </a:xfrm>
           <a:prstGeom prst="rect">
@@ -10925,7 +11307,7 @@
         </p:nvSpPr>
         <p:spPr bwMode="auto">
           <a:xfrm>
-            <a:off x="5576594" y="4780041"/>
+            <a:off x="5596050" y="4313115"/>
             <a:ext cx="4060727" cy="307777"/>
           </a:xfrm>
           <a:prstGeom prst="rect">
@@ -11090,6 +11472,2656 @@
 </file>
 
 <file path=ppt/slides/slide7.xml><?xml version="1.0" encoding="utf-8"?>
+<p:sld xmlns:a="http://schemas.openxmlformats.org/drawingml/2006/main" xmlns:r="http://schemas.openxmlformats.org/officeDocument/2006/relationships" xmlns:p="http://schemas.openxmlformats.org/presentationml/2006/main">
+  <p:cSld>
+    <p:spTree>
+      <p:nvGrpSpPr>
+        <p:cNvPr id="1" name=""/>
+        <p:cNvGrpSpPr/>
+        <p:nvPr/>
+      </p:nvGrpSpPr>
+      <p:grpSpPr>
+        <a:xfrm>
+          <a:off x="0" y="0"/>
+          <a:ext cx="0" cy="0"/>
+          <a:chOff x="0" y="0"/>
+          <a:chExt cx="0" cy="0"/>
+        </a:xfrm>
+      </p:grpSpPr>
+      <p:sp>
+        <p:nvSpPr>
+          <p:cNvPr id="2" name="标题 1">
+            <a:extLst>
+              <a:ext uri="{FF2B5EF4-FFF2-40B4-BE49-F238E27FC236}">
+                <a16:creationId xmlns:a16="http://schemas.microsoft.com/office/drawing/2014/main" id="{85EA37BB-5686-43B0-8EA6-97AC0A406F4D}"/>
+              </a:ext>
+            </a:extLst>
+          </p:cNvPr>
+          <p:cNvSpPr>
+            <a:spLocks noGrp="1"/>
+          </p:cNvSpPr>
+          <p:nvPr>
+            <p:ph type="title"/>
+          </p:nvPr>
+        </p:nvSpPr>
+        <p:spPr/>
+        <p:txBody>
+          <a:bodyPr/>
+          <a:lstStyle/>
+          <a:p>
+            <a:r>
+              <a:rPr lang="fr-FR" altLang="zh-CN" dirty="0"/>
+              <a:t>Tentative : </a:t>
+            </a:r>
+            <a:br>
+              <a:rPr lang="fr-FR" altLang="zh-CN" dirty="0"/>
+            </a:br>
+            <a:r>
+              <a:rPr lang="fr-FR" altLang="zh-CN" dirty="0"/>
+              <a:t>Initialiser l’artefact et la </a:t>
+            </a:r>
+            <a:r>
+              <a:rPr lang="fr-FR" altLang="zh-CN" dirty="0" err="1"/>
+              <a:t>cle</a:t>
+            </a:r>
+            <a:r>
+              <a:rPr lang="fr-FR" altLang="zh-CN" dirty="0"/>
+              <a:t> </a:t>
+            </a:r>
+            <a:r>
+              <a:rPr lang="fr-FR" altLang="zh-CN" dirty="0" err="1"/>
+              <a:t>aleatoirement</a:t>
+            </a:r>
+            <a:r>
+              <a:rPr lang="fr-FR" altLang="zh-CN" dirty="0"/>
+              <a:t>?</a:t>
+            </a:r>
+            <a:endParaRPr lang="zh-CN" altLang="en-US" dirty="0"/>
+          </a:p>
+        </p:txBody>
+      </p:sp>
+      <p:sp>
+        <p:nvSpPr>
+          <p:cNvPr id="3" name="内容占位符 2">
+            <a:extLst>
+              <a:ext uri="{FF2B5EF4-FFF2-40B4-BE49-F238E27FC236}">
+                <a16:creationId xmlns:a16="http://schemas.microsoft.com/office/drawing/2014/main" id="{2458A72B-C85F-486C-B858-8835869591F7}"/>
+              </a:ext>
+            </a:extLst>
+          </p:cNvPr>
+          <p:cNvSpPr>
+            <a:spLocks noGrp="1"/>
+          </p:cNvSpPr>
+          <p:nvPr>
+            <p:ph idx="1"/>
+          </p:nvPr>
+        </p:nvSpPr>
+        <p:spPr/>
+        <p:txBody>
+          <a:bodyPr/>
+          <a:lstStyle/>
+          <a:p>
+            <a:r>
+              <a:rPr lang="fr-FR" altLang="zh-CN" dirty="0"/>
+              <a:t>La même méthode que initialiser les cellule inondée.</a:t>
+            </a:r>
+          </a:p>
+        </p:txBody>
+      </p:sp>
+      <p:sp>
+        <p:nvSpPr>
+          <p:cNvPr id="6" name="Rectangle 3">
+            <a:extLst>
+              <a:ext uri="{FF2B5EF4-FFF2-40B4-BE49-F238E27FC236}">
+                <a16:creationId xmlns:a16="http://schemas.microsoft.com/office/drawing/2014/main" id="{3A07C3CE-0C50-4E9C-B6C4-DC834500FBA3}"/>
+              </a:ext>
+            </a:extLst>
+          </p:cNvPr>
+          <p:cNvSpPr>
+            <a:spLocks noChangeArrowheads="1"/>
+          </p:cNvSpPr>
+          <p:nvPr/>
+        </p:nvSpPr>
+        <p:spPr bwMode="auto">
+          <a:xfrm>
+            <a:off x="1036320" y="2420151"/>
+            <a:ext cx="5505061" cy="3323987"/>
+          </a:xfrm>
+          <a:prstGeom prst="rect">
+            <a:avLst/>
+          </a:prstGeom>
+          <a:solidFill>
+            <a:srgbClr val="FFFFFF"/>
+          </a:solidFill>
+          <a:ln>
+            <a:noFill/>
+          </a:ln>
+          <a:effectLst/>
+          <a:extLst>
+            <a:ext uri="{91240B29-F687-4F45-9708-019B960494DF}">
+              <a14:hiddenLine xmlns:a14="http://schemas.microsoft.com/office/drawing/2010/main" w="9525">
+                <a:solidFill>
+                  <a:schemeClr val="tx1"/>
+                </a:solidFill>
+                <a:miter lim="800000"/>
+                <a:headEnd/>
+                <a:tailEnd/>
+              </a14:hiddenLine>
+            </a:ext>
+            <a:ext uri="{AF507438-7753-43E0-B8FC-AC1667EBCBE1}">
+              <a14:hiddenEffects xmlns:a14="http://schemas.microsoft.com/office/drawing/2010/main">
+                <a:effectLst>
+                  <a:outerShdw dist="35921" dir="2700000" algn="ctr" rotWithShape="0">
+                    <a:schemeClr val="bg2"/>
+                  </a:outerShdw>
+                </a:effectLst>
+              </a14:hiddenEffects>
+            </a:ext>
+          </a:extLst>
+        </p:spPr>
+        <p:txBody>
+          <a:bodyPr vert="horz" wrap="square" lIns="91440" tIns="45720" rIns="91440" bIns="45720" numCol="1" anchor="ctr" anchorCtr="0" compatLnSpc="1">
+            <a:prstTxWarp prst="textNoShape">
+              <a:avLst/>
+            </a:prstTxWarp>
+            <a:spAutoFit/>
+          </a:bodyPr>
+          <a:lstStyle/>
+          <a:p>
+            <a:pPr marL="0" marR="0" lvl="0" indent="0" algn="l" defTabSz="914400" rtl="0" eaLnBrk="0" fontAlgn="base" latinLnBrk="0" hangingPunct="0">
+              <a:lnSpc>
+                <a:spcPct val="100000"/>
+              </a:lnSpc>
+              <a:spcBef>
+                <a:spcPct val="0"/>
+              </a:spcBef>
+              <a:spcAft>
+                <a:spcPct val="0"/>
+              </a:spcAft>
+              <a:buClrTx/>
+              <a:buSzTx/>
+              <a:buFontTx/>
+              <a:buNone/>
+              <a:tabLst/>
+            </a:pPr>
+            <a:r>
+              <a:rPr kumimoji="0" lang="en-US" altLang="zh-CN" sz="1400" b="1" i="0" u="none" strike="noStrike" cap="none" normalizeH="0" baseline="0" dirty="0">
+                <a:ln>
+                  <a:noFill/>
+                </a:ln>
+                <a:solidFill>
+                  <a:srgbClr val="000080"/>
+                </a:solidFill>
+                <a:effectLst/>
+                <a:latin typeface="Consolas" panose="020B0609020204030204" pitchFamily="49" charset="0"/>
+              </a:rPr>
+              <a:t>Modele.java</a:t>
+            </a:r>
+          </a:p>
+          <a:p>
+            <a:pPr marL="0" marR="0" lvl="0" indent="0" algn="l" defTabSz="914400" rtl="0" eaLnBrk="0" fontAlgn="base" latinLnBrk="0" hangingPunct="0">
+              <a:lnSpc>
+                <a:spcPct val="100000"/>
+              </a:lnSpc>
+              <a:spcBef>
+                <a:spcPct val="0"/>
+              </a:spcBef>
+              <a:spcAft>
+                <a:spcPct val="0"/>
+              </a:spcAft>
+              <a:buClrTx/>
+              <a:buSzTx/>
+              <a:buFontTx/>
+              <a:buNone/>
+              <a:tabLst/>
+            </a:pPr>
+            <a:endParaRPr kumimoji="0" lang="en-US" altLang="zh-CN" sz="1400" b="1" i="0" u="none" strike="noStrike" cap="none" normalizeH="0" baseline="0" dirty="0">
+              <a:ln>
+                <a:noFill/>
+              </a:ln>
+              <a:solidFill>
+                <a:srgbClr val="000080"/>
+              </a:solidFill>
+              <a:effectLst/>
+              <a:latin typeface="Consolas" panose="020B0609020204030204" pitchFamily="49" charset="0"/>
+            </a:endParaRPr>
+          </a:p>
+          <a:p>
+            <a:pPr marL="0" marR="0" lvl="0" indent="0" algn="l" defTabSz="914400" rtl="0" eaLnBrk="0" fontAlgn="base" latinLnBrk="0" hangingPunct="0">
+              <a:lnSpc>
+                <a:spcPct val="100000"/>
+              </a:lnSpc>
+              <a:spcBef>
+                <a:spcPct val="0"/>
+              </a:spcBef>
+              <a:spcAft>
+                <a:spcPct val="0"/>
+              </a:spcAft>
+              <a:buClrTx/>
+              <a:buSzTx/>
+              <a:buFontTx/>
+              <a:buNone/>
+              <a:tabLst/>
+            </a:pPr>
+            <a:r>
+              <a:rPr kumimoji="0" lang="zh-CN" altLang="zh-CN" sz="1400" b="1" i="0" u="none" strike="noStrike" cap="none" normalizeH="0" baseline="0" dirty="0">
+                <a:ln>
+                  <a:noFill/>
+                </a:ln>
+                <a:solidFill>
+                  <a:srgbClr val="000080"/>
+                </a:solidFill>
+                <a:effectLst/>
+                <a:latin typeface="Consolas" panose="020B0609020204030204" pitchFamily="49" charset="0"/>
+              </a:rPr>
+              <a:t>public void </a:t>
+            </a:r>
+            <a:r>
+              <a:rPr kumimoji="0" lang="zh-CN" altLang="zh-CN" sz="1400" b="0" i="0" u="none" strike="noStrike" cap="none" normalizeH="0" baseline="0" dirty="0">
+                <a:ln>
+                  <a:noFill/>
+                </a:ln>
+                <a:solidFill>
+                  <a:srgbClr val="000000"/>
+                </a:solidFill>
+                <a:effectLst/>
+                <a:latin typeface="Consolas" panose="020B0609020204030204" pitchFamily="49" charset="0"/>
+              </a:rPr>
+              <a:t>iniXXX(){</a:t>
+            </a:r>
+            <a:br>
+              <a:rPr kumimoji="0" lang="zh-CN" altLang="zh-CN" sz="1400" b="0" i="0" u="none" strike="noStrike" cap="none" normalizeH="0" baseline="0" dirty="0">
+                <a:ln>
+                  <a:noFill/>
+                </a:ln>
+                <a:solidFill>
+                  <a:srgbClr val="000000"/>
+                </a:solidFill>
+                <a:effectLst/>
+                <a:latin typeface="Consolas" panose="020B0609020204030204" pitchFamily="49" charset="0"/>
+              </a:rPr>
+            </a:br>
+            <a:r>
+              <a:rPr kumimoji="0" lang="zh-CN" altLang="zh-CN" sz="1400" b="0" i="0" u="none" strike="noStrike" cap="none" normalizeH="0" baseline="0" dirty="0">
+                <a:ln>
+                  <a:noFill/>
+                </a:ln>
+                <a:solidFill>
+                  <a:srgbClr val="000000"/>
+                </a:solidFill>
+                <a:effectLst/>
+                <a:latin typeface="Consolas" panose="020B0609020204030204" pitchFamily="49" charset="0"/>
+              </a:rPr>
+              <a:t>    Random rd = </a:t>
+            </a:r>
+            <a:r>
+              <a:rPr kumimoji="0" lang="zh-CN" altLang="zh-CN" sz="1400" b="1" i="0" u="none" strike="noStrike" cap="none" normalizeH="0" baseline="0" dirty="0">
+                <a:ln>
+                  <a:noFill/>
+                </a:ln>
+                <a:solidFill>
+                  <a:srgbClr val="000080"/>
+                </a:solidFill>
+                <a:effectLst/>
+                <a:latin typeface="Consolas" panose="020B0609020204030204" pitchFamily="49" charset="0"/>
+              </a:rPr>
+              <a:t>new </a:t>
+            </a:r>
+            <a:r>
+              <a:rPr kumimoji="0" lang="zh-CN" altLang="zh-CN" sz="1400" b="0" i="0" u="none" strike="noStrike" cap="none" normalizeH="0" baseline="0" dirty="0">
+                <a:ln>
+                  <a:noFill/>
+                </a:ln>
+                <a:solidFill>
+                  <a:srgbClr val="000000"/>
+                </a:solidFill>
+                <a:effectLst/>
+                <a:latin typeface="Consolas" panose="020B0609020204030204" pitchFamily="49" charset="0"/>
+              </a:rPr>
+              <a:t>Random();</a:t>
+            </a:r>
+            <a:br>
+              <a:rPr kumimoji="0" lang="zh-CN" altLang="zh-CN" sz="1400" b="0" i="0" u="none" strike="noStrike" cap="none" normalizeH="0" baseline="0" dirty="0">
+                <a:ln>
+                  <a:noFill/>
+                </a:ln>
+                <a:solidFill>
+                  <a:srgbClr val="000000"/>
+                </a:solidFill>
+                <a:effectLst/>
+                <a:latin typeface="Consolas" panose="020B0609020204030204" pitchFamily="49" charset="0"/>
+              </a:rPr>
+            </a:br>
+            <a:r>
+              <a:rPr kumimoji="0" lang="zh-CN" altLang="zh-CN" sz="1400" b="0" i="0" u="none" strike="noStrike" cap="none" normalizeH="0" baseline="0" dirty="0">
+                <a:ln>
+                  <a:noFill/>
+                </a:ln>
+                <a:solidFill>
+                  <a:srgbClr val="000000"/>
+                </a:solidFill>
+                <a:effectLst/>
+                <a:latin typeface="Consolas" panose="020B0609020204030204" pitchFamily="49" charset="0"/>
+              </a:rPr>
+              <a:t>    </a:t>
+            </a:r>
+            <a:r>
+              <a:rPr kumimoji="0" lang="zh-CN" altLang="zh-CN" sz="1400" b="1" i="0" u="none" strike="noStrike" cap="none" normalizeH="0" baseline="0" dirty="0">
+                <a:ln>
+                  <a:noFill/>
+                </a:ln>
+                <a:solidFill>
+                  <a:srgbClr val="000080"/>
+                </a:solidFill>
+                <a:effectLst/>
+                <a:latin typeface="Consolas" panose="020B0609020204030204" pitchFamily="49" charset="0"/>
+              </a:rPr>
+              <a:t>int </a:t>
+            </a:r>
+            <a:r>
+              <a:rPr kumimoji="0" lang="zh-CN" altLang="zh-CN" sz="1400" b="0" i="0" u="none" strike="noStrike" cap="none" normalizeH="0" baseline="0" dirty="0">
+                <a:ln>
+                  <a:noFill/>
+                </a:ln>
+                <a:solidFill>
+                  <a:srgbClr val="000000"/>
+                </a:solidFill>
+                <a:effectLst/>
+                <a:latin typeface="Consolas" panose="020B0609020204030204" pitchFamily="49" charset="0"/>
+              </a:rPr>
+              <a:t>x = rd.nextInt(</a:t>
+            </a:r>
+            <a:r>
+              <a:rPr kumimoji="0" lang="zh-CN" altLang="zh-CN" sz="1400" b="1" i="1" u="none" strike="noStrike" cap="none" normalizeH="0" baseline="0" dirty="0">
+                <a:ln>
+                  <a:noFill/>
+                </a:ln>
+                <a:solidFill>
+                  <a:srgbClr val="660E7A"/>
+                </a:solidFill>
+                <a:effectLst/>
+                <a:latin typeface="Consolas" panose="020B0609020204030204" pitchFamily="49" charset="0"/>
+              </a:rPr>
+              <a:t>LARGEUR</a:t>
+            </a:r>
+            <a:r>
+              <a:rPr kumimoji="0" lang="zh-CN" altLang="zh-CN" sz="1400" b="0" i="0" u="none" strike="noStrike" cap="none" normalizeH="0" baseline="0" dirty="0">
+                <a:ln>
+                  <a:noFill/>
+                </a:ln>
+                <a:solidFill>
+                  <a:srgbClr val="000000"/>
+                </a:solidFill>
+                <a:effectLst/>
+                <a:latin typeface="Consolas" panose="020B0609020204030204" pitchFamily="49" charset="0"/>
+              </a:rPr>
+              <a:t>) + </a:t>
+            </a:r>
+            <a:r>
+              <a:rPr kumimoji="0" lang="zh-CN" altLang="zh-CN" sz="1400" b="0" i="0" u="none" strike="noStrike" cap="none" normalizeH="0" baseline="0" dirty="0">
+                <a:ln>
+                  <a:noFill/>
+                </a:ln>
+                <a:solidFill>
+                  <a:srgbClr val="0000FF"/>
+                </a:solidFill>
+                <a:effectLst/>
+                <a:latin typeface="Consolas" panose="020B0609020204030204" pitchFamily="49" charset="0"/>
+              </a:rPr>
+              <a:t>1</a:t>
+            </a:r>
+            <a:r>
+              <a:rPr kumimoji="0" lang="zh-CN" altLang="zh-CN" sz="1400" b="0" i="0" u="none" strike="noStrike" cap="none" normalizeH="0" baseline="0" dirty="0">
+                <a:ln>
+                  <a:noFill/>
+                </a:ln>
+                <a:solidFill>
+                  <a:srgbClr val="000000"/>
+                </a:solidFill>
+                <a:effectLst/>
+                <a:latin typeface="Consolas" panose="020B0609020204030204" pitchFamily="49" charset="0"/>
+              </a:rPr>
+              <a:t>;</a:t>
+            </a:r>
+            <a:br>
+              <a:rPr kumimoji="0" lang="zh-CN" altLang="zh-CN" sz="1400" b="0" i="0" u="none" strike="noStrike" cap="none" normalizeH="0" baseline="0" dirty="0">
+                <a:ln>
+                  <a:noFill/>
+                </a:ln>
+                <a:solidFill>
+                  <a:srgbClr val="000000"/>
+                </a:solidFill>
+                <a:effectLst/>
+                <a:latin typeface="Consolas" panose="020B0609020204030204" pitchFamily="49" charset="0"/>
+              </a:rPr>
+            </a:br>
+            <a:r>
+              <a:rPr kumimoji="0" lang="zh-CN" altLang="zh-CN" sz="1400" b="0" i="0" u="none" strike="noStrike" cap="none" normalizeH="0" baseline="0" dirty="0">
+                <a:ln>
+                  <a:noFill/>
+                </a:ln>
+                <a:solidFill>
+                  <a:srgbClr val="000000"/>
+                </a:solidFill>
+                <a:effectLst/>
+                <a:latin typeface="Consolas" panose="020B0609020204030204" pitchFamily="49" charset="0"/>
+              </a:rPr>
+              <a:t>    </a:t>
+            </a:r>
+            <a:r>
+              <a:rPr kumimoji="0" lang="zh-CN" altLang="zh-CN" sz="1400" b="1" i="0" u="none" strike="noStrike" cap="none" normalizeH="0" baseline="0" dirty="0">
+                <a:ln>
+                  <a:noFill/>
+                </a:ln>
+                <a:solidFill>
+                  <a:srgbClr val="000080"/>
+                </a:solidFill>
+                <a:effectLst/>
+                <a:latin typeface="Consolas" panose="020B0609020204030204" pitchFamily="49" charset="0"/>
+              </a:rPr>
+              <a:t>int </a:t>
+            </a:r>
+            <a:r>
+              <a:rPr kumimoji="0" lang="zh-CN" altLang="zh-CN" sz="1400" b="0" i="0" u="none" strike="noStrike" cap="none" normalizeH="0" baseline="0" dirty="0">
+                <a:ln>
+                  <a:noFill/>
+                </a:ln>
+                <a:solidFill>
+                  <a:srgbClr val="000000"/>
+                </a:solidFill>
+                <a:effectLst/>
+                <a:latin typeface="Consolas" panose="020B0609020204030204" pitchFamily="49" charset="0"/>
+              </a:rPr>
+              <a:t>y = rd.nextInt(</a:t>
+            </a:r>
+            <a:r>
+              <a:rPr kumimoji="0" lang="zh-CN" altLang="zh-CN" sz="1400" b="1" i="1" u="none" strike="noStrike" cap="none" normalizeH="0" baseline="0" dirty="0">
+                <a:ln>
+                  <a:noFill/>
+                </a:ln>
+                <a:solidFill>
+                  <a:srgbClr val="660E7A"/>
+                </a:solidFill>
+                <a:effectLst/>
+                <a:latin typeface="Consolas" panose="020B0609020204030204" pitchFamily="49" charset="0"/>
+              </a:rPr>
+              <a:t>HAUTEUR</a:t>
+            </a:r>
+            <a:r>
+              <a:rPr kumimoji="0" lang="zh-CN" altLang="zh-CN" sz="1400" b="0" i="0" u="none" strike="noStrike" cap="none" normalizeH="0" baseline="0" dirty="0">
+                <a:ln>
+                  <a:noFill/>
+                </a:ln>
+                <a:solidFill>
+                  <a:srgbClr val="000000"/>
+                </a:solidFill>
+                <a:effectLst/>
+                <a:latin typeface="Consolas" panose="020B0609020204030204" pitchFamily="49" charset="0"/>
+              </a:rPr>
+              <a:t>) + </a:t>
+            </a:r>
+            <a:r>
+              <a:rPr kumimoji="0" lang="zh-CN" altLang="zh-CN" sz="1400" b="0" i="0" u="none" strike="noStrike" cap="none" normalizeH="0" baseline="0" dirty="0">
+                <a:ln>
+                  <a:noFill/>
+                </a:ln>
+                <a:solidFill>
+                  <a:srgbClr val="0000FF"/>
+                </a:solidFill>
+                <a:effectLst/>
+                <a:latin typeface="Consolas" panose="020B0609020204030204" pitchFamily="49" charset="0"/>
+              </a:rPr>
+              <a:t>1</a:t>
+            </a:r>
+            <a:r>
+              <a:rPr kumimoji="0" lang="zh-CN" altLang="zh-CN" sz="1400" b="0" i="0" u="none" strike="noStrike" cap="none" normalizeH="0" baseline="0" dirty="0">
+                <a:ln>
+                  <a:noFill/>
+                </a:ln>
+                <a:solidFill>
+                  <a:srgbClr val="000000"/>
+                </a:solidFill>
+                <a:effectLst/>
+                <a:latin typeface="Consolas" panose="020B0609020204030204" pitchFamily="49" charset="0"/>
+              </a:rPr>
+              <a:t>;</a:t>
+            </a:r>
+            <a:br>
+              <a:rPr kumimoji="0" lang="zh-CN" altLang="zh-CN" sz="1400" b="0" i="0" u="none" strike="noStrike" cap="none" normalizeH="0" baseline="0" dirty="0">
+                <a:ln>
+                  <a:noFill/>
+                </a:ln>
+                <a:solidFill>
+                  <a:srgbClr val="000000"/>
+                </a:solidFill>
+                <a:effectLst/>
+                <a:latin typeface="Consolas" panose="020B0609020204030204" pitchFamily="49" charset="0"/>
+              </a:rPr>
+            </a:br>
+            <a:r>
+              <a:rPr kumimoji="0" lang="zh-CN" altLang="zh-CN" sz="1400" b="0" i="0" u="none" strike="noStrike" cap="none" normalizeH="0" baseline="0" dirty="0">
+                <a:ln>
+                  <a:noFill/>
+                </a:ln>
+                <a:solidFill>
+                  <a:srgbClr val="000000"/>
+                </a:solidFill>
+                <a:effectLst/>
+                <a:latin typeface="Consolas" panose="020B0609020204030204" pitchFamily="49" charset="0"/>
+              </a:rPr>
+              <a:t>    </a:t>
+            </a:r>
+            <a:r>
+              <a:rPr kumimoji="0" lang="zh-CN" altLang="zh-CN" sz="1400" b="1" i="0" u="none" strike="noStrike" cap="none" normalizeH="0" baseline="0" dirty="0">
+                <a:ln>
+                  <a:noFill/>
+                </a:ln>
+                <a:solidFill>
+                  <a:srgbClr val="000080"/>
+                </a:solidFill>
+                <a:effectLst/>
+                <a:latin typeface="Consolas" panose="020B0609020204030204" pitchFamily="49" charset="0"/>
+              </a:rPr>
+              <a:t>for</a:t>
+            </a:r>
+            <a:r>
+              <a:rPr kumimoji="0" lang="zh-CN" altLang="zh-CN" sz="1400" b="0" i="0" u="none" strike="noStrike" cap="none" normalizeH="0" baseline="0" dirty="0">
+                <a:ln>
+                  <a:noFill/>
+                </a:ln>
+                <a:solidFill>
+                  <a:srgbClr val="000000"/>
+                </a:solidFill>
+                <a:effectLst/>
+                <a:latin typeface="Consolas" panose="020B0609020204030204" pitchFamily="49" charset="0"/>
+              </a:rPr>
+              <a:t>(</a:t>
+            </a:r>
+            <a:r>
+              <a:rPr kumimoji="0" lang="zh-CN" altLang="zh-CN" sz="1400" b="1" i="0" u="none" strike="noStrike" cap="none" normalizeH="0" baseline="0" dirty="0">
+                <a:ln>
+                  <a:noFill/>
+                </a:ln>
+                <a:solidFill>
+                  <a:srgbClr val="000080"/>
+                </a:solidFill>
+                <a:effectLst/>
+                <a:latin typeface="Consolas" panose="020B0609020204030204" pitchFamily="49" charset="0"/>
+              </a:rPr>
+              <a:t>int </a:t>
+            </a:r>
+            <a:r>
+              <a:rPr kumimoji="0" lang="zh-CN" altLang="zh-CN" sz="1400" b="0" i="0" u="none" strike="noStrike" cap="none" normalizeH="0" baseline="0" dirty="0">
+                <a:ln>
+                  <a:noFill/>
+                </a:ln>
+                <a:solidFill>
+                  <a:srgbClr val="000000"/>
+                </a:solidFill>
+                <a:effectLst/>
+                <a:latin typeface="Consolas" panose="020B0609020204030204" pitchFamily="49" charset="0"/>
+              </a:rPr>
+              <a:t>i = </a:t>
+            </a:r>
+            <a:r>
+              <a:rPr kumimoji="0" lang="zh-CN" altLang="zh-CN" sz="1400" b="0" i="0" u="none" strike="noStrike" cap="none" normalizeH="0" baseline="0" dirty="0">
+                <a:ln>
+                  <a:noFill/>
+                </a:ln>
+                <a:solidFill>
+                  <a:srgbClr val="0000FF"/>
+                </a:solidFill>
+                <a:effectLst/>
+                <a:latin typeface="Consolas" panose="020B0609020204030204" pitchFamily="49" charset="0"/>
+              </a:rPr>
+              <a:t>0</a:t>
+            </a:r>
+            <a:r>
+              <a:rPr kumimoji="0" lang="zh-CN" altLang="zh-CN" sz="1400" b="0" i="0" u="none" strike="noStrike" cap="none" normalizeH="0" baseline="0" dirty="0">
+                <a:ln>
+                  <a:noFill/>
+                </a:ln>
+                <a:solidFill>
+                  <a:srgbClr val="000000"/>
+                </a:solidFill>
+                <a:effectLst/>
+                <a:latin typeface="Consolas" panose="020B0609020204030204" pitchFamily="49" charset="0"/>
+              </a:rPr>
+              <a:t>; i&lt;</a:t>
+            </a:r>
+            <a:r>
+              <a:rPr kumimoji="0" lang="zh-CN" altLang="zh-CN" sz="1400" b="0" i="0" u="none" strike="noStrike" cap="none" normalizeH="0" baseline="0" dirty="0">
+                <a:ln>
+                  <a:noFill/>
+                </a:ln>
+                <a:solidFill>
+                  <a:srgbClr val="0000FF"/>
+                </a:solidFill>
+                <a:effectLst/>
+                <a:latin typeface="Consolas" panose="020B0609020204030204" pitchFamily="49" charset="0"/>
+              </a:rPr>
+              <a:t>4</a:t>
+            </a:r>
+            <a:r>
+              <a:rPr kumimoji="0" lang="zh-CN" altLang="zh-CN" sz="1400" b="0" i="0" u="none" strike="noStrike" cap="none" normalizeH="0" baseline="0" dirty="0">
+                <a:ln>
+                  <a:noFill/>
+                </a:ln>
+                <a:solidFill>
+                  <a:srgbClr val="000000"/>
+                </a:solidFill>
+                <a:effectLst/>
+                <a:latin typeface="Consolas" panose="020B0609020204030204" pitchFamily="49" charset="0"/>
+              </a:rPr>
+              <a:t>;i++){</a:t>
+            </a:r>
+            <a:br>
+              <a:rPr kumimoji="0" lang="zh-CN" altLang="zh-CN" sz="1400" b="0" i="0" u="none" strike="noStrike" cap="none" normalizeH="0" baseline="0" dirty="0">
+                <a:ln>
+                  <a:noFill/>
+                </a:ln>
+                <a:solidFill>
+                  <a:srgbClr val="000000"/>
+                </a:solidFill>
+                <a:effectLst/>
+                <a:latin typeface="Consolas" panose="020B0609020204030204" pitchFamily="49" charset="0"/>
+              </a:rPr>
+            </a:br>
+            <a:r>
+              <a:rPr kumimoji="0" lang="zh-CN" altLang="zh-CN" sz="1400" b="0" i="0" u="none" strike="noStrike" cap="none" normalizeH="0" baseline="0" dirty="0">
+                <a:ln>
+                  <a:noFill/>
+                </a:ln>
+                <a:solidFill>
+                  <a:srgbClr val="000000"/>
+                </a:solidFill>
+                <a:effectLst/>
+                <a:latin typeface="Consolas" panose="020B0609020204030204" pitchFamily="49" charset="0"/>
+              </a:rPr>
+              <a:t>        </a:t>
+            </a:r>
+            <a:r>
+              <a:rPr kumimoji="0" lang="zh-CN" altLang="zh-CN" sz="1400" b="1" i="0" u="none" strike="noStrike" cap="none" normalizeH="0" baseline="0" dirty="0">
+                <a:ln>
+                  <a:noFill/>
+                </a:ln>
+                <a:solidFill>
+                  <a:srgbClr val="000080"/>
+                </a:solidFill>
+                <a:effectLst/>
+                <a:latin typeface="Consolas" panose="020B0609020204030204" pitchFamily="49" charset="0"/>
+              </a:rPr>
+              <a:t>while </a:t>
+            </a:r>
+            <a:r>
+              <a:rPr kumimoji="0" lang="zh-CN" altLang="zh-CN" sz="1400" b="0" i="0" u="none" strike="noStrike" cap="none" normalizeH="0" baseline="0" dirty="0">
+                <a:ln>
+                  <a:noFill/>
+                </a:ln>
+                <a:solidFill>
+                  <a:srgbClr val="000000"/>
+                </a:solidFill>
+                <a:effectLst/>
+                <a:latin typeface="Consolas" panose="020B0609020204030204" pitchFamily="49" charset="0"/>
+              </a:rPr>
+              <a:t>(</a:t>
+            </a:r>
+            <a:r>
+              <a:rPr kumimoji="0" lang="zh-CN" altLang="zh-CN" sz="1400" b="1" i="0" u="none" strike="noStrike" cap="none" normalizeH="0" baseline="0" dirty="0">
+                <a:ln>
+                  <a:noFill/>
+                </a:ln>
+                <a:solidFill>
+                  <a:srgbClr val="000080"/>
+                </a:solidFill>
+                <a:effectLst/>
+                <a:latin typeface="Consolas" panose="020B0609020204030204" pitchFamily="49" charset="0"/>
+              </a:rPr>
+              <a:t>this</a:t>
+            </a:r>
+            <a:r>
+              <a:rPr kumimoji="0" lang="zh-CN" altLang="zh-CN" sz="1400" b="0" i="0" u="none" strike="noStrike" cap="none" normalizeH="0" baseline="0" dirty="0">
+                <a:ln>
+                  <a:noFill/>
+                </a:ln>
+                <a:solidFill>
+                  <a:srgbClr val="000000"/>
+                </a:solidFill>
+                <a:effectLst/>
+                <a:latin typeface="Consolas" panose="020B0609020204030204" pitchFamily="49" charset="0"/>
+              </a:rPr>
+              <a:t>.</a:t>
+            </a:r>
+            <a:r>
+              <a:rPr kumimoji="0" lang="zh-CN" altLang="zh-CN" sz="1400" b="1" i="0" u="none" strike="noStrike" cap="none" normalizeH="0" baseline="0" dirty="0">
+                <a:ln>
+                  <a:noFill/>
+                </a:ln>
+                <a:solidFill>
+                  <a:srgbClr val="660E7A"/>
+                </a:solidFill>
+                <a:effectLst/>
+                <a:latin typeface="Consolas" panose="020B0609020204030204" pitchFamily="49" charset="0"/>
+              </a:rPr>
+              <a:t>cellules</a:t>
+            </a:r>
+            <a:r>
+              <a:rPr kumimoji="0" lang="zh-CN" altLang="zh-CN" sz="1400" b="0" i="0" u="none" strike="noStrike" cap="none" normalizeH="0" baseline="0" dirty="0">
+                <a:ln>
+                  <a:noFill/>
+                </a:ln>
+                <a:solidFill>
+                  <a:srgbClr val="000000"/>
+                </a:solidFill>
+                <a:effectLst/>
+                <a:latin typeface="Consolas" panose="020B0609020204030204" pitchFamily="49" charset="0"/>
+              </a:rPr>
+              <a:t>[x][y].</a:t>
+            </a:r>
+            <a:r>
+              <a:rPr kumimoji="0" lang="zh-CN" altLang="zh-CN" sz="1400" b="1" i="0" u="none" strike="noStrike" cap="none" normalizeH="0" baseline="0" dirty="0">
+                <a:ln>
+                  <a:noFill/>
+                </a:ln>
+                <a:solidFill>
+                  <a:srgbClr val="660E7A"/>
+                </a:solidFill>
+                <a:effectLst/>
+                <a:latin typeface="Consolas" panose="020B0609020204030204" pitchFamily="49" charset="0"/>
+              </a:rPr>
+              <a:t>hasArtefact</a:t>
+            </a:r>
+            <a:r>
+              <a:rPr kumimoji="0" lang="zh-CN" altLang="zh-CN" sz="1400" b="0" i="0" u="none" strike="noStrike" cap="none" normalizeH="0" baseline="0" dirty="0">
+                <a:ln>
+                  <a:noFill/>
+                </a:ln>
+                <a:solidFill>
+                  <a:srgbClr val="000000"/>
+                </a:solidFill>
+                <a:effectLst/>
+                <a:latin typeface="Consolas" panose="020B0609020204030204" pitchFamily="49" charset="0"/>
+              </a:rPr>
+              <a:t>){</a:t>
+            </a:r>
+            <a:br>
+              <a:rPr kumimoji="0" lang="zh-CN" altLang="zh-CN" sz="1400" b="0" i="0" u="none" strike="noStrike" cap="none" normalizeH="0" baseline="0" dirty="0">
+                <a:ln>
+                  <a:noFill/>
+                </a:ln>
+                <a:solidFill>
+                  <a:srgbClr val="000000"/>
+                </a:solidFill>
+                <a:effectLst/>
+                <a:latin typeface="Consolas" panose="020B0609020204030204" pitchFamily="49" charset="0"/>
+              </a:rPr>
+            </a:br>
+            <a:r>
+              <a:rPr kumimoji="0" lang="zh-CN" altLang="zh-CN" sz="1400" b="0" i="0" u="none" strike="noStrike" cap="none" normalizeH="0" baseline="0" dirty="0">
+                <a:ln>
+                  <a:noFill/>
+                </a:ln>
+                <a:solidFill>
+                  <a:srgbClr val="000000"/>
+                </a:solidFill>
+                <a:effectLst/>
+                <a:latin typeface="Consolas" panose="020B0609020204030204" pitchFamily="49" charset="0"/>
+              </a:rPr>
+              <a:t>            x = rd.nextInt(</a:t>
+            </a:r>
+            <a:r>
+              <a:rPr kumimoji="0" lang="zh-CN" altLang="zh-CN" sz="1400" b="1" i="1" u="none" strike="noStrike" cap="none" normalizeH="0" baseline="0" dirty="0">
+                <a:ln>
+                  <a:noFill/>
+                </a:ln>
+                <a:solidFill>
+                  <a:srgbClr val="660E7A"/>
+                </a:solidFill>
+                <a:effectLst/>
+                <a:latin typeface="Consolas" panose="020B0609020204030204" pitchFamily="49" charset="0"/>
+              </a:rPr>
+              <a:t>LARGEUR</a:t>
+            </a:r>
+            <a:r>
+              <a:rPr kumimoji="0" lang="zh-CN" altLang="zh-CN" sz="1400" b="0" i="0" u="none" strike="noStrike" cap="none" normalizeH="0" baseline="0" dirty="0">
+                <a:ln>
+                  <a:noFill/>
+                </a:ln>
+                <a:solidFill>
+                  <a:srgbClr val="000000"/>
+                </a:solidFill>
+                <a:effectLst/>
+                <a:latin typeface="Consolas" panose="020B0609020204030204" pitchFamily="49" charset="0"/>
+              </a:rPr>
+              <a:t>) + </a:t>
+            </a:r>
+            <a:r>
+              <a:rPr kumimoji="0" lang="zh-CN" altLang="zh-CN" sz="1400" b="0" i="0" u="none" strike="noStrike" cap="none" normalizeH="0" baseline="0" dirty="0">
+                <a:ln>
+                  <a:noFill/>
+                </a:ln>
+                <a:solidFill>
+                  <a:srgbClr val="0000FF"/>
+                </a:solidFill>
+                <a:effectLst/>
+                <a:latin typeface="Consolas" panose="020B0609020204030204" pitchFamily="49" charset="0"/>
+              </a:rPr>
+              <a:t>1</a:t>
+            </a:r>
+            <a:r>
+              <a:rPr kumimoji="0" lang="zh-CN" altLang="zh-CN" sz="1400" b="0" i="0" u="none" strike="noStrike" cap="none" normalizeH="0" baseline="0" dirty="0">
+                <a:ln>
+                  <a:noFill/>
+                </a:ln>
+                <a:solidFill>
+                  <a:srgbClr val="000000"/>
+                </a:solidFill>
+                <a:effectLst/>
+                <a:latin typeface="Consolas" panose="020B0609020204030204" pitchFamily="49" charset="0"/>
+              </a:rPr>
+              <a:t>;</a:t>
+            </a:r>
+            <a:br>
+              <a:rPr kumimoji="0" lang="zh-CN" altLang="zh-CN" sz="1400" b="0" i="0" u="none" strike="noStrike" cap="none" normalizeH="0" baseline="0" dirty="0">
+                <a:ln>
+                  <a:noFill/>
+                </a:ln>
+                <a:solidFill>
+                  <a:srgbClr val="000000"/>
+                </a:solidFill>
+                <a:effectLst/>
+                <a:latin typeface="Consolas" panose="020B0609020204030204" pitchFamily="49" charset="0"/>
+              </a:rPr>
+            </a:br>
+            <a:r>
+              <a:rPr kumimoji="0" lang="zh-CN" altLang="zh-CN" sz="1400" b="0" i="0" u="none" strike="noStrike" cap="none" normalizeH="0" baseline="0" dirty="0">
+                <a:ln>
+                  <a:noFill/>
+                </a:ln>
+                <a:solidFill>
+                  <a:srgbClr val="000000"/>
+                </a:solidFill>
+                <a:effectLst/>
+                <a:latin typeface="Consolas" panose="020B0609020204030204" pitchFamily="49" charset="0"/>
+              </a:rPr>
+              <a:t>            y = rd.nextInt(</a:t>
+            </a:r>
+            <a:r>
+              <a:rPr kumimoji="0" lang="zh-CN" altLang="zh-CN" sz="1400" b="1" i="1" u="none" strike="noStrike" cap="none" normalizeH="0" baseline="0" dirty="0">
+                <a:ln>
+                  <a:noFill/>
+                </a:ln>
+                <a:solidFill>
+                  <a:srgbClr val="660E7A"/>
+                </a:solidFill>
+                <a:effectLst/>
+                <a:latin typeface="Consolas" panose="020B0609020204030204" pitchFamily="49" charset="0"/>
+              </a:rPr>
+              <a:t>LARGEUR</a:t>
+            </a:r>
+            <a:r>
+              <a:rPr kumimoji="0" lang="zh-CN" altLang="zh-CN" sz="1400" b="0" i="0" u="none" strike="noStrike" cap="none" normalizeH="0" baseline="0" dirty="0">
+                <a:ln>
+                  <a:noFill/>
+                </a:ln>
+                <a:solidFill>
+                  <a:srgbClr val="000000"/>
+                </a:solidFill>
+                <a:effectLst/>
+                <a:latin typeface="Consolas" panose="020B0609020204030204" pitchFamily="49" charset="0"/>
+              </a:rPr>
+              <a:t>) + </a:t>
+            </a:r>
+            <a:r>
+              <a:rPr kumimoji="0" lang="zh-CN" altLang="zh-CN" sz="1400" b="0" i="0" u="none" strike="noStrike" cap="none" normalizeH="0" baseline="0" dirty="0">
+                <a:ln>
+                  <a:noFill/>
+                </a:ln>
+                <a:solidFill>
+                  <a:srgbClr val="0000FF"/>
+                </a:solidFill>
+                <a:effectLst/>
+                <a:latin typeface="Consolas" panose="020B0609020204030204" pitchFamily="49" charset="0"/>
+              </a:rPr>
+              <a:t>1</a:t>
+            </a:r>
+            <a:r>
+              <a:rPr kumimoji="0" lang="zh-CN" altLang="zh-CN" sz="1400" b="0" i="0" u="none" strike="noStrike" cap="none" normalizeH="0" baseline="0" dirty="0">
+                <a:ln>
+                  <a:noFill/>
+                </a:ln>
+                <a:solidFill>
+                  <a:srgbClr val="000000"/>
+                </a:solidFill>
+                <a:effectLst/>
+                <a:latin typeface="Consolas" panose="020B0609020204030204" pitchFamily="49" charset="0"/>
+              </a:rPr>
+              <a:t>; </a:t>
+            </a:r>
+            <a:br>
+              <a:rPr kumimoji="0" lang="zh-CN" altLang="zh-CN" sz="1400" b="0" i="0" u="none" strike="noStrike" cap="none" normalizeH="0" baseline="0" dirty="0">
+                <a:ln>
+                  <a:noFill/>
+                </a:ln>
+                <a:solidFill>
+                  <a:srgbClr val="000000"/>
+                </a:solidFill>
+                <a:effectLst/>
+                <a:latin typeface="Consolas" panose="020B0609020204030204" pitchFamily="49" charset="0"/>
+              </a:rPr>
+            </a:br>
+            <a:r>
+              <a:rPr kumimoji="0" lang="zh-CN" altLang="zh-CN" sz="1400" b="0" i="0" u="none" strike="noStrike" cap="none" normalizeH="0" baseline="0" dirty="0">
+                <a:ln>
+                  <a:noFill/>
+                </a:ln>
+                <a:solidFill>
+                  <a:srgbClr val="000000"/>
+                </a:solidFill>
+                <a:effectLst/>
+                <a:latin typeface="Consolas" panose="020B0609020204030204" pitchFamily="49" charset="0"/>
+              </a:rPr>
+              <a:t>        }</a:t>
+            </a:r>
+            <a:br>
+              <a:rPr kumimoji="0" lang="zh-CN" altLang="zh-CN" sz="1400" b="0" i="0" u="none" strike="noStrike" cap="none" normalizeH="0" baseline="0" dirty="0">
+                <a:ln>
+                  <a:noFill/>
+                </a:ln>
+                <a:solidFill>
+                  <a:srgbClr val="000000"/>
+                </a:solidFill>
+                <a:effectLst/>
+                <a:latin typeface="Consolas" panose="020B0609020204030204" pitchFamily="49" charset="0"/>
+              </a:rPr>
+            </a:br>
+            <a:r>
+              <a:rPr kumimoji="0" lang="zh-CN" altLang="zh-CN" sz="1400" b="0" i="0" u="none" strike="noStrike" cap="none" normalizeH="0" baseline="0" dirty="0">
+                <a:ln>
+                  <a:noFill/>
+                </a:ln>
+                <a:solidFill>
+                  <a:srgbClr val="000000"/>
+                </a:solidFill>
+                <a:effectLst/>
+                <a:latin typeface="Consolas" panose="020B0609020204030204" pitchFamily="49" charset="0"/>
+              </a:rPr>
+              <a:t>        </a:t>
+            </a:r>
+            <a:r>
+              <a:rPr kumimoji="0" lang="zh-CN" altLang="zh-CN" sz="1400" b="1" i="0" u="none" strike="noStrike" cap="none" normalizeH="0" baseline="0" dirty="0">
+                <a:ln>
+                  <a:noFill/>
+                </a:ln>
+                <a:solidFill>
+                  <a:srgbClr val="000080"/>
+                </a:solidFill>
+                <a:effectLst/>
+                <a:latin typeface="Consolas" panose="020B0609020204030204" pitchFamily="49" charset="0"/>
+              </a:rPr>
+              <a:t>assert </a:t>
+            </a:r>
+            <a:r>
+              <a:rPr kumimoji="0" lang="zh-CN" altLang="zh-CN" sz="1400" b="1" i="0" u="none" strike="noStrike" cap="none" normalizeH="0" baseline="0" dirty="0">
+                <a:ln>
+                  <a:noFill/>
+                </a:ln>
+                <a:solidFill>
+                  <a:srgbClr val="660E7A"/>
+                </a:solidFill>
+                <a:effectLst/>
+                <a:latin typeface="Consolas" panose="020B0609020204030204" pitchFamily="49" charset="0"/>
+              </a:rPr>
+              <a:t>cellules</a:t>
+            </a:r>
+            <a:r>
+              <a:rPr kumimoji="0" lang="zh-CN" altLang="zh-CN" sz="1400" b="0" i="0" u="none" strike="noStrike" cap="none" normalizeH="0" baseline="0" dirty="0">
+                <a:ln>
+                  <a:noFill/>
+                </a:ln>
+                <a:solidFill>
+                  <a:srgbClr val="000000"/>
+                </a:solidFill>
+                <a:effectLst/>
+                <a:latin typeface="Consolas" panose="020B0609020204030204" pitchFamily="49" charset="0"/>
+              </a:rPr>
+              <a:t>[x][y].</a:t>
+            </a:r>
+            <a:r>
+              <a:rPr kumimoji="0" lang="zh-CN" altLang="zh-CN" sz="1400" b="1" i="0" u="none" strike="noStrike" cap="none" normalizeH="0" baseline="0" dirty="0">
+                <a:ln>
+                  <a:noFill/>
+                </a:ln>
+                <a:solidFill>
+                  <a:srgbClr val="660E7A"/>
+                </a:solidFill>
+                <a:effectLst/>
+                <a:latin typeface="Consolas" panose="020B0609020204030204" pitchFamily="49" charset="0"/>
+              </a:rPr>
+              <a:t>hasArtefact </a:t>
+            </a:r>
+            <a:r>
+              <a:rPr kumimoji="0" lang="zh-CN" altLang="zh-CN" sz="1400" b="0" i="0" u="none" strike="noStrike" cap="none" normalizeH="0" baseline="0" dirty="0">
+                <a:ln>
+                  <a:noFill/>
+                </a:ln>
+                <a:solidFill>
+                  <a:srgbClr val="000000"/>
+                </a:solidFill>
+                <a:effectLst/>
+                <a:latin typeface="Consolas" panose="020B0609020204030204" pitchFamily="49" charset="0"/>
+              </a:rPr>
+              <a:t>== </a:t>
+            </a:r>
+            <a:r>
+              <a:rPr kumimoji="0" lang="zh-CN" altLang="zh-CN" sz="1400" b="1" i="0" u="none" strike="noStrike" cap="none" normalizeH="0" baseline="0" dirty="0">
+                <a:ln>
+                  <a:noFill/>
+                </a:ln>
+                <a:solidFill>
+                  <a:srgbClr val="000080"/>
+                </a:solidFill>
+                <a:effectLst/>
+                <a:latin typeface="Consolas" panose="020B0609020204030204" pitchFamily="49" charset="0"/>
+              </a:rPr>
+              <a:t>false</a:t>
+            </a:r>
+            <a:r>
+              <a:rPr kumimoji="0" lang="zh-CN" altLang="zh-CN" sz="1400" b="0" i="0" u="none" strike="noStrike" cap="none" normalizeH="0" baseline="0" dirty="0">
+                <a:ln>
+                  <a:noFill/>
+                </a:ln>
+                <a:solidFill>
+                  <a:srgbClr val="000000"/>
+                </a:solidFill>
+                <a:effectLst/>
+                <a:latin typeface="Consolas" panose="020B0609020204030204" pitchFamily="49" charset="0"/>
+              </a:rPr>
+              <a:t>;</a:t>
+            </a:r>
+            <a:br>
+              <a:rPr kumimoji="0" lang="zh-CN" altLang="zh-CN" sz="1400" b="0" i="0" u="none" strike="noStrike" cap="none" normalizeH="0" baseline="0" dirty="0">
+                <a:ln>
+                  <a:noFill/>
+                </a:ln>
+                <a:solidFill>
+                  <a:srgbClr val="000000"/>
+                </a:solidFill>
+                <a:effectLst/>
+                <a:latin typeface="Consolas" panose="020B0609020204030204" pitchFamily="49" charset="0"/>
+              </a:rPr>
+            </a:br>
+            <a:r>
+              <a:rPr kumimoji="0" lang="zh-CN" altLang="zh-CN" sz="1400" b="0" i="0" u="none" strike="noStrike" cap="none" normalizeH="0" baseline="0" dirty="0">
+                <a:ln>
+                  <a:noFill/>
+                </a:ln>
+                <a:solidFill>
+                  <a:srgbClr val="000000"/>
+                </a:solidFill>
+                <a:effectLst/>
+                <a:latin typeface="Consolas" panose="020B0609020204030204" pitchFamily="49" charset="0"/>
+              </a:rPr>
+              <a:t>        </a:t>
+            </a:r>
+            <a:r>
+              <a:rPr kumimoji="0" lang="zh-CN" altLang="zh-CN" sz="1400" b="1" i="0" u="none" strike="noStrike" cap="none" normalizeH="0" baseline="0" dirty="0">
+                <a:ln>
+                  <a:noFill/>
+                </a:ln>
+                <a:solidFill>
+                  <a:srgbClr val="660E7A"/>
+                </a:solidFill>
+                <a:effectLst/>
+                <a:latin typeface="Consolas" panose="020B0609020204030204" pitchFamily="49" charset="0"/>
+              </a:rPr>
+              <a:t>cellules</a:t>
+            </a:r>
+            <a:r>
+              <a:rPr kumimoji="0" lang="zh-CN" altLang="zh-CN" sz="1400" b="0" i="0" u="none" strike="noStrike" cap="none" normalizeH="0" baseline="0" dirty="0">
+                <a:ln>
+                  <a:noFill/>
+                </a:ln>
+                <a:solidFill>
+                  <a:srgbClr val="000000"/>
+                </a:solidFill>
+                <a:effectLst/>
+                <a:latin typeface="Consolas" panose="020B0609020204030204" pitchFamily="49" charset="0"/>
+              </a:rPr>
+              <a:t>[x][y].generateArtefact(i);</a:t>
+            </a:r>
+            <a:br>
+              <a:rPr kumimoji="0" lang="zh-CN" altLang="zh-CN" sz="1400" b="0" i="0" u="none" strike="noStrike" cap="none" normalizeH="0" baseline="0" dirty="0">
+                <a:ln>
+                  <a:noFill/>
+                </a:ln>
+                <a:solidFill>
+                  <a:srgbClr val="000000"/>
+                </a:solidFill>
+                <a:effectLst/>
+                <a:latin typeface="Consolas" panose="020B0609020204030204" pitchFamily="49" charset="0"/>
+              </a:rPr>
+            </a:br>
+            <a:r>
+              <a:rPr kumimoji="0" lang="zh-CN" altLang="zh-CN" sz="1400" b="0" i="0" u="none" strike="noStrike" cap="none" normalizeH="0" baseline="0" dirty="0">
+                <a:ln>
+                  <a:noFill/>
+                </a:ln>
+                <a:solidFill>
+                  <a:srgbClr val="000000"/>
+                </a:solidFill>
+                <a:effectLst/>
+                <a:latin typeface="Consolas" panose="020B0609020204030204" pitchFamily="49" charset="0"/>
+              </a:rPr>
+              <a:t>    }</a:t>
+            </a:r>
+            <a:br>
+              <a:rPr kumimoji="0" lang="zh-CN" altLang="zh-CN" sz="1400" b="0" i="0" u="none" strike="noStrike" cap="none" normalizeH="0" baseline="0" dirty="0">
+                <a:ln>
+                  <a:noFill/>
+                </a:ln>
+                <a:solidFill>
+                  <a:srgbClr val="000000"/>
+                </a:solidFill>
+                <a:effectLst/>
+                <a:latin typeface="Consolas" panose="020B0609020204030204" pitchFamily="49" charset="0"/>
+              </a:rPr>
+            </a:br>
+            <a:r>
+              <a:rPr kumimoji="0" lang="zh-CN" altLang="zh-CN" sz="1400" b="0" i="0" u="none" strike="noStrike" cap="none" normalizeH="0" baseline="0" dirty="0">
+                <a:ln>
+                  <a:noFill/>
+                </a:ln>
+                <a:solidFill>
+                  <a:srgbClr val="000000"/>
+                </a:solidFill>
+                <a:effectLst/>
+                <a:latin typeface="Consolas" panose="020B0609020204030204" pitchFamily="49" charset="0"/>
+              </a:rPr>
+              <a:t>}</a:t>
+            </a:r>
+            <a:endParaRPr kumimoji="0" lang="zh-CN" altLang="zh-CN" sz="4000" b="0" i="0" u="none" strike="noStrike" cap="none" normalizeH="0" baseline="0" dirty="0">
+              <a:ln>
+                <a:noFill/>
+              </a:ln>
+              <a:solidFill>
+                <a:schemeClr val="tx1"/>
+              </a:solidFill>
+              <a:effectLst/>
+              <a:latin typeface="Arial" panose="020B0604020202020204" pitchFamily="34" charset="0"/>
+            </a:endParaRPr>
+          </a:p>
+        </p:txBody>
+      </p:sp>
+      <p:sp>
+        <p:nvSpPr>
+          <p:cNvPr id="7" name="Rectangle 4">
+            <a:extLst>
+              <a:ext uri="{FF2B5EF4-FFF2-40B4-BE49-F238E27FC236}">
+                <a16:creationId xmlns:a16="http://schemas.microsoft.com/office/drawing/2014/main" id="{8A98C2AF-B4F2-485D-A491-6244E3B43765}"/>
+              </a:ext>
+            </a:extLst>
+          </p:cNvPr>
+          <p:cNvSpPr>
+            <a:spLocks noChangeArrowheads="1"/>
+          </p:cNvSpPr>
+          <p:nvPr/>
+        </p:nvSpPr>
+        <p:spPr bwMode="auto">
+          <a:xfrm>
+            <a:off x="7035044" y="1784847"/>
+            <a:ext cx="4059676" cy="4832092"/>
+          </a:xfrm>
+          <a:prstGeom prst="rect">
+            <a:avLst/>
+          </a:prstGeom>
+          <a:solidFill>
+            <a:srgbClr val="FFFFFF"/>
+          </a:solidFill>
+          <a:ln>
+            <a:noFill/>
+          </a:ln>
+          <a:effectLst/>
+          <a:extLst>
+            <a:ext uri="{91240B29-F687-4F45-9708-019B960494DF}">
+              <a14:hiddenLine xmlns:a14="http://schemas.microsoft.com/office/drawing/2010/main" w="9525">
+                <a:solidFill>
+                  <a:schemeClr val="tx1"/>
+                </a:solidFill>
+                <a:miter lim="800000"/>
+                <a:headEnd/>
+                <a:tailEnd/>
+              </a14:hiddenLine>
+            </a:ext>
+            <a:ext uri="{AF507438-7753-43E0-B8FC-AC1667EBCBE1}">
+              <a14:hiddenEffects xmlns:a14="http://schemas.microsoft.com/office/drawing/2010/main">
+                <a:effectLst>
+                  <a:outerShdw dist="35921" dir="2700000" algn="ctr" rotWithShape="0">
+                    <a:schemeClr val="bg2"/>
+                  </a:outerShdw>
+                </a:effectLst>
+              </a14:hiddenEffects>
+            </a:ext>
+          </a:extLst>
+        </p:spPr>
+        <p:txBody>
+          <a:bodyPr vert="horz" wrap="square" lIns="91440" tIns="45720" rIns="91440" bIns="45720" numCol="1" anchor="ctr" anchorCtr="0" compatLnSpc="1">
+            <a:prstTxWarp prst="textNoShape">
+              <a:avLst/>
+            </a:prstTxWarp>
+            <a:spAutoFit/>
+          </a:bodyPr>
+          <a:lstStyle/>
+          <a:p>
+            <a:pPr marL="0" marR="0" lvl="0" indent="0" algn="l" defTabSz="914400" rtl="0" eaLnBrk="0" fontAlgn="base" latinLnBrk="0" hangingPunct="0">
+              <a:lnSpc>
+                <a:spcPct val="100000"/>
+              </a:lnSpc>
+              <a:spcBef>
+                <a:spcPct val="0"/>
+              </a:spcBef>
+              <a:spcAft>
+                <a:spcPct val="0"/>
+              </a:spcAft>
+              <a:buClrTx/>
+              <a:buSzTx/>
+              <a:buFontTx/>
+              <a:buNone/>
+              <a:tabLst/>
+            </a:pPr>
+            <a:r>
+              <a:rPr kumimoji="0" lang="en-US" altLang="zh-CN" sz="1400" b="1" i="0" u="none" strike="noStrike" cap="none" normalizeH="0" baseline="0" dirty="0">
+                <a:ln>
+                  <a:noFill/>
+                </a:ln>
+                <a:solidFill>
+                  <a:srgbClr val="000080"/>
+                </a:solidFill>
+                <a:effectLst/>
+                <a:latin typeface="Consolas" panose="020B0609020204030204" pitchFamily="49" charset="0"/>
+              </a:rPr>
+              <a:t>Cellule.java</a:t>
+            </a:r>
+          </a:p>
+          <a:p>
+            <a:pPr marL="0" marR="0" lvl="0" indent="0" algn="l" defTabSz="914400" rtl="0" eaLnBrk="0" fontAlgn="base" latinLnBrk="0" hangingPunct="0">
+              <a:lnSpc>
+                <a:spcPct val="100000"/>
+              </a:lnSpc>
+              <a:spcBef>
+                <a:spcPct val="0"/>
+              </a:spcBef>
+              <a:spcAft>
+                <a:spcPct val="0"/>
+              </a:spcAft>
+              <a:buClrTx/>
+              <a:buSzTx/>
+              <a:buFontTx/>
+              <a:buNone/>
+              <a:tabLst/>
+            </a:pPr>
+            <a:endParaRPr kumimoji="0" lang="en-US" altLang="zh-CN" sz="1400" b="1" i="0" u="none" strike="noStrike" cap="none" normalizeH="0" baseline="0" dirty="0">
+              <a:ln>
+                <a:noFill/>
+              </a:ln>
+              <a:solidFill>
+                <a:srgbClr val="000080"/>
+              </a:solidFill>
+              <a:effectLst/>
+              <a:latin typeface="Consolas" panose="020B0609020204030204" pitchFamily="49" charset="0"/>
+            </a:endParaRPr>
+          </a:p>
+          <a:p>
+            <a:pPr marL="0" marR="0" lvl="0" indent="0" algn="l" defTabSz="914400" rtl="0" eaLnBrk="0" fontAlgn="base" latinLnBrk="0" hangingPunct="0">
+              <a:lnSpc>
+                <a:spcPct val="100000"/>
+              </a:lnSpc>
+              <a:spcBef>
+                <a:spcPct val="0"/>
+              </a:spcBef>
+              <a:spcAft>
+                <a:spcPct val="0"/>
+              </a:spcAft>
+              <a:buClrTx/>
+              <a:buSzTx/>
+              <a:buFontTx/>
+              <a:buNone/>
+              <a:tabLst/>
+            </a:pPr>
+            <a:r>
+              <a:rPr kumimoji="0" lang="zh-CN" altLang="zh-CN" sz="1400" b="1" i="0" u="none" strike="noStrike" cap="none" normalizeH="0" baseline="0" dirty="0">
+                <a:ln>
+                  <a:noFill/>
+                </a:ln>
+                <a:solidFill>
+                  <a:srgbClr val="000080"/>
+                </a:solidFill>
+                <a:effectLst/>
+                <a:latin typeface="Consolas" panose="020B0609020204030204" pitchFamily="49" charset="0"/>
+              </a:rPr>
+              <a:t>public void </a:t>
+            </a:r>
+            <a:r>
+              <a:rPr kumimoji="0" lang="zh-CN" altLang="zh-CN" sz="1400" b="0" i="0" u="none" strike="noStrike" cap="none" normalizeH="0" baseline="0" dirty="0">
+                <a:ln>
+                  <a:noFill/>
+                </a:ln>
+                <a:solidFill>
+                  <a:srgbClr val="000000"/>
+                </a:solidFill>
+                <a:effectLst/>
+                <a:latin typeface="Consolas" panose="020B0609020204030204" pitchFamily="49" charset="0"/>
+              </a:rPr>
+              <a:t>generateArtefact () {</a:t>
+            </a:r>
+            <a:br>
+              <a:rPr kumimoji="0" lang="zh-CN" altLang="zh-CN" sz="1400" b="0" i="0" u="none" strike="noStrike" cap="none" normalizeH="0" baseline="0" dirty="0">
+                <a:ln>
+                  <a:noFill/>
+                </a:ln>
+                <a:solidFill>
+                  <a:srgbClr val="000000"/>
+                </a:solidFill>
+                <a:effectLst/>
+                <a:latin typeface="Consolas" panose="020B0609020204030204" pitchFamily="49" charset="0"/>
+              </a:rPr>
+            </a:br>
+            <a:r>
+              <a:rPr kumimoji="0" lang="zh-CN" altLang="zh-CN" sz="1400" b="0" i="0" u="none" strike="noStrike" cap="none" normalizeH="0" baseline="0" dirty="0">
+                <a:ln>
+                  <a:noFill/>
+                </a:ln>
+                <a:solidFill>
+                  <a:srgbClr val="000000"/>
+                </a:solidFill>
+                <a:effectLst/>
+                <a:latin typeface="Consolas" panose="020B0609020204030204" pitchFamily="49" charset="0"/>
+              </a:rPr>
+              <a:t>   Random rd = </a:t>
+            </a:r>
+            <a:r>
+              <a:rPr kumimoji="0" lang="zh-CN" altLang="zh-CN" sz="1400" b="1" i="0" u="none" strike="noStrike" cap="none" normalizeH="0" baseline="0" dirty="0">
+                <a:ln>
+                  <a:noFill/>
+                </a:ln>
+                <a:solidFill>
+                  <a:srgbClr val="000080"/>
+                </a:solidFill>
+                <a:effectLst/>
+                <a:latin typeface="Consolas" panose="020B0609020204030204" pitchFamily="49" charset="0"/>
+              </a:rPr>
+              <a:t>new </a:t>
+            </a:r>
+            <a:r>
+              <a:rPr kumimoji="0" lang="zh-CN" altLang="zh-CN" sz="1400" b="0" i="0" u="none" strike="noStrike" cap="none" normalizeH="0" baseline="0" dirty="0">
+                <a:ln>
+                  <a:noFill/>
+                </a:ln>
+                <a:solidFill>
+                  <a:srgbClr val="000000"/>
+                </a:solidFill>
+                <a:effectLst/>
+                <a:latin typeface="Consolas" panose="020B0609020204030204" pitchFamily="49" charset="0"/>
+              </a:rPr>
+              <a:t>Random();</a:t>
+            </a:r>
+            <a:br>
+              <a:rPr kumimoji="0" lang="zh-CN" altLang="zh-CN" sz="1400" b="0" i="0" u="none" strike="noStrike" cap="none" normalizeH="0" baseline="0" dirty="0">
+                <a:ln>
+                  <a:noFill/>
+                </a:ln>
+                <a:solidFill>
+                  <a:srgbClr val="000000"/>
+                </a:solidFill>
+                <a:effectLst/>
+                <a:latin typeface="Consolas" panose="020B0609020204030204" pitchFamily="49" charset="0"/>
+              </a:rPr>
+            </a:br>
+            <a:r>
+              <a:rPr kumimoji="0" lang="zh-CN" altLang="zh-CN" sz="1400" b="0" i="0" u="none" strike="noStrike" cap="none" normalizeH="0" baseline="0" dirty="0">
+                <a:ln>
+                  <a:noFill/>
+                </a:ln>
+                <a:solidFill>
+                  <a:srgbClr val="000000"/>
+                </a:solidFill>
+                <a:effectLst/>
+                <a:latin typeface="Consolas" panose="020B0609020204030204" pitchFamily="49" charset="0"/>
+              </a:rPr>
+              <a:t>   </a:t>
+            </a:r>
+            <a:r>
+              <a:rPr kumimoji="0" lang="zh-CN" altLang="zh-CN" sz="1400" b="1" i="0" u="none" strike="noStrike" cap="none" normalizeH="0" baseline="0" dirty="0">
+                <a:ln>
+                  <a:noFill/>
+                </a:ln>
+                <a:solidFill>
+                  <a:srgbClr val="000080"/>
+                </a:solidFill>
+                <a:effectLst/>
+                <a:latin typeface="Consolas" panose="020B0609020204030204" pitchFamily="49" charset="0"/>
+              </a:rPr>
+              <a:t>int </a:t>
+            </a:r>
+            <a:r>
+              <a:rPr kumimoji="0" lang="zh-CN" altLang="zh-CN" sz="1400" b="0" i="0" u="none" strike="noStrike" cap="none" normalizeH="0" baseline="0" dirty="0">
+                <a:ln>
+                  <a:noFill/>
+                </a:ln>
+                <a:solidFill>
+                  <a:srgbClr val="000000"/>
+                </a:solidFill>
+                <a:effectLst/>
+                <a:latin typeface="Consolas" panose="020B0609020204030204" pitchFamily="49" charset="0"/>
+              </a:rPr>
+              <a:t>r = rd.nextInt(</a:t>
+            </a:r>
+            <a:r>
+              <a:rPr kumimoji="0" lang="zh-CN" altLang="zh-CN" sz="1400" b="0" i="0" u="none" strike="noStrike" cap="none" normalizeH="0" baseline="0" dirty="0">
+                <a:ln>
+                  <a:noFill/>
+                </a:ln>
+                <a:solidFill>
+                  <a:srgbClr val="0000FF"/>
+                </a:solidFill>
+                <a:effectLst/>
+                <a:latin typeface="Consolas" panose="020B0609020204030204" pitchFamily="49" charset="0"/>
+              </a:rPr>
+              <a:t>4</a:t>
+            </a:r>
+            <a:r>
+              <a:rPr kumimoji="0" lang="zh-CN" altLang="zh-CN" sz="1400" b="0" i="0" u="none" strike="noStrike" cap="none" normalizeH="0" baseline="0" dirty="0">
+                <a:ln>
+                  <a:noFill/>
+                </a:ln>
+                <a:solidFill>
+                  <a:srgbClr val="000000"/>
+                </a:solidFill>
+                <a:effectLst/>
+                <a:latin typeface="Consolas" panose="020B0609020204030204" pitchFamily="49" charset="0"/>
+              </a:rPr>
+              <a:t>);</a:t>
+            </a:r>
+            <a:br>
+              <a:rPr kumimoji="0" lang="zh-CN" altLang="zh-CN" sz="1400" b="0" i="0" u="none" strike="noStrike" cap="none" normalizeH="0" baseline="0" dirty="0">
+                <a:ln>
+                  <a:noFill/>
+                </a:ln>
+                <a:solidFill>
+                  <a:srgbClr val="000000"/>
+                </a:solidFill>
+                <a:effectLst/>
+                <a:latin typeface="Consolas" panose="020B0609020204030204" pitchFamily="49" charset="0"/>
+              </a:rPr>
+            </a:br>
+            <a:r>
+              <a:rPr kumimoji="0" lang="zh-CN" altLang="zh-CN" sz="1400" b="0" i="0" u="none" strike="noStrike" cap="none" normalizeH="0" baseline="0" dirty="0">
+                <a:ln>
+                  <a:noFill/>
+                </a:ln>
+                <a:solidFill>
+                  <a:srgbClr val="000000"/>
+                </a:solidFill>
+                <a:effectLst/>
+                <a:latin typeface="Consolas" panose="020B0609020204030204" pitchFamily="49" charset="0"/>
+              </a:rPr>
+              <a:t>   </a:t>
+            </a:r>
+            <a:r>
+              <a:rPr kumimoji="0" lang="zh-CN" altLang="zh-CN" sz="1400" b="1" i="0" u="none" strike="noStrike" cap="none" normalizeH="0" baseline="0" dirty="0">
+                <a:ln>
+                  <a:noFill/>
+                </a:ln>
+                <a:solidFill>
+                  <a:srgbClr val="000080"/>
+                </a:solidFill>
+                <a:effectLst/>
+                <a:latin typeface="Consolas" panose="020B0609020204030204" pitchFamily="49" charset="0"/>
+              </a:rPr>
+              <a:t>if </a:t>
+            </a:r>
+            <a:r>
+              <a:rPr kumimoji="0" lang="zh-CN" altLang="zh-CN" sz="1400" b="0" i="0" u="none" strike="noStrike" cap="none" normalizeH="0" baseline="0" dirty="0">
+                <a:ln>
+                  <a:noFill/>
+                </a:ln>
+                <a:solidFill>
+                  <a:srgbClr val="000000"/>
+                </a:solidFill>
+                <a:effectLst/>
+                <a:latin typeface="Consolas" panose="020B0609020204030204" pitchFamily="49" charset="0"/>
+              </a:rPr>
+              <a:t>(r==</a:t>
+            </a:r>
+            <a:r>
+              <a:rPr kumimoji="0" lang="zh-CN" altLang="zh-CN" sz="1400" b="0" i="0" u="none" strike="noStrike" cap="none" normalizeH="0" baseline="0" dirty="0">
+                <a:ln>
+                  <a:noFill/>
+                </a:ln>
+                <a:solidFill>
+                  <a:srgbClr val="0000FF"/>
+                </a:solidFill>
+                <a:effectLst/>
+                <a:latin typeface="Consolas" panose="020B0609020204030204" pitchFamily="49" charset="0"/>
+              </a:rPr>
+              <a:t>0</a:t>
+            </a:r>
+            <a:r>
+              <a:rPr kumimoji="0" lang="zh-CN" altLang="zh-CN" sz="1400" b="0" i="0" u="none" strike="noStrike" cap="none" normalizeH="0" baseline="0" dirty="0">
+                <a:ln>
+                  <a:noFill/>
+                </a:ln>
+                <a:solidFill>
+                  <a:srgbClr val="000000"/>
+                </a:solidFill>
+                <a:effectLst/>
+                <a:latin typeface="Consolas" panose="020B0609020204030204" pitchFamily="49" charset="0"/>
+              </a:rPr>
+              <a:t>) {</a:t>
+            </a:r>
+            <a:br>
+              <a:rPr kumimoji="0" lang="zh-CN" altLang="zh-CN" sz="1400" b="0" i="0" u="none" strike="noStrike" cap="none" normalizeH="0" baseline="0" dirty="0">
+                <a:ln>
+                  <a:noFill/>
+                </a:ln>
+                <a:solidFill>
+                  <a:srgbClr val="000000"/>
+                </a:solidFill>
+                <a:effectLst/>
+                <a:latin typeface="Consolas" panose="020B0609020204030204" pitchFamily="49" charset="0"/>
+              </a:rPr>
+            </a:br>
+            <a:r>
+              <a:rPr kumimoji="0" lang="zh-CN" altLang="zh-CN" sz="1400" b="0" i="0" u="none" strike="noStrike" cap="none" normalizeH="0" baseline="0" dirty="0">
+                <a:ln>
+                  <a:noFill/>
+                </a:ln>
+                <a:solidFill>
+                  <a:srgbClr val="000000"/>
+                </a:solidFill>
+                <a:effectLst/>
+                <a:latin typeface="Consolas" panose="020B0609020204030204" pitchFamily="49" charset="0"/>
+              </a:rPr>
+              <a:t>      </a:t>
+            </a:r>
+            <a:r>
+              <a:rPr kumimoji="0" lang="zh-CN" altLang="zh-CN" sz="1400" b="1" i="0" u="none" strike="noStrike" cap="none" normalizeH="0" baseline="0" dirty="0">
+                <a:ln>
+                  <a:noFill/>
+                </a:ln>
+                <a:solidFill>
+                  <a:srgbClr val="000080"/>
+                </a:solidFill>
+                <a:effectLst/>
+                <a:latin typeface="Consolas" panose="020B0609020204030204" pitchFamily="49" charset="0"/>
+              </a:rPr>
+              <a:t>this</a:t>
+            </a:r>
+            <a:r>
+              <a:rPr kumimoji="0" lang="zh-CN" altLang="zh-CN" sz="1400" b="0" i="0" u="none" strike="noStrike" cap="none" normalizeH="0" baseline="0" dirty="0">
+                <a:ln>
+                  <a:noFill/>
+                </a:ln>
+                <a:solidFill>
+                  <a:srgbClr val="000000"/>
+                </a:solidFill>
+                <a:effectLst/>
+                <a:latin typeface="Consolas" panose="020B0609020204030204" pitchFamily="49" charset="0"/>
+              </a:rPr>
+              <a:t>.</a:t>
+            </a:r>
+            <a:r>
+              <a:rPr kumimoji="0" lang="zh-CN" altLang="zh-CN" sz="1400" b="1" i="0" u="none" strike="noStrike" cap="none" normalizeH="0" baseline="0" dirty="0">
+                <a:ln>
+                  <a:noFill/>
+                </a:ln>
+                <a:solidFill>
+                  <a:srgbClr val="660E7A"/>
+                </a:solidFill>
+                <a:effectLst/>
+                <a:latin typeface="Consolas" panose="020B0609020204030204" pitchFamily="49" charset="0"/>
+              </a:rPr>
+              <a:t>artefact </a:t>
+            </a:r>
+            <a:r>
+              <a:rPr kumimoji="0" lang="zh-CN" altLang="zh-CN" sz="1400" b="0" i="0" u="none" strike="noStrike" cap="none" normalizeH="0" baseline="0" dirty="0">
+                <a:ln>
+                  <a:noFill/>
+                </a:ln>
+                <a:solidFill>
+                  <a:srgbClr val="000000"/>
+                </a:solidFill>
+                <a:effectLst/>
+                <a:latin typeface="Consolas" panose="020B0609020204030204" pitchFamily="49" charset="0"/>
+              </a:rPr>
+              <a:t>= Event.AIR;</a:t>
+            </a:r>
+            <a:br>
+              <a:rPr kumimoji="0" lang="zh-CN" altLang="zh-CN" sz="1400" b="0" i="0" u="none" strike="noStrike" cap="none" normalizeH="0" baseline="0" dirty="0">
+                <a:ln>
+                  <a:noFill/>
+                </a:ln>
+                <a:solidFill>
+                  <a:srgbClr val="000000"/>
+                </a:solidFill>
+                <a:effectLst/>
+                <a:latin typeface="Consolas" panose="020B0609020204030204" pitchFamily="49" charset="0"/>
+              </a:rPr>
+            </a:br>
+            <a:r>
+              <a:rPr kumimoji="0" lang="zh-CN" altLang="zh-CN" sz="1400" b="0" i="0" u="none" strike="noStrike" cap="none" normalizeH="0" baseline="0" dirty="0">
+                <a:ln>
+                  <a:noFill/>
+                </a:ln>
+                <a:solidFill>
+                  <a:srgbClr val="000000"/>
+                </a:solidFill>
+                <a:effectLst/>
+                <a:latin typeface="Consolas" panose="020B0609020204030204" pitchFamily="49" charset="0"/>
+              </a:rPr>
+              <a:t>      </a:t>
+            </a:r>
+            <a:r>
+              <a:rPr kumimoji="0" lang="zh-CN" altLang="zh-CN" sz="1400" b="1" i="0" u="none" strike="noStrike" cap="none" normalizeH="0" baseline="0" dirty="0">
+                <a:ln>
+                  <a:noFill/>
+                </a:ln>
+                <a:solidFill>
+                  <a:srgbClr val="000080"/>
+                </a:solidFill>
+                <a:effectLst/>
+                <a:latin typeface="Consolas" panose="020B0609020204030204" pitchFamily="49" charset="0"/>
+              </a:rPr>
+              <a:t>this</a:t>
+            </a:r>
+            <a:r>
+              <a:rPr kumimoji="0" lang="zh-CN" altLang="zh-CN" sz="1400" b="0" i="0" u="none" strike="noStrike" cap="none" normalizeH="0" baseline="0" dirty="0">
+                <a:ln>
+                  <a:noFill/>
+                </a:ln>
+                <a:solidFill>
+                  <a:srgbClr val="000000"/>
+                </a:solidFill>
+                <a:effectLst/>
+                <a:latin typeface="Consolas" panose="020B0609020204030204" pitchFamily="49" charset="0"/>
+              </a:rPr>
+              <a:t>.</a:t>
+            </a:r>
+            <a:r>
+              <a:rPr kumimoji="0" lang="zh-CN" altLang="zh-CN" sz="1400" b="1" i="0" u="none" strike="noStrike" cap="none" normalizeH="0" baseline="0" dirty="0">
+                <a:ln>
+                  <a:noFill/>
+                </a:ln>
+                <a:solidFill>
+                  <a:srgbClr val="660E7A"/>
+                </a:solidFill>
+                <a:effectLst/>
+                <a:latin typeface="Consolas" panose="020B0609020204030204" pitchFamily="49" charset="0"/>
+              </a:rPr>
+              <a:t>hasArtefact </a:t>
+            </a:r>
+            <a:r>
+              <a:rPr kumimoji="0" lang="zh-CN" altLang="zh-CN" sz="1400" b="0" i="0" u="none" strike="noStrike" cap="none" normalizeH="0" baseline="0" dirty="0">
+                <a:ln>
+                  <a:noFill/>
+                </a:ln>
+                <a:solidFill>
+                  <a:srgbClr val="000000"/>
+                </a:solidFill>
+                <a:effectLst/>
+                <a:latin typeface="Consolas" panose="020B0609020204030204" pitchFamily="49" charset="0"/>
+              </a:rPr>
+              <a:t>= </a:t>
+            </a:r>
+            <a:r>
+              <a:rPr kumimoji="0" lang="zh-CN" altLang="zh-CN" sz="1400" b="1" i="0" u="none" strike="noStrike" cap="none" normalizeH="0" baseline="0" dirty="0">
+                <a:ln>
+                  <a:noFill/>
+                </a:ln>
+                <a:solidFill>
+                  <a:srgbClr val="000080"/>
+                </a:solidFill>
+                <a:effectLst/>
+                <a:latin typeface="Consolas" panose="020B0609020204030204" pitchFamily="49" charset="0"/>
+              </a:rPr>
+              <a:t>true</a:t>
+            </a:r>
+            <a:r>
+              <a:rPr kumimoji="0" lang="zh-CN" altLang="zh-CN" sz="1400" b="0" i="0" u="none" strike="noStrike" cap="none" normalizeH="0" baseline="0" dirty="0">
+                <a:ln>
+                  <a:noFill/>
+                </a:ln>
+                <a:solidFill>
+                  <a:srgbClr val="000000"/>
+                </a:solidFill>
+                <a:effectLst/>
+                <a:latin typeface="Consolas" panose="020B0609020204030204" pitchFamily="49" charset="0"/>
+              </a:rPr>
+              <a:t>;</a:t>
+            </a:r>
+            <a:br>
+              <a:rPr kumimoji="0" lang="zh-CN" altLang="zh-CN" sz="1400" b="0" i="0" u="none" strike="noStrike" cap="none" normalizeH="0" baseline="0" dirty="0">
+                <a:ln>
+                  <a:noFill/>
+                </a:ln>
+                <a:solidFill>
+                  <a:srgbClr val="000000"/>
+                </a:solidFill>
+                <a:effectLst/>
+                <a:latin typeface="Consolas" panose="020B0609020204030204" pitchFamily="49" charset="0"/>
+              </a:rPr>
+            </a:br>
+            <a:r>
+              <a:rPr kumimoji="0" lang="zh-CN" altLang="zh-CN" sz="1400" b="0" i="0" u="none" strike="noStrike" cap="none" normalizeH="0" baseline="0" dirty="0">
+                <a:ln>
+                  <a:noFill/>
+                </a:ln>
+                <a:solidFill>
+                  <a:srgbClr val="000000"/>
+                </a:solidFill>
+                <a:effectLst/>
+                <a:latin typeface="Consolas" panose="020B0609020204030204" pitchFamily="49" charset="0"/>
+              </a:rPr>
+              <a:t>   }</a:t>
+            </a:r>
+            <a:br>
+              <a:rPr kumimoji="0" lang="zh-CN" altLang="zh-CN" sz="1400" b="0" i="0" u="none" strike="noStrike" cap="none" normalizeH="0" baseline="0" dirty="0">
+                <a:ln>
+                  <a:noFill/>
+                </a:ln>
+                <a:solidFill>
+                  <a:srgbClr val="000000"/>
+                </a:solidFill>
+                <a:effectLst/>
+                <a:latin typeface="Consolas" panose="020B0609020204030204" pitchFamily="49" charset="0"/>
+              </a:rPr>
+            </a:br>
+            <a:r>
+              <a:rPr kumimoji="0" lang="zh-CN" altLang="zh-CN" sz="1400" b="0" i="0" u="none" strike="noStrike" cap="none" normalizeH="0" baseline="0" dirty="0">
+                <a:ln>
+                  <a:noFill/>
+                </a:ln>
+                <a:solidFill>
+                  <a:srgbClr val="000000"/>
+                </a:solidFill>
+                <a:effectLst/>
+                <a:latin typeface="Consolas" panose="020B0609020204030204" pitchFamily="49" charset="0"/>
+              </a:rPr>
+              <a:t>   </a:t>
+            </a:r>
+            <a:r>
+              <a:rPr kumimoji="0" lang="zh-CN" altLang="zh-CN" sz="1400" b="1" i="0" u="none" strike="noStrike" cap="none" normalizeH="0" baseline="0" dirty="0">
+                <a:ln>
+                  <a:noFill/>
+                </a:ln>
+                <a:solidFill>
+                  <a:srgbClr val="000080"/>
+                </a:solidFill>
+                <a:effectLst/>
+                <a:latin typeface="Consolas" panose="020B0609020204030204" pitchFamily="49" charset="0"/>
+              </a:rPr>
+              <a:t>if </a:t>
+            </a:r>
+            <a:r>
+              <a:rPr kumimoji="0" lang="zh-CN" altLang="zh-CN" sz="1400" b="0" i="0" u="none" strike="noStrike" cap="none" normalizeH="0" baseline="0" dirty="0">
+                <a:ln>
+                  <a:noFill/>
+                </a:ln>
+                <a:solidFill>
+                  <a:srgbClr val="000000"/>
+                </a:solidFill>
+                <a:effectLst/>
+                <a:latin typeface="Consolas" panose="020B0609020204030204" pitchFamily="49" charset="0"/>
+              </a:rPr>
+              <a:t>(r==</a:t>
+            </a:r>
+            <a:r>
+              <a:rPr kumimoji="0" lang="zh-CN" altLang="zh-CN" sz="1400" b="0" i="0" u="none" strike="noStrike" cap="none" normalizeH="0" baseline="0" dirty="0">
+                <a:ln>
+                  <a:noFill/>
+                </a:ln>
+                <a:solidFill>
+                  <a:srgbClr val="0000FF"/>
+                </a:solidFill>
+                <a:effectLst/>
+                <a:latin typeface="Consolas" panose="020B0609020204030204" pitchFamily="49" charset="0"/>
+              </a:rPr>
+              <a:t>1</a:t>
+            </a:r>
+            <a:r>
+              <a:rPr kumimoji="0" lang="zh-CN" altLang="zh-CN" sz="1400" b="0" i="0" u="none" strike="noStrike" cap="none" normalizeH="0" baseline="0" dirty="0">
+                <a:ln>
+                  <a:noFill/>
+                </a:ln>
+                <a:solidFill>
+                  <a:srgbClr val="000000"/>
+                </a:solidFill>
+                <a:effectLst/>
+                <a:latin typeface="Consolas" panose="020B0609020204030204" pitchFamily="49" charset="0"/>
+              </a:rPr>
+              <a:t>) {</a:t>
+            </a:r>
+            <a:br>
+              <a:rPr kumimoji="0" lang="zh-CN" altLang="zh-CN" sz="1400" b="0" i="0" u="none" strike="noStrike" cap="none" normalizeH="0" baseline="0" dirty="0">
+                <a:ln>
+                  <a:noFill/>
+                </a:ln>
+                <a:solidFill>
+                  <a:srgbClr val="000000"/>
+                </a:solidFill>
+                <a:effectLst/>
+                <a:latin typeface="Consolas" panose="020B0609020204030204" pitchFamily="49" charset="0"/>
+              </a:rPr>
+            </a:br>
+            <a:r>
+              <a:rPr kumimoji="0" lang="zh-CN" altLang="zh-CN" sz="1400" b="0" i="0" u="none" strike="noStrike" cap="none" normalizeH="0" baseline="0" dirty="0">
+                <a:ln>
+                  <a:noFill/>
+                </a:ln>
+                <a:solidFill>
+                  <a:srgbClr val="000000"/>
+                </a:solidFill>
+                <a:effectLst/>
+                <a:latin typeface="Consolas" panose="020B0609020204030204" pitchFamily="49" charset="0"/>
+              </a:rPr>
+              <a:t>      </a:t>
+            </a:r>
+            <a:r>
+              <a:rPr kumimoji="0" lang="zh-CN" altLang="zh-CN" sz="1400" b="1" i="0" u="none" strike="noStrike" cap="none" normalizeH="0" baseline="0" dirty="0">
+                <a:ln>
+                  <a:noFill/>
+                </a:ln>
+                <a:solidFill>
+                  <a:srgbClr val="000080"/>
+                </a:solidFill>
+                <a:effectLst/>
+                <a:latin typeface="Consolas" panose="020B0609020204030204" pitchFamily="49" charset="0"/>
+              </a:rPr>
+              <a:t>this</a:t>
+            </a:r>
+            <a:r>
+              <a:rPr kumimoji="0" lang="zh-CN" altLang="zh-CN" sz="1400" b="0" i="0" u="none" strike="noStrike" cap="none" normalizeH="0" baseline="0" dirty="0">
+                <a:ln>
+                  <a:noFill/>
+                </a:ln>
+                <a:solidFill>
+                  <a:srgbClr val="000000"/>
+                </a:solidFill>
+                <a:effectLst/>
+                <a:latin typeface="Consolas" panose="020B0609020204030204" pitchFamily="49" charset="0"/>
+              </a:rPr>
+              <a:t>.</a:t>
+            </a:r>
+            <a:r>
+              <a:rPr kumimoji="0" lang="zh-CN" altLang="zh-CN" sz="1400" b="1" i="0" u="none" strike="noStrike" cap="none" normalizeH="0" baseline="0" dirty="0">
+                <a:ln>
+                  <a:noFill/>
+                </a:ln>
+                <a:solidFill>
+                  <a:srgbClr val="660E7A"/>
+                </a:solidFill>
+                <a:effectLst/>
+                <a:latin typeface="Consolas" panose="020B0609020204030204" pitchFamily="49" charset="0"/>
+              </a:rPr>
+              <a:t>artefact </a:t>
+            </a:r>
+            <a:r>
+              <a:rPr kumimoji="0" lang="zh-CN" altLang="zh-CN" sz="1400" b="0" i="0" u="none" strike="noStrike" cap="none" normalizeH="0" baseline="0" dirty="0">
+                <a:ln>
+                  <a:noFill/>
+                </a:ln>
+                <a:solidFill>
+                  <a:srgbClr val="000000"/>
+                </a:solidFill>
+                <a:effectLst/>
+                <a:latin typeface="Consolas" panose="020B0609020204030204" pitchFamily="49" charset="0"/>
+              </a:rPr>
+              <a:t>= Event.EAU;</a:t>
+            </a:r>
+            <a:br>
+              <a:rPr kumimoji="0" lang="zh-CN" altLang="zh-CN" sz="1400" b="0" i="0" u="none" strike="noStrike" cap="none" normalizeH="0" baseline="0" dirty="0">
+                <a:ln>
+                  <a:noFill/>
+                </a:ln>
+                <a:solidFill>
+                  <a:srgbClr val="000000"/>
+                </a:solidFill>
+                <a:effectLst/>
+                <a:latin typeface="Consolas" panose="020B0609020204030204" pitchFamily="49" charset="0"/>
+              </a:rPr>
+            </a:br>
+            <a:r>
+              <a:rPr kumimoji="0" lang="zh-CN" altLang="zh-CN" sz="1400" b="0" i="0" u="none" strike="noStrike" cap="none" normalizeH="0" baseline="0" dirty="0">
+                <a:ln>
+                  <a:noFill/>
+                </a:ln>
+                <a:solidFill>
+                  <a:srgbClr val="000000"/>
+                </a:solidFill>
+                <a:effectLst/>
+                <a:latin typeface="Consolas" panose="020B0609020204030204" pitchFamily="49" charset="0"/>
+              </a:rPr>
+              <a:t>      </a:t>
+            </a:r>
+            <a:r>
+              <a:rPr kumimoji="0" lang="zh-CN" altLang="zh-CN" sz="1400" b="1" i="0" u="none" strike="noStrike" cap="none" normalizeH="0" baseline="0" dirty="0">
+                <a:ln>
+                  <a:noFill/>
+                </a:ln>
+                <a:solidFill>
+                  <a:srgbClr val="000080"/>
+                </a:solidFill>
+                <a:effectLst/>
+                <a:latin typeface="Consolas" panose="020B0609020204030204" pitchFamily="49" charset="0"/>
+              </a:rPr>
+              <a:t>this</a:t>
+            </a:r>
+            <a:r>
+              <a:rPr kumimoji="0" lang="zh-CN" altLang="zh-CN" sz="1400" b="0" i="0" u="none" strike="noStrike" cap="none" normalizeH="0" baseline="0" dirty="0">
+                <a:ln>
+                  <a:noFill/>
+                </a:ln>
+                <a:solidFill>
+                  <a:srgbClr val="000000"/>
+                </a:solidFill>
+                <a:effectLst/>
+                <a:latin typeface="Consolas" panose="020B0609020204030204" pitchFamily="49" charset="0"/>
+              </a:rPr>
+              <a:t>.</a:t>
+            </a:r>
+            <a:r>
+              <a:rPr kumimoji="0" lang="zh-CN" altLang="zh-CN" sz="1400" b="1" i="0" u="none" strike="noStrike" cap="none" normalizeH="0" baseline="0" dirty="0">
+                <a:ln>
+                  <a:noFill/>
+                </a:ln>
+                <a:solidFill>
+                  <a:srgbClr val="660E7A"/>
+                </a:solidFill>
+                <a:effectLst/>
+                <a:latin typeface="Consolas" panose="020B0609020204030204" pitchFamily="49" charset="0"/>
+              </a:rPr>
+              <a:t>hasArtefact </a:t>
+            </a:r>
+            <a:r>
+              <a:rPr kumimoji="0" lang="zh-CN" altLang="zh-CN" sz="1400" b="0" i="0" u="none" strike="noStrike" cap="none" normalizeH="0" baseline="0" dirty="0">
+                <a:ln>
+                  <a:noFill/>
+                </a:ln>
+                <a:solidFill>
+                  <a:srgbClr val="000000"/>
+                </a:solidFill>
+                <a:effectLst/>
+                <a:latin typeface="Consolas" panose="020B0609020204030204" pitchFamily="49" charset="0"/>
+              </a:rPr>
+              <a:t>= </a:t>
+            </a:r>
+            <a:r>
+              <a:rPr kumimoji="0" lang="zh-CN" altLang="zh-CN" sz="1400" b="1" i="0" u="none" strike="noStrike" cap="none" normalizeH="0" baseline="0" dirty="0">
+                <a:ln>
+                  <a:noFill/>
+                </a:ln>
+                <a:solidFill>
+                  <a:srgbClr val="000080"/>
+                </a:solidFill>
+                <a:effectLst/>
+                <a:latin typeface="Consolas" panose="020B0609020204030204" pitchFamily="49" charset="0"/>
+              </a:rPr>
+              <a:t>true</a:t>
+            </a:r>
+            <a:r>
+              <a:rPr kumimoji="0" lang="zh-CN" altLang="zh-CN" sz="1400" b="0" i="0" u="none" strike="noStrike" cap="none" normalizeH="0" baseline="0" dirty="0">
+                <a:ln>
+                  <a:noFill/>
+                </a:ln>
+                <a:solidFill>
+                  <a:srgbClr val="000000"/>
+                </a:solidFill>
+                <a:effectLst/>
+                <a:latin typeface="Consolas" panose="020B0609020204030204" pitchFamily="49" charset="0"/>
+              </a:rPr>
+              <a:t>;</a:t>
+            </a:r>
+            <a:br>
+              <a:rPr kumimoji="0" lang="zh-CN" altLang="zh-CN" sz="1400" b="0" i="0" u="none" strike="noStrike" cap="none" normalizeH="0" baseline="0" dirty="0">
+                <a:ln>
+                  <a:noFill/>
+                </a:ln>
+                <a:solidFill>
+                  <a:srgbClr val="000000"/>
+                </a:solidFill>
+                <a:effectLst/>
+                <a:latin typeface="Consolas" panose="020B0609020204030204" pitchFamily="49" charset="0"/>
+              </a:rPr>
+            </a:br>
+            <a:r>
+              <a:rPr kumimoji="0" lang="zh-CN" altLang="zh-CN" sz="1400" b="0" i="0" u="none" strike="noStrike" cap="none" normalizeH="0" baseline="0" dirty="0">
+                <a:ln>
+                  <a:noFill/>
+                </a:ln>
+                <a:solidFill>
+                  <a:srgbClr val="000000"/>
+                </a:solidFill>
+                <a:effectLst/>
+                <a:latin typeface="Consolas" panose="020B0609020204030204" pitchFamily="49" charset="0"/>
+              </a:rPr>
+              <a:t>   }</a:t>
+            </a:r>
+            <a:br>
+              <a:rPr kumimoji="0" lang="zh-CN" altLang="zh-CN" sz="1400" b="0" i="0" u="none" strike="noStrike" cap="none" normalizeH="0" baseline="0" dirty="0">
+                <a:ln>
+                  <a:noFill/>
+                </a:ln>
+                <a:solidFill>
+                  <a:srgbClr val="000000"/>
+                </a:solidFill>
+                <a:effectLst/>
+                <a:latin typeface="Consolas" panose="020B0609020204030204" pitchFamily="49" charset="0"/>
+              </a:rPr>
+            </a:br>
+            <a:r>
+              <a:rPr kumimoji="0" lang="zh-CN" altLang="zh-CN" sz="1400" b="0" i="0" u="none" strike="noStrike" cap="none" normalizeH="0" baseline="0" dirty="0">
+                <a:ln>
+                  <a:noFill/>
+                </a:ln>
+                <a:solidFill>
+                  <a:srgbClr val="000000"/>
+                </a:solidFill>
+                <a:effectLst/>
+                <a:latin typeface="Consolas" panose="020B0609020204030204" pitchFamily="49" charset="0"/>
+              </a:rPr>
+              <a:t>   </a:t>
+            </a:r>
+            <a:r>
+              <a:rPr kumimoji="0" lang="zh-CN" altLang="zh-CN" sz="1400" b="1" i="0" u="none" strike="noStrike" cap="none" normalizeH="0" baseline="0" dirty="0">
+                <a:ln>
+                  <a:noFill/>
+                </a:ln>
+                <a:solidFill>
+                  <a:srgbClr val="000080"/>
+                </a:solidFill>
+                <a:effectLst/>
+                <a:latin typeface="Consolas" panose="020B0609020204030204" pitchFamily="49" charset="0"/>
+              </a:rPr>
+              <a:t>if </a:t>
+            </a:r>
+            <a:r>
+              <a:rPr kumimoji="0" lang="zh-CN" altLang="zh-CN" sz="1400" b="0" i="0" u="none" strike="noStrike" cap="none" normalizeH="0" baseline="0" dirty="0">
+                <a:ln>
+                  <a:noFill/>
+                </a:ln>
+                <a:solidFill>
+                  <a:srgbClr val="000000"/>
+                </a:solidFill>
+                <a:effectLst/>
+                <a:latin typeface="Consolas" panose="020B0609020204030204" pitchFamily="49" charset="0"/>
+              </a:rPr>
+              <a:t>(r==</a:t>
+            </a:r>
+            <a:r>
+              <a:rPr kumimoji="0" lang="zh-CN" altLang="zh-CN" sz="1400" b="0" i="0" u="none" strike="noStrike" cap="none" normalizeH="0" baseline="0" dirty="0">
+                <a:ln>
+                  <a:noFill/>
+                </a:ln>
+                <a:solidFill>
+                  <a:srgbClr val="0000FF"/>
+                </a:solidFill>
+                <a:effectLst/>
+                <a:latin typeface="Consolas" panose="020B0609020204030204" pitchFamily="49" charset="0"/>
+              </a:rPr>
+              <a:t>2</a:t>
+            </a:r>
+            <a:r>
+              <a:rPr kumimoji="0" lang="zh-CN" altLang="zh-CN" sz="1400" b="0" i="0" u="none" strike="noStrike" cap="none" normalizeH="0" baseline="0" dirty="0">
+                <a:ln>
+                  <a:noFill/>
+                </a:ln>
+                <a:solidFill>
+                  <a:srgbClr val="000000"/>
+                </a:solidFill>
+                <a:effectLst/>
+                <a:latin typeface="Consolas" panose="020B0609020204030204" pitchFamily="49" charset="0"/>
+              </a:rPr>
+              <a:t>) {</a:t>
+            </a:r>
+            <a:br>
+              <a:rPr kumimoji="0" lang="zh-CN" altLang="zh-CN" sz="1400" b="0" i="0" u="none" strike="noStrike" cap="none" normalizeH="0" baseline="0" dirty="0">
+                <a:ln>
+                  <a:noFill/>
+                </a:ln>
+                <a:solidFill>
+                  <a:srgbClr val="000000"/>
+                </a:solidFill>
+                <a:effectLst/>
+                <a:latin typeface="Consolas" panose="020B0609020204030204" pitchFamily="49" charset="0"/>
+              </a:rPr>
+            </a:br>
+            <a:r>
+              <a:rPr kumimoji="0" lang="zh-CN" altLang="zh-CN" sz="1400" b="0" i="0" u="none" strike="noStrike" cap="none" normalizeH="0" baseline="0" dirty="0">
+                <a:ln>
+                  <a:noFill/>
+                </a:ln>
+                <a:solidFill>
+                  <a:srgbClr val="000000"/>
+                </a:solidFill>
+                <a:effectLst/>
+                <a:latin typeface="Consolas" panose="020B0609020204030204" pitchFamily="49" charset="0"/>
+              </a:rPr>
+              <a:t>      </a:t>
+            </a:r>
+            <a:r>
+              <a:rPr kumimoji="0" lang="zh-CN" altLang="zh-CN" sz="1400" b="1" i="0" u="none" strike="noStrike" cap="none" normalizeH="0" baseline="0" dirty="0">
+                <a:ln>
+                  <a:noFill/>
+                </a:ln>
+                <a:solidFill>
+                  <a:srgbClr val="000080"/>
+                </a:solidFill>
+                <a:effectLst/>
+                <a:latin typeface="Consolas" panose="020B0609020204030204" pitchFamily="49" charset="0"/>
+              </a:rPr>
+              <a:t>this</a:t>
+            </a:r>
+            <a:r>
+              <a:rPr kumimoji="0" lang="zh-CN" altLang="zh-CN" sz="1400" b="0" i="0" u="none" strike="noStrike" cap="none" normalizeH="0" baseline="0" dirty="0">
+                <a:ln>
+                  <a:noFill/>
+                </a:ln>
+                <a:solidFill>
+                  <a:srgbClr val="000000"/>
+                </a:solidFill>
+                <a:effectLst/>
+                <a:latin typeface="Consolas" panose="020B0609020204030204" pitchFamily="49" charset="0"/>
+              </a:rPr>
+              <a:t>.</a:t>
+            </a:r>
+            <a:r>
+              <a:rPr kumimoji="0" lang="zh-CN" altLang="zh-CN" sz="1400" b="1" i="0" u="none" strike="noStrike" cap="none" normalizeH="0" baseline="0" dirty="0">
+                <a:ln>
+                  <a:noFill/>
+                </a:ln>
+                <a:solidFill>
+                  <a:srgbClr val="660E7A"/>
+                </a:solidFill>
+                <a:effectLst/>
+                <a:latin typeface="Consolas" panose="020B0609020204030204" pitchFamily="49" charset="0"/>
+              </a:rPr>
+              <a:t>artefact </a:t>
+            </a:r>
+            <a:r>
+              <a:rPr kumimoji="0" lang="zh-CN" altLang="zh-CN" sz="1400" b="0" i="0" u="none" strike="noStrike" cap="none" normalizeH="0" baseline="0" dirty="0">
+                <a:ln>
+                  <a:noFill/>
+                </a:ln>
+                <a:solidFill>
+                  <a:srgbClr val="000000"/>
+                </a:solidFill>
+                <a:effectLst/>
+                <a:latin typeface="Consolas" panose="020B0609020204030204" pitchFamily="49" charset="0"/>
+              </a:rPr>
+              <a:t>= Event.FEU;</a:t>
+            </a:r>
+            <a:br>
+              <a:rPr kumimoji="0" lang="zh-CN" altLang="zh-CN" sz="1400" b="0" i="0" u="none" strike="noStrike" cap="none" normalizeH="0" baseline="0" dirty="0">
+                <a:ln>
+                  <a:noFill/>
+                </a:ln>
+                <a:solidFill>
+                  <a:srgbClr val="000000"/>
+                </a:solidFill>
+                <a:effectLst/>
+                <a:latin typeface="Consolas" panose="020B0609020204030204" pitchFamily="49" charset="0"/>
+              </a:rPr>
+            </a:br>
+            <a:r>
+              <a:rPr kumimoji="0" lang="zh-CN" altLang="zh-CN" sz="1400" b="0" i="0" u="none" strike="noStrike" cap="none" normalizeH="0" baseline="0" dirty="0">
+                <a:ln>
+                  <a:noFill/>
+                </a:ln>
+                <a:solidFill>
+                  <a:srgbClr val="000000"/>
+                </a:solidFill>
+                <a:effectLst/>
+                <a:latin typeface="Consolas" panose="020B0609020204030204" pitchFamily="49" charset="0"/>
+              </a:rPr>
+              <a:t>      </a:t>
+            </a:r>
+            <a:r>
+              <a:rPr kumimoji="0" lang="zh-CN" altLang="zh-CN" sz="1400" b="1" i="0" u="none" strike="noStrike" cap="none" normalizeH="0" baseline="0" dirty="0">
+                <a:ln>
+                  <a:noFill/>
+                </a:ln>
+                <a:solidFill>
+                  <a:srgbClr val="000080"/>
+                </a:solidFill>
+                <a:effectLst/>
+                <a:latin typeface="Consolas" panose="020B0609020204030204" pitchFamily="49" charset="0"/>
+              </a:rPr>
+              <a:t>this</a:t>
+            </a:r>
+            <a:r>
+              <a:rPr kumimoji="0" lang="zh-CN" altLang="zh-CN" sz="1400" b="0" i="0" u="none" strike="noStrike" cap="none" normalizeH="0" baseline="0" dirty="0">
+                <a:ln>
+                  <a:noFill/>
+                </a:ln>
+                <a:solidFill>
+                  <a:srgbClr val="000000"/>
+                </a:solidFill>
+                <a:effectLst/>
+                <a:latin typeface="Consolas" panose="020B0609020204030204" pitchFamily="49" charset="0"/>
+              </a:rPr>
+              <a:t>.</a:t>
+            </a:r>
+            <a:r>
+              <a:rPr kumimoji="0" lang="zh-CN" altLang="zh-CN" sz="1400" b="1" i="0" u="none" strike="noStrike" cap="none" normalizeH="0" baseline="0" dirty="0">
+                <a:ln>
+                  <a:noFill/>
+                </a:ln>
+                <a:solidFill>
+                  <a:srgbClr val="660E7A"/>
+                </a:solidFill>
+                <a:effectLst/>
+                <a:latin typeface="Consolas" panose="020B0609020204030204" pitchFamily="49" charset="0"/>
+              </a:rPr>
+              <a:t>hasArtefact </a:t>
+            </a:r>
+            <a:r>
+              <a:rPr kumimoji="0" lang="zh-CN" altLang="zh-CN" sz="1400" b="0" i="0" u="none" strike="noStrike" cap="none" normalizeH="0" baseline="0" dirty="0">
+                <a:ln>
+                  <a:noFill/>
+                </a:ln>
+                <a:solidFill>
+                  <a:srgbClr val="000000"/>
+                </a:solidFill>
+                <a:effectLst/>
+                <a:latin typeface="Consolas" panose="020B0609020204030204" pitchFamily="49" charset="0"/>
+              </a:rPr>
+              <a:t>= </a:t>
+            </a:r>
+            <a:r>
+              <a:rPr kumimoji="0" lang="zh-CN" altLang="zh-CN" sz="1400" b="1" i="0" u="none" strike="noStrike" cap="none" normalizeH="0" baseline="0" dirty="0">
+                <a:ln>
+                  <a:noFill/>
+                </a:ln>
+                <a:solidFill>
+                  <a:srgbClr val="000080"/>
+                </a:solidFill>
+                <a:effectLst/>
+                <a:latin typeface="Consolas" panose="020B0609020204030204" pitchFamily="49" charset="0"/>
+              </a:rPr>
+              <a:t>true</a:t>
+            </a:r>
+            <a:r>
+              <a:rPr kumimoji="0" lang="zh-CN" altLang="zh-CN" sz="1400" b="0" i="0" u="none" strike="noStrike" cap="none" normalizeH="0" baseline="0" dirty="0">
+                <a:ln>
+                  <a:noFill/>
+                </a:ln>
+                <a:solidFill>
+                  <a:srgbClr val="000000"/>
+                </a:solidFill>
+                <a:effectLst/>
+                <a:latin typeface="Consolas" panose="020B0609020204030204" pitchFamily="49" charset="0"/>
+              </a:rPr>
+              <a:t>;</a:t>
+            </a:r>
+            <a:br>
+              <a:rPr kumimoji="0" lang="zh-CN" altLang="zh-CN" sz="1400" b="0" i="0" u="none" strike="noStrike" cap="none" normalizeH="0" baseline="0" dirty="0">
+                <a:ln>
+                  <a:noFill/>
+                </a:ln>
+                <a:solidFill>
+                  <a:srgbClr val="000000"/>
+                </a:solidFill>
+                <a:effectLst/>
+                <a:latin typeface="Consolas" panose="020B0609020204030204" pitchFamily="49" charset="0"/>
+              </a:rPr>
+            </a:br>
+            <a:r>
+              <a:rPr kumimoji="0" lang="zh-CN" altLang="zh-CN" sz="1400" b="0" i="0" u="none" strike="noStrike" cap="none" normalizeH="0" baseline="0" dirty="0">
+                <a:ln>
+                  <a:noFill/>
+                </a:ln>
+                <a:solidFill>
+                  <a:srgbClr val="000000"/>
+                </a:solidFill>
+                <a:effectLst/>
+                <a:latin typeface="Consolas" panose="020B0609020204030204" pitchFamily="49" charset="0"/>
+              </a:rPr>
+              <a:t>   }</a:t>
+            </a:r>
+            <a:br>
+              <a:rPr kumimoji="0" lang="zh-CN" altLang="zh-CN" sz="1400" b="0" i="0" u="none" strike="noStrike" cap="none" normalizeH="0" baseline="0" dirty="0">
+                <a:ln>
+                  <a:noFill/>
+                </a:ln>
+                <a:solidFill>
+                  <a:srgbClr val="000000"/>
+                </a:solidFill>
+                <a:effectLst/>
+                <a:latin typeface="Consolas" panose="020B0609020204030204" pitchFamily="49" charset="0"/>
+              </a:rPr>
+            </a:br>
+            <a:r>
+              <a:rPr kumimoji="0" lang="zh-CN" altLang="zh-CN" sz="1400" b="0" i="0" u="none" strike="noStrike" cap="none" normalizeH="0" baseline="0" dirty="0">
+                <a:ln>
+                  <a:noFill/>
+                </a:ln>
+                <a:solidFill>
+                  <a:srgbClr val="000000"/>
+                </a:solidFill>
+                <a:effectLst/>
+                <a:latin typeface="Consolas" panose="020B0609020204030204" pitchFamily="49" charset="0"/>
+              </a:rPr>
+              <a:t>   </a:t>
+            </a:r>
+            <a:r>
+              <a:rPr kumimoji="0" lang="zh-CN" altLang="zh-CN" sz="1400" b="1" i="0" u="none" strike="noStrike" cap="none" normalizeH="0" baseline="0" dirty="0">
+                <a:ln>
+                  <a:noFill/>
+                </a:ln>
+                <a:solidFill>
+                  <a:srgbClr val="000080"/>
+                </a:solidFill>
+                <a:effectLst/>
+                <a:latin typeface="Consolas" panose="020B0609020204030204" pitchFamily="49" charset="0"/>
+              </a:rPr>
+              <a:t>if </a:t>
+            </a:r>
+            <a:r>
+              <a:rPr kumimoji="0" lang="zh-CN" altLang="zh-CN" sz="1400" b="0" i="0" u="none" strike="noStrike" cap="none" normalizeH="0" baseline="0" dirty="0">
+                <a:ln>
+                  <a:noFill/>
+                </a:ln>
+                <a:solidFill>
+                  <a:srgbClr val="000000"/>
+                </a:solidFill>
+                <a:effectLst/>
+                <a:latin typeface="Consolas" panose="020B0609020204030204" pitchFamily="49" charset="0"/>
+              </a:rPr>
+              <a:t>(r==</a:t>
+            </a:r>
+            <a:r>
+              <a:rPr kumimoji="0" lang="zh-CN" altLang="zh-CN" sz="1400" b="0" i="0" u="none" strike="noStrike" cap="none" normalizeH="0" baseline="0" dirty="0">
+                <a:ln>
+                  <a:noFill/>
+                </a:ln>
+                <a:solidFill>
+                  <a:srgbClr val="0000FF"/>
+                </a:solidFill>
+                <a:effectLst/>
+                <a:latin typeface="Consolas" panose="020B0609020204030204" pitchFamily="49" charset="0"/>
+              </a:rPr>
+              <a:t>3</a:t>
+            </a:r>
+            <a:r>
+              <a:rPr kumimoji="0" lang="zh-CN" altLang="zh-CN" sz="1400" b="0" i="0" u="none" strike="noStrike" cap="none" normalizeH="0" baseline="0" dirty="0">
+                <a:ln>
+                  <a:noFill/>
+                </a:ln>
+                <a:solidFill>
+                  <a:srgbClr val="000000"/>
+                </a:solidFill>
+                <a:effectLst/>
+                <a:latin typeface="Consolas" panose="020B0609020204030204" pitchFamily="49" charset="0"/>
+              </a:rPr>
+              <a:t>) {</a:t>
+            </a:r>
+            <a:br>
+              <a:rPr kumimoji="0" lang="zh-CN" altLang="zh-CN" sz="1400" b="0" i="0" u="none" strike="noStrike" cap="none" normalizeH="0" baseline="0" dirty="0">
+                <a:ln>
+                  <a:noFill/>
+                </a:ln>
+                <a:solidFill>
+                  <a:srgbClr val="000000"/>
+                </a:solidFill>
+                <a:effectLst/>
+                <a:latin typeface="Consolas" panose="020B0609020204030204" pitchFamily="49" charset="0"/>
+              </a:rPr>
+            </a:br>
+            <a:r>
+              <a:rPr kumimoji="0" lang="zh-CN" altLang="zh-CN" sz="1400" b="0" i="0" u="none" strike="noStrike" cap="none" normalizeH="0" baseline="0" dirty="0">
+                <a:ln>
+                  <a:noFill/>
+                </a:ln>
+                <a:solidFill>
+                  <a:srgbClr val="000000"/>
+                </a:solidFill>
+                <a:effectLst/>
+                <a:latin typeface="Consolas" panose="020B0609020204030204" pitchFamily="49" charset="0"/>
+              </a:rPr>
+              <a:t>      </a:t>
+            </a:r>
+            <a:r>
+              <a:rPr kumimoji="0" lang="zh-CN" altLang="zh-CN" sz="1400" b="1" i="0" u="none" strike="noStrike" cap="none" normalizeH="0" baseline="0" dirty="0">
+                <a:ln>
+                  <a:noFill/>
+                </a:ln>
+                <a:solidFill>
+                  <a:srgbClr val="000080"/>
+                </a:solidFill>
+                <a:effectLst/>
+                <a:latin typeface="Consolas" panose="020B0609020204030204" pitchFamily="49" charset="0"/>
+              </a:rPr>
+              <a:t>this</a:t>
+            </a:r>
+            <a:r>
+              <a:rPr kumimoji="0" lang="zh-CN" altLang="zh-CN" sz="1400" b="0" i="0" u="none" strike="noStrike" cap="none" normalizeH="0" baseline="0" dirty="0">
+                <a:ln>
+                  <a:noFill/>
+                </a:ln>
+                <a:solidFill>
+                  <a:srgbClr val="000000"/>
+                </a:solidFill>
+                <a:effectLst/>
+                <a:latin typeface="Consolas" panose="020B0609020204030204" pitchFamily="49" charset="0"/>
+              </a:rPr>
+              <a:t>.</a:t>
+            </a:r>
+            <a:r>
+              <a:rPr kumimoji="0" lang="zh-CN" altLang="zh-CN" sz="1400" b="1" i="0" u="none" strike="noStrike" cap="none" normalizeH="0" baseline="0" dirty="0">
+                <a:ln>
+                  <a:noFill/>
+                </a:ln>
+                <a:solidFill>
+                  <a:srgbClr val="660E7A"/>
+                </a:solidFill>
+                <a:effectLst/>
+                <a:latin typeface="Consolas" panose="020B0609020204030204" pitchFamily="49" charset="0"/>
+              </a:rPr>
+              <a:t>artefact </a:t>
+            </a:r>
+            <a:r>
+              <a:rPr kumimoji="0" lang="zh-CN" altLang="zh-CN" sz="1400" b="0" i="0" u="none" strike="noStrike" cap="none" normalizeH="0" baseline="0" dirty="0">
+                <a:ln>
+                  <a:noFill/>
+                </a:ln>
+                <a:solidFill>
+                  <a:srgbClr val="000000"/>
+                </a:solidFill>
+                <a:effectLst/>
+                <a:latin typeface="Consolas" panose="020B0609020204030204" pitchFamily="49" charset="0"/>
+              </a:rPr>
+              <a:t>= Event.TERRE;</a:t>
+            </a:r>
+            <a:br>
+              <a:rPr kumimoji="0" lang="zh-CN" altLang="zh-CN" sz="1400" b="0" i="0" u="none" strike="noStrike" cap="none" normalizeH="0" baseline="0" dirty="0">
+                <a:ln>
+                  <a:noFill/>
+                </a:ln>
+                <a:solidFill>
+                  <a:srgbClr val="000000"/>
+                </a:solidFill>
+                <a:effectLst/>
+                <a:latin typeface="Consolas" panose="020B0609020204030204" pitchFamily="49" charset="0"/>
+              </a:rPr>
+            </a:br>
+            <a:r>
+              <a:rPr kumimoji="0" lang="zh-CN" altLang="zh-CN" sz="1400" b="0" i="0" u="none" strike="noStrike" cap="none" normalizeH="0" baseline="0" dirty="0">
+                <a:ln>
+                  <a:noFill/>
+                </a:ln>
+                <a:solidFill>
+                  <a:srgbClr val="000000"/>
+                </a:solidFill>
+                <a:effectLst/>
+                <a:latin typeface="Consolas" panose="020B0609020204030204" pitchFamily="49" charset="0"/>
+              </a:rPr>
+              <a:t>      </a:t>
+            </a:r>
+            <a:r>
+              <a:rPr kumimoji="0" lang="zh-CN" altLang="zh-CN" sz="1400" b="1" i="0" u="none" strike="noStrike" cap="none" normalizeH="0" baseline="0" dirty="0">
+                <a:ln>
+                  <a:noFill/>
+                </a:ln>
+                <a:solidFill>
+                  <a:srgbClr val="000080"/>
+                </a:solidFill>
+                <a:effectLst/>
+                <a:latin typeface="Consolas" panose="020B0609020204030204" pitchFamily="49" charset="0"/>
+              </a:rPr>
+              <a:t>this</a:t>
+            </a:r>
+            <a:r>
+              <a:rPr kumimoji="0" lang="zh-CN" altLang="zh-CN" sz="1400" b="0" i="0" u="none" strike="noStrike" cap="none" normalizeH="0" baseline="0" dirty="0">
+                <a:ln>
+                  <a:noFill/>
+                </a:ln>
+                <a:solidFill>
+                  <a:srgbClr val="000000"/>
+                </a:solidFill>
+                <a:effectLst/>
+                <a:latin typeface="Consolas" panose="020B0609020204030204" pitchFamily="49" charset="0"/>
+              </a:rPr>
+              <a:t>.</a:t>
+            </a:r>
+            <a:r>
+              <a:rPr kumimoji="0" lang="zh-CN" altLang="zh-CN" sz="1400" b="1" i="0" u="none" strike="noStrike" cap="none" normalizeH="0" baseline="0" dirty="0">
+                <a:ln>
+                  <a:noFill/>
+                </a:ln>
+                <a:solidFill>
+                  <a:srgbClr val="660E7A"/>
+                </a:solidFill>
+                <a:effectLst/>
+                <a:latin typeface="Consolas" panose="020B0609020204030204" pitchFamily="49" charset="0"/>
+              </a:rPr>
+              <a:t>hasArtefact </a:t>
+            </a:r>
+            <a:r>
+              <a:rPr kumimoji="0" lang="zh-CN" altLang="zh-CN" sz="1400" b="0" i="0" u="none" strike="noStrike" cap="none" normalizeH="0" baseline="0" dirty="0">
+                <a:ln>
+                  <a:noFill/>
+                </a:ln>
+                <a:solidFill>
+                  <a:srgbClr val="000000"/>
+                </a:solidFill>
+                <a:effectLst/>
+                <a:latin typeface="Consolas" panose="020B0609020204030204" pitchFamily="49" charset="0"/>
+              </a:rPr>
+              <a:t>= </a:t>
+            </a:r>
+            <a:r>
+              <a:rPr kumimoji="0" lang="zh-CN" altLang="zh-CN" sz="1400" b="1" i="0" u="none" strike="noStrike" cap="none" normalizeH="0" baseline="0" dirty="0">
+                <a:ln>
+                  <a:noFill/>
+                </a:ln>
+                <a:solidFill>
+                  <a:srgbClr val="000080"/>
+                </a:solidFill>
+                <a:effectLst/>
+                <a:latin typeface="Consolas" panose="020B0609020204030204" pitchFamily="49" charset="0"/>
+              </a:rPr>
+              <a:t>true</a:t>
+            </a:r>
+            <a:r>
+              <a:rPr kumimoji="0" lang="zh-CN" altLang="zh-CN" sz="1400" b="0" i="0" u="none" strike="noStrike" cap="none" normalizeH="0" baseline="0" dirty="0">
+                <a:ln>
+                  <a:noFill/>
+                </a:ln>
+                <a:solidFill>
+                  <a:srgbClr val="000000"/>
+                </a:solidFill>
+                <a:effectLst/>
+                <a:latin typeface="Consolas" panose="020B0609020204030204" pitchFamily="49" charset="0"/>
+              </a:rPr>
+              <a:t>;</a:t>
+            </a:r>
+            <a:br>
+              <a:rPr kumimoji="0" lang="zh-CN" altLang="zh-CN" sz="1400" b="0" i="0" u="none" strike="noStrike" cap="none" normalizeH="0" baseline="0" dirty="0">
+                <a:ln>
+                  <a:noFill/>
+                </a:ln>
+                <a:solidFill>
+                  <a:srgbClr val="000000"/>
+                </a:solidFill>
+                <a:effectLst/>
+                <a:latin typeface="Consolas" panose="020B0609020204030204" pitchFamily="49" charset="0"/>
+              </a:rPr>
+            </a:br>
+            <a:r>
+              <a:rPr kumimoji="0" lang="zh-CN" altLang="zh-CN" sz="1400" b="0" i="0" u="none" strike="noStrike" cap="none" normalizeH="0" baseline="0" dirty="0">
+                <a:ln>
+                  <a:noFill/>
+                </a:ln>
+                <a:solidFill>
+                  <a:srgbClr val="000000"/>
+                </a:solidFill>
+                <a:effectLst/>
+                <a:latin typeface="Consolas" panose="020B0609020204030204" pitchFamily="49" charset="0"/>
+              </a:rPr>
+              <a:t>   }</a:t>
+            </a:r>
+            <a:br>
+              <a:rPr kumimoji="0" lang="zh-CN" altLang="zh-CN" sz="1400" b="0" i="0" u="none" strike="noStrike" cap="none" normalizeH="0" baseline="0" dirty="0">
+                <a:ln>
+                  <a:noFill/>
+                </a:ln>
+                <a:solidFill>
+                  <a:srgbClr val="000000"/>
+                </a:solidFill>
+                <a:effectLst/>
+                <a:latin typeface="Consolas" panose="020B0609020204030204" pitchFamily="49" charset="0"/>
+              </a:rPr>
+            </a:br>
+            <a:r>
+              <a:rPr kumimoji="0" lang="zh-CN" altLang="zh-CN" sz="1400" b="0" i="0" u="none" strike="noStrike" cap="none" normalizeH="0" baseline="0" dirty="0">
+                <a:ln>
+                  <a:noFill/>
+                </a:ln>
+                <a:solidFill>
+                  <a:srgbClr val="000000"/>
+                </a:solidFill>
+                <a:effectLst/>
+                <a:latin typeface="Consolas" panose="020B0609020204030204" pitchFamily="49" charset="0"/>
+              </a:rPr>
+              <a:t>}</a:t>
+            </a:r>
+            <a:endParaRPr kumimoji="0" lang="zh-CN" altLang="zh-CN" sz="4000" b="0" i="0" u="none" strike="noStrike" cap="none" normalizeH="0" baseline="0" dirty="0">
+              <a:ln>
+                <a:noFill/>
+              </a:ln>
+              <a:solidFill>
+                <a:schemeClr val="tx1"/>
+              </a:solidFill>
+              <a:effectLst/>
+              <a:latin typeface="Arial" panose="020B0604020202020204" pitchFamily="34" charset="0"/>
+            </a:endParaRPr>
+          </a:p>
+        </p:txBody>
+      </p:sp>
+    </p:spTree>
+    <p:extLst>
+      <p:ext uri="{BB962C8B-B14F-4D97-AF65-F5344CB8AC3E}">
+        <p14:creationId xmlns:p14="http://schemas.microsoft.com/office/powerpoint/2010/main" val="4263007454"/>
+      </p:ext>
+    </p:extLst>
+  </p:cSld>
+  <p:clrMapOvr>
+    <a:masterClrMapping/>
+  </p:clrMapOvr>
+</p:sld>
+</file>
+
+<file path=ppt/slides/slide8.xml><?xml version="1.0" encoding="utf-8"?>
 <p:sld xmlns:a="http://schemas.openxmlformats.org/drawingml/2006/main" xmlns:r="http://schemas.openxmlformats.org/officeDocument/2006/relationships" xmlns:p="http://schemas.openxmlformats.org/presentationml/2006/main">
   <p:cSld>
     <p:spTree>
@@ -12996,7 +16028,7 @@
 </p:sld>
 </file>
 
-<file path=ppt/slides/slide8.xml><?xml version="1.0" encoding="utf-8"?>
+<file path=ppt/slides/slide9.xml><?xml version="1.0" encoding="utf-8"?>
 <p:sld xmlns:a="http://schemas.openxmlformats.org/drawingml/2006/main" xmlns:r="http://schemas.openxmlformats.org/officeDocument/2006/relationships" xmlns:p="http://schemas.openxmlformats.org/presentationml/2006/main">
   <p:cSld>
     <p:spTree>
@@ -14502,327 +17534,6 @@
     <p:extLst>
       <p:ext uri="{BB962C8B-B14F-4D97-AF65-F5344CB8AC3E}">
         <p14:creationId xmlns:p14="http://schemas.microsoft.com/office/powerpoint/2010/main" val="2557073632"/>
-      </p:ext>
-    </p:extLst>
-  </p:cSld>
-  <p:clrMapOvr>
-    <a:masterClrMapping/>
-  </p:clrMapOvr>
-</p:sld>
-</file>
-
-<file path=ppt/slides/slide9.xml><?xml version="1.0" encoding="utf-8"?>
-<p:sld xmlns:a="http://schemas.openxmlformats.org/drawingml/2006/main" xmlns:r="http://schemas.openxmlformats.org/officeDocument/2006/relationships" xmlns:p="http://schemas.openxmlformats.org/presentationml/2006/main">
-  <p:cSld>
-    <p:spTree>
-      <p:nvGrpSpPr>
-        <p:cNvPr id="1" name=""/>
-        <p:cNvGrpSpPr/>
-        <p:nvPr/>
-      </p:nvGrpSpPr>
-      <p:grpSpPr>
-        <a:xfrm>
-          <a:off x="0" y="0"/>
-          <a:ext cx="0" cy="0"/>
-          <a:chOff x="0" y="0"/>
-          <a:chExt cx="0" cy="0"/>
-        </a:xfrm>
-      </p:grpSpPr>
-      <p:sp>
-        <p:nvSpPr>
-          <p:cNvPr id="2" name="标题 1">
-            <a:extLst>
-              <a:ext uri="{FF2B5EF4-FFF2-40B4-BE49-F238E27FC236}">
-                <a16:creationId xmlns:a16="http://schemas.microsoft.com/office/drawing/2014/main" id="{A2B97910-DE64-4999-9CA8-8AD6DCC3E8CC}"/>
-              </a:ext>
-            </a:extLst>
-          </p:cNvPr>
-          <p:cNvSpPr>
-            <a:spLocks noGrp="1"/>
-          </p:cNvSpPr>
-          <p:nvPr>
-            <p:ph type="title"/>
-          </p:nvPr>
-        </p:nvSpPr>
-        <p:spPr/>
-        <p:txBody>
-          <a:bodyPr/>
-          <a:lstStyle/>
-          <a:p>
-            <a:r>
-              <a:rPr lang="en-US" altLang="zh-CN" dirty="0"/>
-              <a:t>Observer / Observable</a:t>
-            </a:r>
-            <a:endParaRPr lang="zh-CN" altLang="en-US" dirty="0"/>
-          </a:p>
-        </p:txBody>
-      </p:sp>
-      <p:pic>
-        <p:nvPicPr>
-          <p:cNvPr id="4" name="内容占位符 3">
-            <a:extLst>
-              <a:ext uri="{FF2B5EF4-FFF2-40B4-BE49-F238E27FC236}">
-                <a16:creationId xmlns:a16="http://schemas.microsoft.com/office/drawing/2014/main" id="{0E002305-0D18-4817-AAC2-D8F7FDAED8E6}"/>
-              </a:ext>
-            </a:extLst>
-          </p:cNvPr>
-          <p:cNvPicPr>
-            <a:picLocks noGrp="1" noChangeAspect="1"/>
-          </p:cNvPicPr>
-          <p:nvPr>
-            <p:ph idx="1"/>
-          </p:nvPr>
-        </p:nvPicPr>
-        <p:blipFill>
-          <a:blip r:embed="rId2"/>
-          <a:stretch>
-            <a:fillRect/>
-          </a:stretch>
-        </p:blipFill>
-        <p:spPr>
-          <a:xfrm>
-            <a:off x="838200" y="1690688"/>
-            <a:ext cx="4936391" cy="4351338"/>
-          </a:xfrm>
-          <a:prstGeom prst="rect">
-            <a:avLst/>
-          </a:prstGeom>
-        </p:spPr>
-      </p:pic>
-      <p:sp>
-        <p:nvSpPr>
-          <p:cNvPr id="5" name="Rectangle 1">
-            <a:extLst>
-              <a:ext uri="{FF2B5EF4-FFF2-40B4-BE49-F238E27FC236}">
-                <a16:creationId xmlns:a16="http://schemas.microsoft.com/office/drawing/2014/main" id="{CE6BE87A-6F8B-47D6-841B-3FDE4278FFED}"/>
-              </a:ext>
-            </a:extLst>
-          </p:cNvPr>
-          <p:cNvSpPr>
-            <a:spLocks noChangeArrowheads="1"/>
-          </p:cNvSpPr>
-          <p:nvPr/>
-        </p:nvSpPr>
-        <p:spPr bwMode="auto">
-          <a:xfrm>
-            <a:off x="6207868" y="2274838"/>
-            <a:ext cx="5145932" cy="2308324"/>
-          </a:xfrm>
-          <a:prstGeom prst="rect">
-            <a:avLst/>
-          </a:prstGeom>
-          <a:solidFill>
-            <a:srgbClr val="FFFFFF"/>
-          </a:solidFill>
-          <a:ln>
-            <a:noFill/>
-          </a:ln>
-          <a:effectLst/>
-          <a:extLst>
-            <a:ext uri="{91240B29-F687-4F45-9708-019B960494DF}">
-              <a14:hiddenLine xmlns:a14="http://schemas.microsoft.com/office/drawing/2010/main" w="9525">
-                <a:solidFill>
-                  <a:schemeClr val="tx1"/>
-                </a:solidFill>
-                <a:miter lim="800000"/>
-                <a:headEnd/>
-                <a:tailEnd/>
-              </a14:hiddenLine>
-            </a:ext>
-            <a:ext uri="{AF507438-7753-43E0-B8FC-AC1667EBCBE1}">
-              <a14:hiddenEffects xmlns:a14="http://schemas.microsoft.com/office/drawing/2010/main">
-                <a:effectLst>
-                  <a:outerShdw dist="35921" dir="2700000" algn="ctr" rotWithShape="0">
-                    <a:schemeClr val="bg2"/>
-                  </a:outerShdw>
-                </a:effectLst>
-              </a14:hiddenEffects>
-            </a:ext>
-          </a:extLst>
-        </p:spPr>
-        <p:txBody>
-          <a:bodyPr vert="horz" wrap="square" lIns="91440" tIns="45720" rIns="91440" bIns="45720" numCol="1" anchor="ctr" anchorCtr="0" compatLnSpc="1">
-            <a:prstTxWarp prst="textNoShape">
-              <a:avLst/>
-            </a:prstTxWarp>
-            <a:spAutoFit/>
-          </a:bodyPr>
-          <a:lstStyle/>
-          <a:p>
-            <a:pPr marL="0" marR="0" lvl="0" indent="0" algn="l" defTabSz="914400" rtl="0" eaLnBrk="0" fontAlgn="base" latinLnBrk="0" hangingPunct="0">
-              <a:lnSpc>
-                <a:spcPct val="100000"/>
-              </a:lnSpc>
-              <a:spcBef>
-                <a:spcPct val="0"/>
-              </a:spcBef>
-              <a:spcAft>
-                <a:spcPct val="0"/>
-              </a:spcAft>
-              <a:buClrTx/>
-              <a:buSzTx/>
-              <a:buFontTx/>
-              <a:buNone/>
-              <a:tabLst/>
-            </a:pPr>
-            <a:r>
-              <a:rPr kumimoji="0" lang="zh-CN" altLang="zh-CN" sz="1600" b="0" i="1" u="none" strike="noStrike" cap="none" normalizeH="0" baseline="0" dirty="0">
-                <a:ln>
-                  <a:noFill/>
-                </a:ln>
-                <a:solidFill>
-                  <a:srgbClr val="808080"/>
-                </a:solidFill>
-                <a:effectLst/>
-                <a:latin typeface="Consolas" panose="020B0609020204030204" pitchFamily="49" charset="0"/>
-              </a:rPr>
-              <a:t>le principe est le suivant :</a:t>
-            </a:r>
-            <a:br>
-              <a:rPr kumimoji="0" lang="zh-CN" altLang="zh-CN" sz="1600" b="0" i="1" u="none" strike="noStrike" cap="none" normalizeH="0" baseline="0" dirty="0">
-                <a:ln>
-                  <a:noFill/>
-                </a:ln>
-                <a:solidFill>
-                  <a:srgbClr val="808080"/>
-                </a:solidFill>
-                <a:effectLst/>
-                <a:latin typeface="Consolas" panose="020B0609020204030204" pitchFamily="49" charset="0"/>
-              </a:rPr>
-            </a:br>
-            <a:endParaRPr kumimoji="0" lang="en-US" altLang="zh-CN" sz="1600" b="0" i="1" u="none" strike="noStrike" cap="none" normalizeH="0" baseline="0" dirty="0">
-              <a:ln>
-                <a:noFill/>
-              </a:ln>
-              <a:solidFill>
-                <a:srgbClr val="808080"/>
-              </a:solidFill>
-              <a:effectLst/>
-              <a:latin typeface="Consolas" panose="020B0609020204030204" pitchFamily="49" charset="0"/>
-            </a:endParaRPr>
-          </a:p>
-          <a:p>
-            <a:pPr marL="0" marR="0" lvl="0" indent="0" algn="l" defTabSz="914400" rtl="0" eaLnBrk="0" fontAlgn="base" latinLnBrk="0" hangingPunct="0">
-              <a:lnSpc>
-                <a:spcPct val="100000"/>
-              </a:lnSpc>
-              <a:spcBef>
-                <a:spcPct val="0"/>
-              </a:spcBef>
-              <a:spcAft>
-                <a:spcPct val="0"/>
-              </a:spcAft>
-              <a:buClrTx/>
-              <a:buSzTx/>
-              <a:buFontTx/>
-              <a:buNone/>
-              <a:tabLst/>
-            </a:pPr>
-            <a:r>
-              <a:rPr kumimoji="0" lang="zh-CN" altLang="zh-CN" sz="1600" b="0" i="1" u="none" strike="noStrike" cap="none" normalizeH="0" baseline="0" dirty="0">
-                <a:ln>
-                  <a:noFill/>
-                </a:ln>
-                <a:solidFill>
-                  <a:srgbClr val="808080"/>
-                </a:solidFill>
-                <a:effectLst/>
-                <a:latin typeface="Consolas" panose="020B0609020204030204" pitchFamily="49" charset="0"/>
-              </a:rPr>
-              <a:t>- Un observateur (en l'occurrence la vue) est lié à un objet observé et se met à jour pour refléter les changement de l'observé.</a:t>
-            </a:r>
-            <a:br>
-              <a:rPr kumimoji="0" lang="zh-CN" altLang="zh-CN" sz="1600" b="0" i="1" u="none" strike="noStrike" cap="none" normalizeH="0" baseline="0" dirty="0">
-                <a:ln>
-                  <a:noFill/>
-                </a:ln>
-                <a:solidFill>
-                  <a:srgbClr val="808080"/>
-                </a:solidFill>
-                <a:effectLst/>
-                <a:latin typeface="Consolas" panose="020B0609020204030204" pitchFamily="49" charset="0"/>
-              </a:rPr>
-            </a:br>
-            <a:endParaRPr kumimoji="0" lang="en-US" altLang="zh-CN" sz="1600" b="0" i="1" u="none" strike="noStrike" cap="none" normalizeH="0" baseline="0" dirty="0">
-              <a:ln>
-                <a:noFill/>
-              </a:ln>
-              <a:solidFill>
-                <a:srgbClr val="808080"/>
-              </a:solidFill>
-              <a:effectLst/>
-              <a:latin typeface="Consolas" panose="020B0609020204030204" pitchFamily="49" charset="0"/>
-            </a:endParaRPr>
-          </a:p>
-          <a:p>
-            <a:pPr marL="0" marR="0" lvl="0" indent="0" algn="l" defTabSz="914400" rtl="0" eaLnBrk="0" fontAlgn="base" latinLnBrk="0" hangingPunct="0">
-              <a:lnSpc>
-                <a:spcPct val="100000"/>
-              </a:lnSpc>
-              <a:spcBef>
-                <a:spcPct val="0"/>
-              </a:spcBef>
-              <a:spcAft>
-                <a:spcPct val="0"/>
-              </a:spcAft>
-              <a:buClrTx/>
-              <a:buSzTx/>
-              <a:buFontTx/>
-              <a:buNone/>
-              <a:tabLst/>
-            </a:pPr>
-            <a:r>
-              <a:rPr kumimoji="0" lang="zh-CN" altLang="zh-CN" sz="1600" b="0" i="1" u="none" strike="noStrike" cap="none" normalizeH="0" baseline="0" dirty="0">
-                <a:ln>
-                  <a:noFill/>
-                </a:ln>
-                <a:solidFill>
-                  <a:srgbClr val="808080"/>
-                </a:solidFill>
-                <a:effectLst/>
-                <a:latin typeface="Consolas" panose="020B0609020204030204" pitchFamily="49" charset="0"/>
-              </a:rPr>
-              <a:t>- Un observé est lié à un ensemble d'objets observateurs et les notifie de</a:t>
-            </a:r>
-            <a:r>
-              <a:rPr lang="en-US" altLang="zh-CN" sz="1600" i="1" dirty="0">
-                <a:solidFill>
-                  <a:srgbClr val="808080"/>
-                </a:solidFill>
-                <a:latin typeface="Consolas" panose="020B0609020204030204" pitchFamily="49" charset="0"/>
-              </a:rPr>
-              <a:t> </a:t>
-            </a:r>
-            <a:r>
-              <a:rPr kumimoji="0" lang="zh-CN" altLang="zh-CN" sz="1600" b="0" i="1" u="none" strike="noStrike" cap="none" normalizeH="0" baseline="0" dirty="0">
-                <a:ln>
-                  <a:noFill/>
-                </a:ln>
-                <a:solidFill>
-                  <a:srgbClr val="808080"/>
-                </a:solidFill>
-                <a:effectLst/>
-                <a:latin typeface="Consolas" panose="020B0609020204030204" pitchFamily="49" charset="0"/>
-              </a:rPr>
-              <a:t>tout changement de son propre état.</a:t>
-            </a:r>
-            <a:endParaRPr kumimoji="0" lang="zh-CN" altLang="zh-CN" sz="4400" b="0" i="0" u="none" strike="noStrike" cap="none" normalizeH="0" baseline="0" dirty="0">
-              <a:ln>
-                <a:noFill/>
-              </a:ln>
-              <a:solidFill>
-                <a:schemeClr val="tx1"/>
-              </a:solidFill>
-              <a:effectLst/>
-              <a:latin typeface="Arial" panose="020B0604020202020204" pitchFamily="34" charset="0"/>
-            </a:endParaRPr>
-          </a:p>
-        </p:txBody>
-      </p:sp>
-    </p:spTree>
-    <p:extLst>
-      <p:ext uri="{BB962C8B-B14F-4D97-AF65-F5344CB8AC3E}">
-        <p14:creationId xmlns:p14="http://schemas.microsoft.com/office/powerpoint/2010/main" val="253532566"/>
       </p:ext>
     </p:extLst>
   </p:cSld>
